--- a/2021180001_middle_ppt.pptx
+++ b/2021180001_middle_ppt.pptx
@@ -110,6 +110,11 @@
       </a:defRPr>
     </a:lvl9pPr>
   </p:defaultTextStyle>
+  <p:extLst>
+    <p:ext uri="{EFAFB233-063F-42B5-8137-9DF3F51BA10A}">
+      <p15:sldGuideLst xmlns:p15="http://schemas.microsoft.com/office/powerpoint/2012/main"/>
+    </p:ext>
+  </p:extLst>
 </p:presentation>
 </file>
 
@@ -260,7 +265,7 @@
           <a:p>
             <a:fld id="{CEF397A7-C865-4428-8B9A-396FAC197604}" type="datetimeFigureOut">
               <a:rPr lang="ko-KR" altLang="en-US" smtClean="0"/>
-              <a:t>2024-10-13</a:t>
+              <a:t>2024-11-16</a:t>
             </a:fld>
             <a:endParaRPr lang="ko-KR" altLang="en-US"/>
           </a:p>
@@ -458,7 +463,7 @@
           <a:p>
             <a:fld id="{CEF397A7-C865-4428-8B9A-396FAC197604}" type="datetimeFigureOut">
               <a:rPr lang="ko-KR" altLang="en-US" smtClean="0"/>
-              <a:t>2024-10-13</a:t>
+              <a:t>2024-11-16</a:t>
             </a:fld>
             <a:endParaRPr lang="ko-KR" altLang="en-US"/>
           </a:p>
@@ -666,7 +671,7 @@
           <a:p>
             <a:fld id="{CEF397A7-C865-4428-8B9A-396FAC197604}" type="datetimeFigureOut">
               <a:rPr lang="ko-KR" altLang="en-US" smtClean="0"/>
-              <a:t>2024-10-13</a:t>
+              <a:t>2024-11-16</a:t>
             </a:fld>
             <a:endParaRPr lang="ko-KR" altLang="en-US"/>
           </a:p>
@@ -864,7 +869,7 @@
           <a:p>
             <a:fld id="{CEF397A7-C865-4428-8B9A-396FAC197604}" type="datetimeFigureOut">
               <a:rPr lang="ko-KR" altLang="en-US" smtClean="0"/>
-              <a:t>2024-10-13</a:t>
+              <a:t>2024-11-16</a:t>
             </a:fld>
             <a:endParaRPr lang="ko-KR" altLang="en-US"/>
           </a:p>
@@ -1139,7 +1144,7 @@
           <a:p>
             <a:fld id="{CEF397A7-C865-4428-8B9A-396FAC197604}" type="datetimeFigureOut">
               <a:rPr lang="ko-KR" altLang="en-US" smtClean="0"/>
-              <a:t>2024-10-13</a:t>
+              <a:t>2024-11-16</a:t>
             </a:fld>
             <a:endParaRPr lang="ko-KR" altLang="en-US"/>
           </a:p>
@@ -1404,7 +1409,7 @@
           <a:p>
             <a:fld id="{CEF397A7-C865-4428-8B9A-396FAC197604}" type="datetimeFigureOut">
               <a:rPr lang="ko-KR" altLang="en-US" smtClean="0"/>
-              <a:t>2024-10-13</a:t>
+              <a:t>2024-11-16</a:t>
             </a:fld>
             <a:endParaRPr lang="ko-KR" altLang="en-US"/>
           </a:p>
@@ -1816,7 +1821,7 @@
           <a:p>
             <a:fld id="{CEF397A7-C865-4428-8B9A-396FAC197604}" type="datetimeFigureOut">
               <a:rPr lang="ko-KR" altLang="en-US" smtClean="0"/>
-              <a:t>2024-10-13</a:t>
+              <a:t>2024-11-16</a:t>
             </a:fld>
             <a:endParaRPr lang="ko-KR" altLang="en-US"/>
           </a:p>
@@ -1957,7 +1962,7 @@
           <a:p>
             <a:fld id="{CEF397A7-C865-4428-8B9A-396FAC197604}" type="datetimeFigureOut">
               <a:rPr lang="ko-KR" altLang="en-US" smtClean="0"/>
-              <a:t>2024-10-13</a:t>
+              <a:t>2024-11-16</a:t>
             </a:fld>
             <a:endParaRPr lang="ko-KR" altLang="en-US"/>
           </a:p>
@@ -2070,7 +2075,7 @@
           <a:p>
             <a:fld id="{CEF397A7-C865-4428-8B9A-396FAC197604}" type="datetimeFigureOut">
               <a:rPr lang="ko-KR" altLang="en-US" smtClean="0"/>
-              <a:t>2024-10-13</a:t>
+              <a:t>2024-11-16</a:t>
             </a:fld>
             <a:endParaRPr lang="ko-KR" altLang="en-US"/>
           </a:p>
@@ -2381,7 +2386,7 @@
           <a:p>
             <a:fld id="{CEF397A7-C865-4428-8B9A-396FAC197604}" type="datetimeFigureOut">
               <a:rPr lang="ko-KR" altLang="en-US" smtClean="0"/>
-              <a:t>2024-10-13</a:t>
+              <a:t>2024-11-16</a:t>
             </a:fld>
             <a:endParaRPr lang="ko-KR" altLang="en-US"/>
           </a:p>
@@ -2669,7 +2674,7 @@
           <a:p>
             <a:fld id="{CEF397A7-C865-4428-8B9A-396FAC197604}" type="datetimeFigureOut">
               <a:rPr lang="ko-KR" altLang="en-US" smtClean="0"/>
-              <a:t>2024-10-13</a:t>
+              <a:t>2024-11-16</a:t>
             </a:fld>
             <a:endParaRPr lang="ko-KR" altLang="en-US"/>
           </a:p>
@@ -2910,7 +2915,7 @@
           <a:p>
             <a:fld id="{CEF397A7-C865-4428-8B9A-396FAC197604}" type="datetimeFigureOut">
               <a:rPr lang="ko-KR" altLang="en-US" smtClean="0"/>
-              <a:t>2024-10-13</a:t>
+              <a:t>2024-11-16</a:t>
             </a:fld>
             <a:endParaRPr lang="ko-KR" altLang="en-US"/>
           </a:p>
@@ -5958,7 +5963,7 @@
             <p:ph sz="half" idx="1"/>
             <p:extLst>
               <p:ext uri="{D42A27DB-BD31-4B8C-83A1-F6EECF244321}">
-                <p14:modId xmlns:p14="http://schemas.microsoft.com/office/powerpoint/2010/main" val="2095390592"/>
+                <p14:modId xmlns:p14="http://schemas.microsoft.com/office/powerpoint/2010/main" val="2975840529"/>
               </p:ext>
             </p:extLst>
           </p:nvPr>
@@ -6207,7 +6212,21 @@
                           <a:latin typeface="메이플스토리" panose="02000300000000000000" pitchFamily="2" charset="-127"/>
                           <a:ea typeface="메이플스토리" panose="02000300000000000000" pitchFamily="2" charset="-127"/>
                         </a:rPr>
-                        <a:t> 정리</a:t>
+                        <a:t> 정리 </a:t>
+                      </a:r>
+                      <a:r>
+                        <a:rPr lang="en-US" altLang="ko-KR" sz="1400" dirty="0">
+                          <a:latin typeface="메이플스토리" panose="02000300000000000000" pitchFamily="2" charset="-127"/>
+                          <a:ea typeface="메이플스토리" panose="02000300000000000000" pitchFamily="2" charset="-127"/>
+                        </a:rPr>
+                        <a:t>– </a:t>
+                      </a:r>
+                      <a:r>
+                        <a:rPr lang="ko-KR" altLang="en-US" sz="1400" dirty="0">
+                          <a:latin typeface="메이플스토리" panose="02000300000000000000" pitchFamily="2" charset="-127"/>
+                          <a:ea typeface="메이플스토리" panose="02000300000000000000" pitchFamily="2" charset="-127"/>
+                        </a:rPr>
+                        <a:t>완</a:t>
                       </a:r>
                     </a:p>
                   </a:txBody>
@@ -6385,7 +6404,21 @@
                           <a:latin typeface="메이플스토리" panose="02000300000000000000" pitchFamily="2" charset="-127"/>
                           <a:ea typeface="메이플스토리" panose="02000300000000000000" pitchFamily="2" charset="-127"/>
                         </a:rPr>
-                        <a:t>이펙트 적용</a:t>
+                        <a:t>이펙트 적용 </a:t>
+                      </a:r>
+                      <a:r>
+                        <a:rPr lang="en-US" altLang="ko-KR" sz="1400" dirty="0">
+                          <a:latin typeface="메이플스토리" panose="02000300000000000000" pitchFamily="2" charset="-127"/>
+                          <a:ea typeface="메이플스토리" panose="02000300000000000000" pitchFamily="2" charset="-127"/>
+                        </a:rPr>
+                        <a:t>– </a:t>
+                      </a:r>
+                      <a:r>
+                        <a:rPr lang="ko-KR" altLang="en-US" sz="1400" dirty="0">
+                          <a:latin typeface="메이플스토리" panose="02000300000000000000" pitchFamily="2" charset="-127"/>
+                          <a:ea typeface="메이플스토리" panose="02000300000000000000" pitchFamily="2" charset="-127"/>
+                        </a:rPr>
+                        <a:t>모션만 완</a:t>
                       </a:r>
                     </a:p>
                   </a:txBody>
@@ -6542,7 +6575,21 @@
                           <a:latin typeface="메이플스토리" panose="02000300000000000000" pitchFamily="2" charset="-127"/>
                           <a:ea typeface="메이플스토리" panose="02000300000000000000" pitchFamily="2" charset="-127"/>
                         </a:rPr>
-                        <a:t>행동패턴 설정</a:t>
+                        <a:t>행동패턴 설정 </a:t>
+                      </a:r>
+                      <a:r>
+                        <a:rPr lang="en-US" altLang="ko-KR" sz="1400" dirty="0">
+                          <a:latin typeface="메이플스토리" panose="02000300000000000000" pitchFamily="2" charset="-127"/>
+                          <a:ea typeface="메이플스토리" panose="02000300000000000000" pitchFamily="2" charset="-127"/>
+                        </a:rPr>
+                        <a:t>– </a:t>
+                      </a:r>
+                      <a:r>
+                        <a:rPr lang="ko-KR" altLang="en-US" sz="1400" dirty="0">
+                          <a:latin typeface="메이플스토리" panose="02000300000000000000" pitchFamily="2" charset="-127"/>
+                          <a:ea typeface="메이플스토리" panose="02000300000000000000" pitchFamily="2" charset="-127"/>
+                        </a:rPr>
+                        <a:t>완</a:t>
                       </a:r>
                     </a:p>
                   </a:txBody>
@@ -6694,8 +6741,26 @@
                           <a:latin typeface="메이플스토리" panose="02000300000000000000" pitchFamily="2" charset="-127"/>
                           <a:ea typeface="메이플스토리" panose="02000300000000000000" pitchFamily="2" charset="-127"/>
                         </a:rPr>
-                        <a:t>전투 스테이지 제작 및 몬스터와 플레이어 배치</a:t>
-                      </a:r>
+                        <a:t>전투 스테이지 제작 및 몬스터와 플레이어 배치 </a:t>
+                      </a:r>
+                      <a:r>
+                        <a:rPr lang="en-US" altLang="ko-KR" sz="1400" dirty="0">
+                          <a:latin typeface="메이플스토리" panose="02000300000000000000" pitchFamily="2" charset="-127"/>
+                          <a:ea typeface="메이플스토리" panose="02000300000000000000" pitchFamily="2" charset="-127"/>
+                        </a:rPr>
+                        <a:t>- </a:t>
+                      </a:r>
+                      <a:r>
+                        <a:rPr lang="ko-KR" altLang="en-US" sz="1400">
+                          <a:latin typeface="메이플스토리" panose="02000300000000000000" pitchFamily="2" charset="-127"/>
+                          <a:ea typeface="메이플스토리" panose="02000300000000000000" pitchFamily="2" charset="-127"/>
+                        </a:rPr>
+                        <a:t>완</a:t>
+                      </a:r>
+                      <a:endParaRPr lang="ko-KR" altLang="en-US" sz="1400" dirty="0">
+                        <a:latin typeface="메이플스토리" panose="02000300000000000000" pitchFamily="2" charset="-127"/>
+                        <a:ea typeface="메이플스토리" panose="02000300000000000000" pitchFamily="2" charset="-127"/>
+                      </a:endParaRPr>
                     </a:p>
                   </a:txBody>
                   <a:tcPr anchor="ctr">

--- a/2021180001_middle_ppt.pptx
+++ b/2021180001_middle_ppt.pptx
@@ -12,6 +12,7 @@
     <p:sldId id="260" r:id="rId6"/>
     <p:sldId id="261" r:id="rId7"/>
     <p:sldId id="262" r:id="rId8"/>
+    <p:sldId id="263" r:id="rId9"/>
   </p:sldIdLst>
   <p:sldSz cx="12192000" cy="6858000"/>
   <p:notesSz cx="6858000" cy="9144000"/>
@@ -265,7 +266,7 @@
           <a:p>
             <a:fld id="{CEF397A7-C865-4428-8B9A-396FAC197604}" type="datetimeFigureOut">
               <a:rPr lang="ko-KR" altLang="en-US" smtClean="0"/>
-              <a:t>2024-11-16</a:t>
+              <a:t>2024-11-17</a:t>
             </a:fld>
             <a:endParaRPr lang="ko-KR" altLang="en-US"/>
           </a:p>
@@ -463,7 +464,7 @@
           <a:p>
             <a:fld id="{CEF397A7-C865-4428-8B9A-396FAC197604}" type="datetimeFigureOut">
               <a:rPr lang="ko-KR" altLang="en-US" smtClean="0"/>
-              <a:t>2024-11-16</a:t>
+              <a:t>2024-11-17</a:t>
             </a:fld>
             <a:endParaRPr lang="ko-KR" altLang="en-US"/>
           </a:p>
@@ -671,7 +672,7 @@
           <a:p>
             <a:fld id="{CEF397A7-C865-4428-8B9A-396FAC197604}" type="datetimeFigureOut">
               <a:rPr lang="ko-KR" altLang="en-US" smtClean="0"/>
-              <a:t>2024-11-16</a:t>
+              <a:t>2024-11-17</a:t>
             </a:fld>
             <a:endParaRPr lang="ko-KR" altLang="en-US"/>
           </a:p>
@@ -869,7 +870,7 @@
           <a:p>
             <a:fld id="{CEF397A7-C865-4428-8B9A-396FAC197604}" type="datetimeFigureOut">
               <a:rPr lang="ko-KR" altLang="en-US" smtClean="0"/>
-              <a:t>2024-11-16</a:t>
+              <a:t>2024-11-17</a:t>
             </a:fld>
             <a:endParaRPr lang="ko-KR" altLang="en-US"/>
           </a:p>
@@ -1144,7 +1145,7 @@
           <a:p>
             <a:fld id="{CEF397A7-C865-4428-8B9A-396FAC197604}" type="datetimeFigureOut">
               <a:rPr lang="ko-KR" altLang="en-US" smtClean="0"/>
-              <a:t>2024-11-16</a:t>
+              <a:t>2024-11-17</a:t>
             </a:fld>
             <a:endParaRPr lang="ko-KR" altLang="en-US"/>
           </a:p>
@@ -1409,7 +1410,7 @@
           <a:p>
             <a:fld id="{CEF397A7-C865-4428-8B9A-396FAC197604}" type="datetimeFigureOut">
               <a:rPr lang="ko-KR" altLang="en-US" smtClean="0"/>
-              <a:t>2024-11-16</a:t>
+              <a:t>2024-11-17</a:t>
             </a:fld>
             <a:endParaRPr lang="ko-KR" altLang="en-US"/>
           </a:p>
@@ -1821,7 +1822,7 @@
           <a:p>
             <a:fld id="{CEF397A7-C865-4428-8B9A-396FAC197604}" type="datetimeFigureOut">
               <a:rPr lang="ko-KR" altLang="en-US" smtClean="0"/>
-              <a:t>2024-11-16</a:t>
+              <a:t>2024-11-17</a:t>
             </a:fld>
             <a:endParaRPr lang="ko-KR" altLang="en-US"/>
           </a:p>
@@ -1962,7 +1963,7 @@
           <a:p>
             <a:fld id="{CEF397A7-C865-4428-8B9A-396FAC197604}" type="datetimeFigureOut">
               <a:rPr lang="ko-KR" altLang="en-US" smtClean="0"/>
-              <a:t>2024-11-16</a:t>
+              <a:t>2024-11-17</a:t>
             </a:fld>
             <a:endParaRPr lang="ko-KR" altLang="en-US"/>
           </a:p>
@@ -2075,7 +2076,7 @@
           <a:p>
             <a:fld id="{CEF397A7-C865-4428-8B9A-396FAC197604}" type="datetimeFigureOut">
               <a:rPr lang="ko-KR" altLang="en-US" smtClean="0"/>
-              <a:t>2024-11-16</a:t>
+              <a:t>2024-11-17</a:t>
             </a:fld>
             <a:endParaRPr lang="ko-KR" altLang="en-US"/>
           </a:p>
@@ -2386,7 +2387,7 @@
           <a:p>
             <a:fld id="{CEF397A7-C865-4428-8B9A-396FAC197604}" type="datetimeFigureOut">
               <a:rPr lang="ko-KR" altLang="en-US" smtClean="0"/>
-              <a:t>2024-11-16</a:t>
+              <a:t>2024-11-17</a:t>
             </a:fld>
             <a:endParaRPr lang="ko-KR" altLang="en-US"/>
           </a:p>
@@ -2674,7 +2675,7 @@
           <a:p>
             <a:fld id="{CEF397A7-C865-4428-8B9A-396FAC197604}" type="datetimeFigureOut">
               <a:rPr lang="ko-KR" altLang="en-US" smtClean="0"/>
-              <a:t>2024-11-16</a:t>
+              <a:t>2024-11-17</a:t>
             </a:fld>
             <a:endParaRPr lang="ko-KR" altLang="en-US"/>
           </a:p>
@@ -2915,7 +2916,7 @@
           <a:p>
             <a:fld id="{CEF397A7-C865-4428-8B9A-396FAC197604}" type="datetimeFigureOut">
               <a:rPr lang="ko-KR" altLang="en-US" smtClean="0"/>
-              <a:t>2024-11-16</a:t>
+              <a:t>2024-11-17</a:t>
             </a:fld>
             <a:endParaRPr lang="ko-KR" altLang="en-US"/>
           </a:p>
@@ -7428,6 +7429,1175 @@
 </p:sld>
 </file>
 
+<file path=ppt/slides/slide8.xml><?xml version="1.0" encoding="utf-8"?>
+<p:sld xmlns:a="http://schemas.openxmlformats.org/drawingml/2006/main" xmlns:r="http://schemas.openxmlformats.org/officeDocument/2006/relationships" xmlns:p="http://schemas.openxmlformats.org/presentationml/2006/main">
+  <p:cSld>
+    <p:spTree>
+      <p:nvGrpSpPr>
+        <p:cNvPr id="1" name="">
+          <a:extLst>
+            <a:ext uri="{FF2B5EF4-FFF2-40B4-BE49-F238E27FC236}">
+              <a16:creationId xmlns:a16="http://schemas.microsoft.com/office/drawing/2014/main" id="{1032FD94-D5FB-FDF0-0065-5869ABF64709}"/>
+            </a:ext>
+          </a:extLst>
+        </p:cNvPr>
+        <p:cNvGrpSpPr/>
+        <p:nvPr/>
+      </p:nvGrpSpPr>
+      <p:grpSpPr>
+        <a:xfrm>
+          <a:off x="0" y="0"/>
+          <a:ext cx="0" cy="0"/>
+          <a:chOff x="0" y="0"/>
+          <a:chExt cx="0" cy="0"/>
+        </a:xfrm>
+      </p:grpSpPr>
+      <p:sp>
+        <p:nvSpPr>
+          <p:cNvPr id="2" name="제목 1">
+            <a:extLst>
+              <a:ext uri="{FF2B5EF4-FFF2-40B4-BE49-F238E27FC236}">
+                <a16:creationId xmlns:a16="http://schemas.microsoft.com/office/drawing/2014/main" id="{1A5E1B4D-46D4-6457-7674-60B1A84557A2}"/>
+              </a:ext>
+            </a:extLst>
+          </p:cNvPr>
+          <p:cNvSpPr>
+            <a:spLocks noGrp="1"/>
+          </p:cNvSpPr>
+          <p:nvPr>
+            <p:ph type="title"/>
+          </p:nvPr>
+        </p:nvSpPr>
+        <p:spPr/>
+        <p:txBody>
+          <a:bodyPr/>
+          <a:lstStyle/>
+          <a:p>
+            <a:r>
+              <a:rPr lang="ko-KR" altLang="en-US" dirty="0">
+                <a:latin typeface="메이플스토리" panose="02000300000000000000" pitchFamily="2" charset="-127"/>
+                <a:ea typeface="메이플스토리" panose="02000300000000000000" pitchFamily="2" charset="-127"/>
+              </a:rPr>
+              <a:t>개발 일정</a:t>
+            </a:r>
+          </a:p>
+        </p:txBody>
+      </p:sp>
+      <p:graphicFrame>
+        <p:nvGraphicFramePr>
+          <p:cNvPr id="7" name="내용 개체 틀 6">
+            <a:extLst>
+              <a:ext uri="{FF2B5EF4-FFF2-40B4-BE49-F238E27FC236}">
+                <a16:creationId xmlns:a16="http://schemas.microsoft.com/office/drawing/2014/main" id="{5BEAC4E5-9EC5-F543-B1F7-F6ACFF1C70C2}"/>
+              </a:ext>
+            </a:extLst>
+          </p:cNvPr>
+          <p:cNvGraphicFramePr>
+            <a:graphicFrameLocks noGrp="1"/>
+          </p:cNvGraphicFramePr>
+          <p:nvPr>
+            <p:ph sz="half" idx="1"/>
+            <p:extLst>
+              <p:ext uri="{D42A27DB-BD31-4B8C-83A1-F6EECF244321}">
+                <p14:modId xmlns:p14="http://schemas.microsoft.com/office/powerpoint/2010/main" val="946472538"/>
+              </p:ext>
+            </p:extLst>
+          </p:nvPr>
+        </p:nvGraphicFramePr>
+        <p:xfrm>
+          <a:off x="772885" y="1384088"/>
+          <a:ext cx="10350138" cy="4997115"/>
+        </p:xfrm>
+        <a:graphic>
+          <a:graphicData uri="http://schemas.openxmlformats.org/drawingml/2006/table">
+            <a:tbl>
+              <a:tblPr firstRow="1" bandRow="1">
+                <a:tableStyleId>{5C22544A-7EE6-4342-B048-85BDC9FD1C3A}</a:tableStyleId>
+              </a:tblPr>
+              <a:tblGrid>
+                <a:gridCol w="1861285">
+                  <a:extLst>
+                    <a:ext uri="{9D8B030D-6E8A-4147-A177-3AD203B41FA5}">
+                      <a16:colId xmlns:a16="http://schemas.microsoft.com/office/drawing/2014/main" val="590733986"/>
+                    </a:ext>
+                  </a:extLst>
+                </a:gridCol>
+                <a:gridCol w="2493001">
+                  <a:extLst>
+                    <a:ext uri="{9D8B030D-6E8A-4147-A177-3AD203B41FA5}">
+                      <a16:colId xmlns:a16="http://schemas.microsoft.com/office/drawing/2014/main" val="989238523"/>
+                    </a:ext>
+                  </a:extLst>
+                </a:gridCol>
+                <a:gridCol w="5995852">
+                  <a:extLst>
+                    <a:ext uri="{9D8B030D-6E8A-4147-A177-3AD203B41FA5}">
+                      <a16:colId xmlns:a16="http://schemas.microsoft.com/office/drawing/2014/main" val="1093442360"/>
+                    </a:ext>
+                  </a:extLst>
+                </a:gridCol>
+              </a:tblGrid>
+              <a:tr h="435563">
+                <a:tc>
+                  <a:txBody>
+                    <a:bodyPr/>
+                    <a:lstStyle/>
+                    <a:p>
+                      <a:pPr latinLnBrk="1"/>
+                      <a:r>
+                        <a:rPr lang="ko-KR" altLang="en-US" dirty="0">
+                          <a:latin typeface="메이플스토리" panose="02000300000000000000" pitchFamily="2" charset="-127"/>
+                          <a:ea typeface="메이플스토리" panose="02000300000000000000" pitchFamily="2" charset="-127"/>
+                        </a:rPr>
+                        <a:t>기존 목표</a:t>
+                      </a:r>
+                    </a:p>
+                  </a:txBody>
+                  <a:tcPr>
+                    <a:solidFill>
+                      <a:schemeClr val="accent2"/>
+                    </a:solidFill>
+                  </a:tcPr>
+                </a:tc>
+                <a:tc>
+                  <a:txBody>
+                    <a:bodyPr/>
+                    <a:lstStyle/>
+                    <a:p>
+                      <a:pPr latinLnBrk="1"/>
+                      <a:r>
+                        <a:rPr lang="ko-KR" altLang="en-US" dirty="0">
+                          <a:latin typeface="메이플스토리" panose="02000300000000000000" pitchFamily="2" charset="-127"/>
+                          <a:ea typeface="메이플스토리" panose="02000300000000000000" pitchFamily="2" charset="-127"/>
+                        </a:rPr>
+                        <a:t>개발 정도</a:t>
+                      </a:r>
+                    </a:p>
+                  </a:txBody>
+                  <a:tcPr>
+                    <a:solidFill>
+                      <a:schemeClr val="accent2"/>
+                    </a:solidFill>
+                  </a:tcPr>
+                </a:tc>
+                <a:tc>
+                  <a:txBody>
+                    <a:bodyPr/>
+                    <a:lstStyle/>
+                    <a:p>
+                      <a:pPr latinLnBrk="1"/>
+                      <a:r>
+                        <a:rPr lang="ko-KR" altLang="en-US" dirty="0">
+                          <a:latin typeface="메이플스토리" panose="02000300000000000000" pitchFamily="2" charset="-127"/>
+                          <a:ea typeface="메이플스토리" panose="02000300000000000000" pitchFamily="2" charset="-127"/>
+                        </a:rPr>
+                        <a:t>변경된 내용</a:t>
+                      </a:r>
+                    </a:p>
+                  </a:txBody>
+                  <a:tcPr>
+                    <a:solidFill>
+                      <a:schemeClr val="accent2"/>
+                    </a:solidFill>
+                  </a:tcPr>
+                </a:tc>
+                <a:extLst>
+                  <a:ext uri="{0D108BD9-81ED-4DB2-BD59-A6C34878D82A}">
+                    <a16:rowId xmlns:a16="http://schemas.microsoft.com/office/drawing/2014/main" val="3416774457"/>
+                  </a:ext>
+                </a:extLst>
+              </a:tr>
+              <a:tr h="570194">
+                <a:tc>
+                  <a:txBody>
+                    <a:bodyPr/>
+                    <a:lstStyle/>
+                    <a:p>
+                      <a:pPr latinLnBrk="1"/>
+                      <a:r>
+                        <a:rPr lang="ko-KR" altLang="en-US" sz="1400" dirty="0">
+                          <a:latin typeface="메이플스토리" panose="02000300000000000000" pitchFamily="2" charset="-127"/>
+                          <a:ea typeface="메이플스토리" panose="02000300000000000000" pitchFamily="2" charset="-127"/>
+                        </a:rPr>
+                        <a:t>데이터 추출 및 </a:t>
+                      </a:r>
+                      <a:r>
+                        <a:rPr lang="ko-KR" altLang="en-US" sz="1400" dirty="0" err="1">
+                          <a:latin typeface="메이플스토리" panose="02000300000000000000" pitchFamily="2" charset="-127"/>
+                          <a:ea typeface="메이플스토리" panose="02000300000000000000" pitchFamily="2" charset="-127"/>
+                        </a:rPr>
+                        <a:t>스프라이트</a:t>
+                      </a:r>
+                      <a:r>
+                        <a:rPr lang="ko-KR" altLang="en-US" sz="1400" dirty="0">
+                          <a:latin typeface="메이플스토리" panose="02000300000000000000" pitchFamily="2" charset="-127"/>
+                          <a:ea typeface="메이플스토리" panose="02000300000000000000" pitchFamily="2" charset="-127"/>
+                        </a:rPr>
+                        <a:t> 정리</a:t>
+                      </a:r>
+                    </a:p>
+                  </a:txBody>
+                  <a:tcPr anchor="ctr">
+                    <a:solidFill>
+                      <a:schemeClr val="accent2">
+                        <a:lumMod val="60000"/>
+                        <a:lumOff val="40000"/>
+                      </a:schemeClr>
+                    </a:solidFill>
+                  </a:tcPr>
+                </a:tc>
+                <a:tc>
+                  <a:txBody>
+                    <a:bodyPr/>
+                    <a:lstStyle/>
+                    <a:p>
+                      <a:pPr latinLnBrk="1"/>
+                      <a:r>
+                        <a:rPr lang="ko-KR" altLang="en-US" sz="1400" dirty="0">
+                          <a:latin typeface="메이플스토리" panose="02000300000000000000" pitchFamily="2" charset="-127"/>
+                          <a:ea typeface="메이플스토리" panose="02000300000000000000" pitchFamily="2" charset="-127"/>
+                        </a:rPr>
+                        <a:t>완료</a:t>
+                      </a:r>
+                      <a:r>
+                        <a:rPr lang="en-US" altLang="ko-KR" sz="1400" dirty="0">
+                          <a:latin typeface="메이플스토리" panose="02000300000000000000" pitchFamily="2" charset="-127"/>
+                          <a:ea typeface="메이플스토리" panose="02000300000000000000" pitchFamily="2" charset="-127"/>
+                        </a:rPr>
+                        <a:t>(100%)</a:t>
+                      </a:r>
+                      <a:endParaRPr lang="ko-KR" altLang="en-US" sz="1400" dirty="0">
+                        <a:latin typeface="메이플스토리" panose="02000300000000000000" pitchFamily="2" charset="-127"/>
+                        <a:ea typeface="메이플스토리" panose="02000300000000000000" pitchFamily="2" charset="-127"/>
+                      </a:endParaRPr>
+                    </a:p>
+                  </a:txBody>
+                  <a:tcPr anchor="ctr">
+                    <a:solidFill>
+                      <a:schemeClr val="accent2">
+                        <a:lumMod val="60000"/>
+                        <a:lumOff val="40000"/>
+                      </a:schemeClr>
+                    </a:solidFill>
+                  </a:tcPr>
+                </a:tc>
+                <a:tc>
+                  <a:txBody>
+                    <a:bodyPr/>
+                    <a:lstStyle/>
+                    <a:p>
+                      <a:pPr latinLnBrk="1"/>
+                      <a:r>
+                        <a:rPr lang="ko-KR" altLang="en-US" sz="1400" dirty="0">
+                          <a:latin typeface="메이플스토리" panose="02000300000000000000" pitchFamily="2" charset="-127"/>
+                          <a:ea typeface="메이플스토리" panose="02000300000000000000" pitchFamily="2" charset="-127"/>
+                        </a:rPr>
+                        <a:t>변경사항 없음</a:t>
+                      </a:r>
+                    </a:p>
+                  </a:txBody>
+                  <a:tcPr anchor="ctr">
+                    <a:solidFill>
+                      <a:schemeClr val="accent2">
+                        <a:lumMod val="60000"/>
+                        <a:lumOff val="40000"/>
+                      </a:schemeClr>
+                    </a:solidFill>
+                  </a:tcPr>
+                </a:tc>
+                <a:extLst>
+                  <a:ext uri="{0D108BD9-81ED-4DB2-BD59-A6C34878D82A}">
+                    <a16:rowId xmlns:a16="http://schemas.microsoft.com/office/drawing/2014/main" val="3531204306"/>
+                  </a:ext>
+                </a:extLst>
+              </a:tr>
+              <a:tr h="570194">
+                <a:tc>
+                  <a:txBody>
+                    <a:bodyPr/>
+                    <a:lstStyle/>
+                    <a:p>
+                      <a:pPr latinLnBrk="1"/>
+                      <a:r>
+                        <a:rPr lang="ko-KR" altLang="en-US" sz="1400" dirty="0">
+                          <a:latin typeface="메이플스토리" panose="02000300000000000000" pitchFamily="2" charset="-127"/>
+                          <a:ea typeface="메이플스토리" panose="02000300000000000000" pitchFamily="2" charset="-127"/>
+                        </a:rPr>
+                        <a:t>플레이어 캐릭터 및 기본 </a:t>
+                      </a:r>
+                      <a:r>
+                        <a:rPr lang="en-US" altLang="ko-KR" sz="1400" dirty="0" err="1">
+                          <a:latin typeface="메이플스토리" panose="02000300000000000000" pitchFamily="2" charset="-127"/>
+                          <a:ea typeface="메이플스토리" panose="02000300000000000000" pitchFamily="2" charset="-127"/>
+                        </a:rPr>
+                        <a:t>ui</a:t>
+                      </a:r>
+                      <a:r>
+                        <a:rPr lang="ko-KR" altLang="en-US" sz="1400" dirty="0">
+                          <a:latin typeface="메이플스토리" panose="02000300000000000000" pitchFamily="2" charset="-127"/>
+                          <a:ea typeface="메이플스토리" panose="02000300000000000000" pitchFamily="2" charset="-127"/>
+                        </a:rPr>
+                        <a:t>구현</a:t>
+                      </a:r>
+                    </a:p>
+                  </a:txBody>
+                  <a:tcPr anchor="ctr">
+                    <a:solidFill>
+                      <a:schemeClr val="accent2">
+                        <a:lumMod val="20000"/>
+                        <a:lumOff val="80000"/>
+                      </a:schemeClr>
+                    </a:solidFill>
+                  </a:tcPr>
+                </a:tc>
+                <a:tc>
+                  <a:txBody>
+                    <a:bodyPr/>
+                    <a:lstStyle/>
+                    <a:p>
+                      <a:pPr latinLnBrk="1"/>
+                      <a:r>
+                        <a:rPr lang="ko-KR" altLang="en-US" sz="1400" dirty="0">
+                          <a:latin typeface="메이플스토리" panose="02000300000000000000" pitchFamily="2" charset="-127"/>
+                          <a:ea typeface="메이플스토리" panose="02000300000000000000" pitchFamily="2" charset="-127"/>
+                        </a:rPr>
+                        <a:t>플레이어 캐릭터 구현 완료</a:t>
+                      </a:r>
+                      <a:endParaRPr lang="en-US" altLang="ko-KR" sz="1400" dirty="0">
+                        <a:latin typeface="메이플스토리" panose="02000300000000000000" pitchFamily="2" charset="-127"/>
+                        <a:ea typeface="메이플스토리" panose="02000300000000000000" pitchFamily="2" charset="-127"/>
+                      </a:endParaRPr>
+                    </a:p>
+                    <a:p>
+                      <a:pPr latinLnBrk="1"/>
+                      <a:r>
+                        <a:rPr lang="ko-KR" altLang="en-US" sz="1400" dirty="0">
+                          <a:latin typeface="메이플스토리" panose="02000300000000000000" pitchFamily="2" charset="-127"/>
+                          <a:ea typeface="메이플스토리" panose="02000300000000000000" pitchFamily="2" charset="-127"/>
+                        </a:rPr>
+                        <a:t>세부사항</a:t>
+                      </a:r>
+                      <a:r>
+                        <a:rPr lang="en-US" altLang="ko-KR" sz="1400" dirty="0">
+                          <a:latin typeface="메이플스토리" panose="02000300000000000000" pitchFamily="2" charset="-127"/>
+                          <a:ea typeface="메이플스토리" panose="02000300000000000000" pitchFamily="2" charset="-127"/>
+                        </a:rPr>
+                        <a:t>(</a:t>
+                      </a:r>
+                      <a:r>
+                        <a:rPr lang="ko-KR" altLang="en-US" sz="1400" dirty="0" err="1">
+                          <a:latin typeface="메이플스토리" panose="02000300000000000000" pitchFamily="2" charset="-127"/>
+                          <a:ea typeface="메이플스토리" panose="02000300000000000000" pitchFamily="2" charset="-127"/>
+                        </a:rPr>
+                        <a:t>스펙등</a:t>
+                      </a:r>
+                      <a:r>
+                        <a:rPr lang="en-US" altLang="ko-KR" sz="1400" dirty="0">
+                          <a:latin typeface="메이플스토리" panose="02000300000000000000" pitchFamily="2" charset="-127"/>
+                          <a:ea typeface="메이플스토리" panose="02000300000000000000" pitchFamily="2" charset="-127"/>
+                        </a:rPr>
+                        <a:t>)</a:t>
+                      </a:r>
+                      <a:r>
+                        <a:rPr lang="ko-KR" altLang="en-US" sz="1400" dirty="0">
+                          <a:latin typeface="메이플스토리" panose="02000300000000000000" pitchFamily="2" charset="-127"/>
+                          <a:ea typeface="메이플스토리" panose="02000300000000000000" pitchFamily="2" charset="-127"/>
+                        </a:rPr>
+                        <a:t>은 </a:t>
+                      </a:r>
+                      <a:r>
+                        <a:rPr lang="en-US" altLang="ko-KR" sz="1400" dirty="0">
+                          <a:latin typeface="메이플스토리" panose="02000300000000000000" pitchFamily="2" charset="-127"/>
+                          <a:ea typeface="메이플스토리" panose="02000300000000000000" pitchFamily="2" charset="-127"/>
+                        </a:rPr>
+                        <a:t>X</a:t>
+                      </a:r>
+                    </a:p>
+                  </a:txBody>
+                  <a:tcPr anchor="ctr">
+                    <a:solidFill>
+                      <a:schemeClr val="accent2">
+                        <a:lumMod val="20000"/>
+                        <a:lumOff val="80000"/>
+                      </a:schemeClr>
+                    </a:solidFill>
+                  </a:tcPr>
+                </a:tc>
+                <a:tc>
+                  <a:txBody>
+                    <a:bodyPr/>
+                    <a:lstStyle/>
+                    <a:p>
+                      <a:pPr marL="0" marR="0" lvl="0" indent="0" algn="l" defTabSz="914400" rtl="0" eaLnBrk="1" fontAlgn="auto" latinLnBrk="1" hangingPunct="1">
+                        <a:lnSpc>
+                          <a:spcPct val="100000"/>
+                        </a:lnSpc>
+                        <a:spcBef>
+                          <a:spcPts val="0"/>
+                        </a:spcBef>
+                        <a:spcAft>
+                          <a:spcPts val="0"/>
+                        </a:spcAft>
+                        <a:buClrTx/>
+                        <a:buSzTx/>
+                        <a:buFontTx/>
+                        <a:buNone/>
+                        <a:tabLst/>
+                        <a:defRPr/>
+                      </a:pPr>
+                      <a:r>
+                        <a:rPr lang="en-US" altLang="ko-KR" sz="1400" dirty="0">
+                          <a:latin typeface="메이플스토리" panose="02000300000000000000" pitchFamily="2" charset="-127"/>
+                          <a:ea typeface="메이플스토리" panose="02000300000000000000" pitchFamily="2" charset="-127"/>
+                        </a:rPr>
+                        <a:t>Ui</a:t>
+                      </a:r>
+                      <a:r>
+                        <a:rPr lang="ko-KR" altLang="en-US" sz="1400" dirty="0">
+                          <a:latin typeface="메이플스토리" panose="02000300000000000000" pitchFamily="2" charset="-127"/>
+                          <a:ea typeface="메이플스토리" panose="02000300000000000000" pitchFamily="2" charset="-127"/>
+                        </a:rPr>
+                        <a:t>작업 순서 변경</a:t>
+                      </a:r>
+                    </a:p>
+                  </a:txBody>
+                  <a:tcPr anchor="ctr">
+                    <a:solidFill>
+                      <a:schemeClr val="accent2">
+                        <a:lumMod val="20000"/>
+                        <a:lumOff val="80000"/>
+                      </a:schemeClr>
+                    </a:solidFill>
+                  </a:tcPr>
+                </a:tc>
+                <a:extLst>
+                  <a:ext uri="{0D108BD9-81ED-4DB2-BD59-A6C34878D82A}">
+                    <a16:rowId xmlns:a16="http://schemas.microsoft.com/office/drawing/2014/main" val="959577071"/>
+                  </a:ext>
+                </a:extLst>
+              </a:tr>
+              <a:tr h="570194">
+                <a:tc>
+                  <a:txBody>
+                    <a:bodyPr/>
+                    <a:lstStyle/>
+                    <a:p>
+                      <a:pPr latinLnBrk="1"/>
+                      <a:r>
+                        <a:rPr lang="ko-KR" altLang="en-US" sz="1400" dirty="0" err="1">
+                          <a:latin typeface="메이플스토리" panose="02000300000000000000" pitchFamily="2" charset="-127"/>
+                          <a:ea typeface="메이플스토리" panose="02000300000000000000" pitchFamily="2" charset="-127"/>
+                        </a:rPr>
+                        <a:t>전투페이즈</a:t>
+                      </a:r>
+                      <a:r>
+                        <a:rPr lang="ko-KR" altLang="en-US" sz="1400" dirty="0">
+                          <a:latin typeface="메이플스토리" panose="02000300000000000000" pitchFamily="2" charset="-127"/>
+                          <a:ea typeface="메이플스토리" panose="02000300000000000000" pitchFamily="2" charset="-127"/>
+                        </a:rPr>
+                        <a:t> 몬스터 구현</a:t>
+                      </a:r>
+                    </a:p>
+                  </a:txBody>
+                  <a:tcPr anchor="ctr">
+                    <a:solidFill>
+                      <a:schemeClr val="accent2">
+                        <a:lumMod val="60000"/>
+                        <a:lumOff val="40000"/>
+                      </a:schemeClr>
+                    </a:solidFill>
+                  </a:tcPr>
+                </a:tc>
+                <a:tc>
+                  <a:txBody>
+                    <a:bodyPr/>
+                    <a:lstStyle/>
+                    <a:p>
+                      <a:pPr latinLnBrk="1"/>
+                      <a:r>
+                        <a:rPr lang="ko-KR" altLang="en-US" sz="1400" dirty="0">
+                          <a:latin typeface="메이플스토리" panose="02000300000000000000" pitchFamily="2" charset="-127"/>
+                          <a:ea typeface="메이플스토리" panose="02000300000000000000" pitchFamily="2" charset="-127"/>
+                        </a:rPr>
+                        <a:t>몬스터 상태</a:t>
+                      </a:r>
+                      <a:r>
+                        <a:rPr lang="en-US" altLang="ko-KR" sz="1400" dirty="0">
+                          <a:latin typeface="메이플스토리" panose="02000300000000000000" pitchFamily="2" charset="-127"/>
+                          <a:ea typeface="메이플스토리" panose="02000300000000000000" pitchFamily="2" charset="-127"/>
+                        </a:rPr>
+                        <a:t>, </a:t>
+                      </a:r>
+                      <a:r>
+                        <a:rPr lang="ko-KR" altLang="en-US" sz="1400" dirty="0">
+                          <a:latin typeface="메이플스토리" panose="02000300000000000000" pitchFamily="2" charset="-127"/>
+                          <a:ea typeface="메이플스토리" panose="02000300000000000000" pitchFamily="2" charset="-127"/>
+                        </a:rPr>
+                        <a:t>행동패턴 완료</a:t>
+                      </a:r>
+                    </a:p>
+                  </a:txBody>
+                  <a:tcPr anchor="ctr">
+                    <a:solidFill>
+                      <a:schemeClr val="accent2">
+                        <a:lumMod val="60000"/>
+                        <a:lumOff val="40000"/>
+                      </a:schemeClr>
+                    </a:solidFill>
+                  </a:tcPr>
+                </a:tc>
+                <a:tc rowSpan="3">
+                  <a:txBody>
+                    <a:bodyPr/>
+                    <a:lstStyle/>
+                    <a:p>
+                      <a:pPr latinLnBrk="1"/>
+                      <a:r>
+                        <a:rPr lang="ko-KR" altLang="en-US" sz="1400" dirty="0" err="1">
+                          <a:latin typeface="메이플스토리" panose="02000300000000000000" pitchFamily="2" charset="-127"/>
+                          <a:ea typeface="메이플스토리" panose="02000300000000000000" pitchFamily="2" charset="-127"/>
+                        </a:rPr>
+                        <a:t>일반몬스터</a:t>
+                      </a:r>
+                      <a:r>
+                        <a:rPr lang="ko-KR" altLang="en-US" sz="1400" dirty="0">
+                          <a:latin typeface="메이플스토리" panose="02000300000000000000" pitchFamily="2" charset="-127"/>
+                          <a:ea typeface="메이플스토리" panose="02000300000000000000" pitchFamily="2" charset="-127"/>
+                        </a:rPr>
+                        <a:t> </a:t>
+                      </a:r>
+                      <a:r>
+                        <a:rPr lang="en-US" altLang="ko-KR" sz="1400" dirty="0">
+                          <a:latin typeface="메이플스토리" panose="02000300000000000000" pitchFamily="2" charset="-127"/>
+                          <a:ea typeface="메이플스토리" panose="02000300000000000000" pitchFamily="2" charset="-127"/>
+                        </a:rPr>
+                        <a:t>– </a:t>
+                      </a:r>
+                      <a:r>
+                        <a:rPr lang="ko-KR" altLang="en-US" sz="1400" dirty="0" err="1">
+                          <a:latin typeface="메이플스토리" panose="02000300000000000000" pitchFamily="2" charset="-127"/>
+                          <a:ea typeface="메이플스토리" panose="02000300000000000000" pitchFamily="2" charset="-127"/>
+                        </a:rPr>
+                        <a:t>보스몬스터</a:t>
+                      </a:r>
+                      <a:r>
+                        <a:rPr lang="ko-KR" altLang="en-US" sz="1400" dirty="0">
+                          <a:latin typeface="메이플스토리" panose="02000300000000000000" pitchFamily="2" charset="-127"/>
+                          <a:ea typeface="메이플스토리" panose="02000300000000000000" pitchFamily="2" charset="-127"/>
+                        </a:rPr>
+                        <a:t> 통합</a:t>
+                      </a:r>
+                      <a:endParaRPr lang="en-US" altLang="ko-KR" sz="1400" dirty="0">
+                        <a:latin typeface="메이플스토리" panose="02000300000000000000" pitchFamily="2" charset="-127"/>
+                        <a:ea typeface="메이플스토리" panose="02000300000000000000" pitchFamily="2" charset="-127"/>
+                      </a:endParaRPr>
+                    </a:p>
+                    <a:p>
+                      <a:pPr latinLnBrk="1"/>
+                      <a:endParaRPr lang="en-US" altLang="ko-KR" sz="1400" dirty="0">
+                        <a:latin typeface="메이플스토리" panose="02000300000000000000" pitchFamily="2" charset="-127"/>
+                        <a:ea typeface="메이플스토리" panose="02000300000000000000" pitchFamily="2" charset="-127"/>
+                      </a:endParaRPr>
+                    </a:p>
+                    <a:p>
+                      <a:pPr latinLnBrk="1"/>
+                      <a:r>
+                        <a:rPr lang="ko-KR" altLang="en-US" sz="1400" dirty="0">
+                          <a:latin typeface="메이플스토리" panose="02000300000000000000" pitchFamily="2" charset="-127"/>
+                          <a:ea typeface="메이플스토리" panose="02000300000000000000" pitchFamily="2" charset="-127"/>
+                        </a:rPr>
+                        <a:t>상점이 아닌 카드 선택으로 변경</a:t>
+                      </a:r>
+                      <a:endParaRPr lang="en-US" altLang="ko-KR" sz="1400" dirty="0">
+                        <a:latin typeface="메이플스토리" panose="02000300000000000000" pitchFamily="2" charset="-127"/>
+                        <a:ea typeface="메이플스토리" panose="02000300000000000000" pitchFamily="2" charset="-127"/>
+                      </a:endParaRPr>
+                    </a:p>
+                  </a:txBody>
+                  <a:tcPr anchor="ctr">
+                    <a:solidFill>
+                      <a:schemeClr val="accent2">
+                        <a:lumMod val="60000"/>
+                        <a:lumOff val="40000"/>
+                      </a:schemeClr>
+                    </a:solidFill>
+                  </a:tcPr>
+                </a:tc>
+                <a:extLst>
+                  <a:ext uri="{0D108BD9-81ED-4DB2-BD59-A6C34878D82A}">
+                    <a16:rowId xmlns:a16="http://schemas.microsoft.com/office/drawing/2014/main" val="1595810053"/>
+                  </a:ext>
+                </a:extLst>
+              </a:tr>
+              <a:tr h="570194">
+                <a:tc>
+                  <a:txBody>
+                    <a:bodyPr/>
+                    <a:lstStyle/>
+                    <a:p>
+                      <a:pPr marL="0" marR="0" lvl="0" indent="0" algn="l" defTabSz="914400" rtl="0" eaLnBrk="1" fontAlgn="auto" latinLnBrk="1" hangingPunct="1">
+                        <a:lnSpc>
+                          <a:spcPct val="100000"/>
+                        </a:lnSpc>
+                        <a:spcBef>
+                          <a:spcPts val="0"/>
+                        </a:spcBef>
+                        <a:spcAft>
+                          <a:spcPts val="0"/>
+                        </a:spcAft>
+                        <a:buClrTx/>
+                        <a:buSzTx/>
+                        <a:buFontTx/>
+                        <a:buNone/>
+                        <a:tabLst/>
+                        <a:defRPr/>
+                      </a:pPr>
+                      <a:r>
+                        <a:rPr lang="ko-KR" altLang="en-US" sz="1400" dirty="0">
+                          <a:latin typeface="메이플스토리" panose="02000300000000000000" pitchFamily="2" charset="-127"/>
+                          <a:ea typeface="메이플스토리" panose="02000300000000000000" pitchFamily="2" charset="-127"/>
+                        </a:rPr>
+                        <a:t>전투 스테이지 구현</a:t>
+                      </a:r>
+                    </a:p>
+                  </a:txBody>
+                  <a:tcPr anchor="ctr">
+                    <a:solidFill>
+                      <a:schemeClr val="accent2">
+                        <a:lumMod val="20000"/>
+                        <a:lumOff val="80000"/>
+                      </a:schemeClr>
+                    </a:solidFill>
+                  </a:tcPr>
+                </a:tc>
+                <a:tc>
+                  <a:txBody>
+                    <a:bodyPr/>
+                    <a:lstStyle/>
+                    <a:p>
+                      <a:pPr marL="0" marR="0" lvl="0" indent="0" algn="l" defTabSz="914400" rtl="0" eaLnBrk="1" fontAlgn="auto" latinLnBrk="1" hangingPunct="1">
+                        <a:lnSpc>
+                          <a:spcPct val="100000"/>
+                        </a:lnSpc>
+                        <a:spcBef>
+                          <a:spcPts val="0"/>
+                        </a:spcBef>
+                        <a:spcAft>
+                          <a:spcPts val="0"/>
+                        </a:spcAft>
+                        <a:buClrTx/>
+                        <a:buSzTx/>
+                        <a:buFontTx/>
+                        <a:buNone/>
+                        <a:tabLst/>
+                        <a:defRPr/>
+                      </a:pPr>
+                      <a:r>
+                        <a:rPr lang="ko-KR" altLang="en-US" sz="1400" dirty="0">
+                          <a:latin typeface="메이플스토리" panose="02000300000000000000" pitchFamily="2" charset="-127"/>
+                          <a:ea typeface="메이플스토리" panose="02000300000000000000" pitchFamily="2" charset="-127"/>
+                        </a:rPr>
+                        <a:t>전투 스테이지 기본 틀 완성</a:t>
+                      </a:r>
+                      <a:endParaRPr lang="en-US" altLang="ko-KR" sz="1400" dirty="0">
+                        <a:latin typeface="메이플스토리" panose="02000300000000000000" pitchFamily="2" charset="-127"/>
+                        <a:ea typeface="메이플스토리" panose="02000300000000000000" pitchFamily="2" charset="-127"/>
+                      </a:endParaRPr>
+                    </a:p>
+                    <a:p>
+                      <a:pPr marL="0" marR="0" lvl="0" indent="0" algn="l" defTabSz="914400" rtl="0" eaLnBrk="1" fontAlgn="auto" latinLnBrk="1" hangingPunct="1">
+                        <a:lnSpc>
+                          <a:spcPct val="100000"/>
+                        </a:lnSpc>
+                        <a:spcBef>
+                          <a:spcPts val="0"/>
+                        </a:spcBef>
+                        <a:spcAft>
+                          <a:spcPts val="0"/>
+                        </a:spcAft>
+                        <a:buClrTx/>
+                        <a:buSzTx/>
+                        <a:buFontTx/>
+                        <a:buNone/>
+                        <a:tabLst/>
+                        <a:defRPr/>
+                      </a:pPr>
+                      <a:r>
+                        <a:rPr lang="ko-KR" altLang="en-US" sz="1400" dirty="0">
+                          <a:latin typeface="메이플스토리" panose="02000300000000000000" pitchFamily="2" charset="-127"/>
+                          <a:ea typeface="메이플스토리" panose="02000300000000000000" pitchFamily="2" charset="-127"/>
+                        </a:rPr>
+                        <a:t>세부 스테이지 </a:t>
+                      </a:r>
+                      <a:r>
+                        <a:rPr lang="ko-KR" altLang="en-US" sz="1400" dirty="0" err="1">
+                          <a:latin typeface="메이플스토리" panose="02000300000000000000" pitchFamily="2" charset="-127"/>
+                          <a:ea typeface="메이플스토리" panose="02000300000000000000" pitchFamily="2" charset="-127"/>
+                        </a:rPr>
+                        <a:t>제작중</a:t>
+                      </a:r>
+                      <a:endParaRPr lang="ko-KR" altLang="en-US" sz="1400" dirty="0">
+                        <a:latin typeface="메이플스토리" panose="02000300000000000000" pitchFamily="2" charset="-127"/>
+                        <a:ea typeface="메이플스토리" panose="02000300000000000000" pitchFamily="2" charset="-127"/>
+                      </a:endParaRPr>
+                    </a:p>
+                  </a:txBody>
+                  <a:tcPr anchor="ctr">
+                    <a:solidFill>
+                      <a:schemeClr val="accent2">
+                        <a:lumMod val="20000"/>
+                        <a:lumOff val="80000"/>
+                      </a:schemeClr>
+                    </a:solidFill>
+                  </a:tcPr>
+                </a:tc>
+                <a:tc vMerge="1">
+                  <a:txBody>
+                    <a:bodyPr/>
+                    <a:lstStyle/>
+                    <a:p>
+                      <a:endParaRPr/>
+                    </a:p>
+                  </a:txBody>
+                  <a:tcPr anchor="ctr">
+                    <a:solidFill>
+                      <a:schemeClr val="accent2">
+                        <a:lumMod val="20000"/>
+                        <a:lumOff val="80000"/>
+                      </a:schemeClr>
+                    </a:solidFill>
+                  </a:tcPr>
+                </a:tc>
+                <a:extLst>
+                  <a:ext uri="{0D108BD9-81ED-4DB2-BD59-A6C34878D82A}">
+                    <a16:rowId xmlns:a16="http://schemas.microsoft.com/office/drawing/2014/main" val="4251137862"/>
+                  </a:ext>
+                </a:extLst>
+              </a:tr>
+              <a:tr h="570194">
+                <a:tc>
+                  <a:txBody>
+                    <a:bodyPr/>
+                    <a:lstStyle/>
+                    <a:p>
+                      <a:pPr latinLnBrk="1"/>
+                      <a:r>
+                        <a:rPr lang="ko-KR" altLang="en-US" sz="1400" dirty="0">
+                          <a:latin typeface="메이플스토리" panose="02000300000000000000" pitchFamily="2" charset="-127"/>
+                          <a:ea typeface="메이플스토리" panose="02000300000000000000" pitchFamily="2" charset="-127"/>
+                        </a:rPr>
+                        <a:t>상점</a:t>
+                      </a:r>
+                      <a:r>
+                        <a:rPr lang="en-US" altLang="ko-KR" sz="1400" dirty="0">
+                          <a:latin typeface="메이플스토리" panose="02000300000000000000" pitchFamily="2" charset="-127"/>
+                          <a:ea typeface="메이플스토리" panose="02000300000000000000" pitchFamily="2" charset="-127"/>
+                        </a:rPr>
+                        <a:t> </a:t>
+                      </a:r>
+                      <a:r>
+                        <a:rPr lang="ko-KR" altLang="en-US" sz="1400" dirty="0">
+                          <a:latin typeface="메이플스토리" panose="02000300000000000000" pitchFamily="2" charset="-127"/>
+                          <a:ea typeface="메이플스토리" panose="02000300000000000000" pitchFamily="2" charset="-127"/>
+                        </a:rPr>
+                        <a:t>스테이지 구현</a:t>
+                      </a:r>
+                    </a:p>
+                  </a:txBody>
+                  <a:tcPr anchor="ctr">
+                    <a:solidFill>
+                      <a:schemeClr val="accent2">
+                        <a:lumMod val="60000"/>
+                        <a:lumOff val="40000"/>
+                      </a:schemeClr>
+                    </a:solidFill>
+                  </a:tcPr>
+                </a:tc>
+                <a:tc>
+                  <a:txBody>
+                    <a:bodyPr/>
+                    <a:lstStyle/>
+                    <a:p>
+                      <a:pPr latinLnBrk="1"/>
+                      <a:r>
+                        <a:rPr lang="ko-KR" altLang="en-US" sz="1400" dirty="0">
+                          <a:latin typeface="메이플스토리" panose="02000300000000000000" pitchFamily="2" charset="-127"/>
+                          <a:ea typeface="메이플스토리" panose="02000300000000000000" pitchFamily="2" charset="-127"/>
+                        </a:rPr>
+                        <a:t>내용변경</a:t>
+                      </a:r>
+                    </a:p>
+                  </a:txBody>
+                  <a:tcPr anchor="ctr">
+                    <a:solidFill>
+                      <a:schemeClr val="accent2">
+                        <a:lumMod val="60000"/>
+                        <a:lumOff val="40000"/>
+                      </a:schemeClr>
+                    </a:solidFill>
+                  </a:tcPr>
+                </a:tc>
+                <a:tc vMerge="1">
+                  <a:txBody>
+                    <a:bodyPr/>
+                    <a:lstStyle/>
+                    <a:p>
+                      <a:pPr latinLnBrk="1"/>
+                      <a:endParaRPr lang="ko-KR" altLang="en-US" sz="1400" dirty="0">
+                        <a:latin typeface="메이플스토리" panose="02000300000000000000" pitchFamily="2" charset="-127"/>
+                        <a:ea typeface="메이플스토리" panose="02000300000000000000" pitchFamily="2" charset="-127"/>
+                      </a:endParaRPr>
+                    </a:p>
+                  </a:txBody>
+                  <a:tcPr anchor="ctr">
+                    <a:solidFill>
+                      <a:schemeClr val="accent2">
+                        <a:lumMod val="60000"/>
+                        <a:lumOff val="40000"/>
+                      </a:schemeClr>
+                    </a:solidFill>
+                  </a:tcPr>
+                </a:tc>
+                <a:extLst>
+                  <a:ext uri="{0D108BD9-81ED-4DB2-BD59-A6C34878D82A}">
+                    <a16:rowId xmlns:a16="http://schemas.microsoft.com/office/drawing/2014/main" val="1411882881"/>
+                  </a:ext>
+                </a:extLst>
+              </a:tr>
+              <a:tr h="570194">
+                <a:tc>
+                  <a:txBody>
+                    <a:bodyPr/>
+                    <a:lstStyle/>
+                    <a:p>
+                      <a:pPr latinLnBrk="1"/>
+                      <a:r>
+                        <a:rPr lang="ko-KR" altLang="en-US" sz="1400" dirty="0">
+                          <a:latin typeface="메이플스토리" panose="02000300000000000000" pitchFamily="2" charset="-127"/>
+                          <a:ea typeface="메이플스토리" panose="02000300000000000000" pitchFamily="2" charset="-127"/>
+                        </a:rPr>
+                        <a:t>보스 몬스터 기초 생성</a:t>
+                      </a:r>
+                    </a:p>
+                  </a:txBody>
+                  <a:tcPr anchor="ctr">
+                    <a:solidFill>
+                      <a:schemeClr val="accent2">
+                        <a:lumMod val="20000"/>
+                        <a:lumOff val="80000"/>
+                      </a:schemeClr>
+                    </a:solidFill>
+                  </a:tcPr>
+                </a:tc>
+                <a:tc>
+                  <a:txBody>
+                    <a:bodyPr/>
+                    <a:lstStyle/>
+                    <a:p>
+                      <a:pPr latinLnBrk="1"/>
+                      <a:r>
+                        <a:rPr lang="ko-KR" altLang="en-US" sz="1400" dirty="0">
+                          <a:latin typeface="메이플스토리" panose="02000300000000000000" pitchFamily="2" charset="-127"/>
+                          <a:ea typeface="메이플스토리" panose="02000300000000000000" pitchFamily="2" charset="-127"/>
+                        </a:rPr>
+                        <a:t>몬스터</a:t>
+                      </a:r>
+                      <a:r>
+                        <a:rPr lang="en-US" altLang="ko-KR" sz="1400" dirty="0">
+                          <a:latin typeface="메이플스토리" panose="02000300000000000000" pitchFamily="2" charset="-127"/>
+                          <a:ea typeface="메이플스토리" panose="02000300000000000000" pitchFamily="2" charset="-127"/>
+                        </a:rPr>
+                        <a:t>(</a:t>
+                      </a:r>
+                      <a:r>
+                        <a:rPr lang="ko-KR" altLang="en-US" sz="1400" dirty="0">
+                          <a:latin typeface="메이플스토리" panose="02000300000000000000" pitchFamily="2" charset="-127"/>
+                          <a:ea typeface="메이플스토리" panose="02000300000000000000" pitchFamily="2" charset="-127"/>
+                        </a:rPr>
+                        <a:t>마노</a:t>
+                      </a:r>
+                      <a:r>
+                        <a:rPr lang="en-US" altLang="ko-KR" sz="1400" dirty="0">
+                          <a:latin typeface="메이플스토리" panose="02000300000000000000" pitchFamily="2" charset="-127"/>
+                          <a:ea typeface="메이플스토리" panose="02000300000000000000" pitchFamily="2" charset="-127"/>
+                        </a:rPr>
+                        <a:t>, </a:t>
+                      </a:r>
+                      <a:r>
+                        <a:rPr lang="ko-KR" altLang="en-US" sz="1400" dirty="0" err="1">
+                          <a:latin typeface="메이플스토리" panose="02000300000000000000" pitchFamily="2" charset="-127"/>
+                          <a:ea typeface="메이플스토리" panose="02000300000000000000" pitchFamily="2" charset="-127"/>
+                        </a:rPr>
+                        <a:t>머쉬맘</a:t>
+                      </a:r>
+                      <a:r>
+                        <a:rPr lang="en-US" altLang="ko-KR" sz="1400" dirty="0">
+                          <a:latin typeface="메이플스토리" panose="02000300000000000000" pitchFamily="2" charset="-127"/>
+                          <a:ea typeface="메이플스토리" panose="02000300000000000000" pitchFamily="2" charset="-127"/>
+                        </a:rPr>
+                        <a:t>)</a:t>
+                      </a:r>
+                      <a:r>
+                        <a:rPr lang="ko-KR" altLang="en-US" sz="1400" dirty="0">
+                          <a:latin typeface="메이플스토리" panose="02000300000000000000" pitchFamily="2" charset="-127"/>
+                          <a:ea typeface="메이플스토리" panose="02000300000000000000" pitchFamily="2" charset="-127"/>
+                        </a:rPr>
+                        <a:t>완료</a:t>
+                      </a:r>
+                      <a:r>
+                        <a:rPr lang="en-US" altLang="ko-KR" sz="1400" dirty="0">
+                          <a:latin typeface="메이플스토리" panose="02000300000000000000" pitchFamily="2" charset="-127"/>
+                          <a:ea typeface="메이플스토리" panose="02000300000000000000" pitchFamily="2" charset="-127"/>
+                        </a:rPr>
+                        <a:t>(50%)</a:t>
+                      </a:r>
+                      <a:endParaRPr lang="ko-KR" altLang="en-US" sz="1400" dirty="0">
+                        <a:latin typeface="메이플스토리" panose="02000300000000000000" pitchFamily="2" charset="-127"/>
+                        <a:ea typeface="메이플스토리" panose="02000300000000000000" pitchFamily="2" charset="-127"/>
+                      </a:endParaRPr>
+                    </a:p>
+                  </a:txBody>
+                  <a:tcPr anchor="ctr">
+                    <a:solidFill>
+                      <a:schemeClr val="accent2">
+                        <a:lumMod val="20000"/>
+                        <a:lumOff val="80000"/>
+                      </a:schemeClr>
+                    </a:solidFill>
+                  </a:tcPr>
+                </a:tc>
+                <a:tc>
+                  <a:txBody>
+                    <a:bodyPr/>
+                    <a:lstStyle/>
+                    <a:p>
+                      <a:pPr latinLnBrk="1"/>
+                      <a:r>
+                        <a:rPr lang="ko-KR" altLang="en-US" sz="1400" dirty="0">
+                          <a:latin typeface="메이플스토리" panose="02000300000000000000" pitchFamily="2" charset="-127"/>
+                          <a:ea typeface="메이플스토리" panose="02000300000000000000" pitchFamily="2" charset="-127"/>
+                        </a:rPr>
+                        <a:t>잔여 </a:t>
+                      </a:r>
+                      <a:r>
+                        <a:rPr lang="ko-KR" altLang="en-US" sz="1400" dirty="0" err="1">
+                          <a:latin typeface="메이플스토리" panose="02000300000000000000" pitchFamily="2" charset="-127"/>
+                          <a:ea typeface="메이플스토리" panose="02000300000000000000" pitchFamily="2" charset="-127"/>
+                        </a:rPr>
+                        <a:t>보스몬스터</a:t>
+                      </a:r>
+                      <a:r>
+                        <a:rPr lang="en-US" altLang="ko-KR" sz="1400" dirty="0">
+                          <a:latin typeface="메이플스토리" panose="02000300000000000000" pitchFamily="2" charset="-127"/>
+                          <a:ea typeface="메이플스토리" panose="02000300000000000000" pitchFamily="2" charset="-127"/>
+                        </a:rPr>
+                        <a:t>, </a:t>
+                      </a:r>
+                      <a:r>
+                        <a:rPr lang="ko-KR" altLang="en-US" sz="1400" dirty="0">
+                          <a:latin typeface="메이플스토리" panose="02000300000000000000" pitchFamily="2" charset="-127"/>
+                          <a:ea typeface="메이플스토리" panose="02000300000000000000" pitchFamily="2" charset="-127"/>
+                        </a:rPr>
+                        <a:t>전투 스테이지 제작</a:t>
+                      </a:r>
+                    </a:p>
+                  </a:txBody>
+                  <a:tcPr anchor="ctr">
+                    <a:solidFill>
+                      <a:schemeClr val="accent2">
+                        <a:lumMod val="20000"/>
+                        <a:lumOff val="80000"/>
+                      </a:schemeClr>
+                    </a:solidFill>
+                  </a:tcPr>
+                </a:tc>
+                <a:extLst>
+                  <a:ext uri="{0D108BD9-81ED-4DB2-BD59-A6C34878D82A}">
+                    <a16:rowId xmlns:a16="http://schemas.microsoft.com/office/drawing/2014/main" val="2078728303"/>
+                  </a:ext>
+                </a:extLst>
+              </a:tr>
+              <a:tr h="570194">
+                <a:tc>
+                  <a:txBody>
+                    <a:bodyPr/>
+                    <a:lstStyle/>
+                    <a:p>
+                      <a:pPr latinLnBrk="1"/>
+                      <a:r>
+                        <a:rPr lang="ko-KR" altLang="en-US" sz="1400" dirty="0">
+                          <a:latin typeface="메이플스토리" panose="02000300000000000000" pitchFamily="2" charset="-127"/>
+                          <a:ea typeface="메이플스토리" panose="02000300000000000000" pitchFamily="2" charset="-127"/>
+                        </a:rPr>
+                        <a:t>보스 몬스터 구현 및 배치</a:t>
+                      </a:r>
+                    </a:p>
+                  </a:txBody>
+                  <a:tcPr anchor="ctr">
+                    <a:solidFill>
+                      <a:srgbClr val="F4B183"/>
+                    </a:solidFill>
+                  </a:tcPr>
+                </a:tc>
+                <a:tc>
+                  <a:txBody>
+                    <a:bodyPr/>
+                    <a:lstStyle/>
+                    <a:p>
+                      <a:pPr latinLnBrk="1"/>
+                      <a:r>
+                        <a:rPr lang="en-US" altLang="ko-KR" sz="1400" dirty="0">
+                          <a:latin typeface="메이플스토리" panose="02000300000000000000" pitchFamily="2" charset="-127"/>
+                          <a:ea typeface="메이플스토리" panose="02000300000000000000" pitchFamily="2" charset="-127"/>
+                        </a:rPr>
+                        <a:t>X</a:t>
+                      </a:r>
+                      <a:endParaRPr lang="ko-KR" altLang="en-US" sz="1400" dirty="0">
+                        <a:latin typeface="메이플스토리" panose="02000300000000000000" pitchFamily="2" charset="-127"/>
+                        <a:ea typeface="메이플스토리" panose="02000300000000000000" pitchFamily="2" charset="-127"/>
+                      </a:endParaRPr>
+                    </a:p>
+                  </a:txBody>
+                  <a:tcPr anchor="ctr">
+                    <a:solidFill>
+                      <a:srgbClr val="F4B183"/>
+                    </a:solidFill>
+                  </a:tcPr>
+                </a:tc>
+                <a:tc>
+                  <a:txBody>
+                    <a:bodyPr/>
+                    <a:lstStyle/>
+                    <a:p>
+                      <a:pPr latinLnBrk="1"/>
+                      <a:r>
+                        <a:rPr lang="en-US" altLang="ko-KR" sz="1400" dirty="0">
+                          <a:latin typeface="메이플스토리" panose="02000300000000000000" pitchFamily="2" charset="-127"/>
+                          <a:ea typeface="메이플스토리" panose="02000300000000000000" pitchFamily="2" charset="-127"/>
+                        </a:rPr>
+                        <a:t>UI</a:t>
+                      </a:r>
+                      <a:r>
+                        <a:rPr lang="ko-KR" altLang="en-US" sz="1400" dirty="0">
+                          <a:latin typeface="메이플스토리" panose="02000300000000000000" pitchFamily="2" charset="-127"/>
+                          <a:ea typeface="메이플스토리" panose="02000300000000000000" pitchFamily="2" charset="-127"/>
+                        </a:rPr>
+                        <a:t>작업</a:t>
+                      </a:r>
+                    </a:p>
+                  </a:txBody>
+                  <a:tcPr anchor="ctr">
+                    <a:solidFill>
+                      <a:srgbClr val="F4B183"/>
+                    </a:solidFill>
+                  </a:tcPr>
+                </a:tc>
+                <a:extLst>
+                  <a:ext uri="{0D108BD9-81ED-4DB2-BD59-A6C34878D82A}">
+                    <a16:rowId xmlns:a16="http://schemas.microsoft.com/office/drawing/2014/main" val="1512973277"/>
+                  </a:ext>
+                </a:extLst>
+              </a:tr>
+              <a:tr h="570194">
+                <a:tc>
+                  <a:txBody>
+                    <a:bodyPr/>
+                    <a:lstStyle/>
+                    <a:p>
+                      <a:pPr latinLnBrk="1"/>
+                      <a:r>
+                        <a:rPr lang="ko-KR" altLang="en-US" sz="1400" dirty="0">
+                          <a:latin typeface="메이플스토리" panose="02000300000000000000" pitchFamily="2" charset="-127"/>
+                          <a:ea typeface="메이플스토리" panose="02000300000000000000" pitchFamily="2" charset="-127"/>
+                        </a:rPr>
+                        <a:t>추가작업</a:t>
+                      </a:r>
+                    </a:p>
+                  </a:txBody>
+                  <a:tcPr anchor="ctr">
+                    <a:solidFill>
+                      <a:schemeClr val="accent2">
+                        <a:lumMod val="20000"/>
+                        <a:lumOff val="80000"/>
+                      </a:schemeClr>
+                    </a:solidFill>
+                  </a:tcPr>
+                </a:tc>
+                <a:tc>
+                  <a:txBody>
+                    <a:bodyPr/>
+                    <a:lstStyle/>
+                    <a:p>
+                      <a:pPr latinLnBrk="1"/>
+                      <a:r>
+                        <a:rPr lang="en-US" altLang="ko-KR" sz="1400" dirty="0">
+                          <a:latin typeface="메이플스토리" panose="02000300000000000000" pitchFamily="2" charset="-127"/>
+                          <a:ea typeface="메이플스토리" panose="02000300000000000000" pitchFamily="2" charset="-127"/>
+                        </a:rPr>
+                        <a:t>X</a:t>
+                      </a:r>
+                      <a:endParaRPr lang="ko-KR" altLang="en-US" sz="1400" dirty="0">
+                        <a:latin typeface="메이플스토리" panose="02000300000000000000" pitchFamily="2" charset="-127"/>
+                        <a:ea typeface="메이플스토리" panose="02000300000000000000" pitchFamily="2" charset="-127"/>
+                      </a:endParaRPr>
+                    </a:p>
+                  </a:txBody>
+                  <a:tcPr anchor="ctr">
+                    <a:solidFill>
+                      <a:schemeClr val="accent2">
+                        <a:lumMod val="20000"/>
+                        <a:lumOff val="80000"/>
+                      </a:schemeClr>
+                    </a:solidFill>
+                  </a:tcPr>
+                </a:tc>
+                <a:tc>
+                  <a:txBody>
+                    <a:bodyPr/>
+                    <a:lstStyle/>
+                    <a:p>
+                      <a:pPr latinLnBrk="1"/>
+                      <a:r>
+                        <a:rPr lang="ko-KR" altLang="en-US" sz="1400" dirty="0">
+                          <a:latin typeface="메이플스토리" panose="02000300000000000000" pitchFamily="2" charset="-127"/>
+                          <a:ea typeface="메이플스토리" panose="02000300000000000000" pitchFamily="2" charset="-127"/>
+                        </a:rPr>
+                        <a:t>변경사항 없음</a:t>
+                      </a:r>
+                    </a:p>
+                  </a:txBody>
+                  <a:tcPr anchor="ctr">
+                    <a:solidFill>
+                      <a:schemeClr val="accent2">
+                        <a:lumMod val="20000"/>
+                        <a:lumOff val="80000"/>
+                      </a:schemeClr>
+                    </a:solidFill>
+                  </a:tcPr>
+                </a:tc>
+                <a:extLst>
+                  <a:ext uri="{0D108BD9-81ED-4DB2-BD59-A6C34878D82A}">
+                    <a16:rowId xmlns:a16="http://schemas.microsoft.com/office/drawing/2014/main" val="171216384"/>
+                  </a:ext>
+                </a:extLst>
+              </a:tr>
+            </a:tbl>
+          </a:graphicData>
+        </a:graphic>
+      </p:graphicFrame>
+    </p:spTree>
+    <p:extLst>
+      <p:ext uri="{BB962C8B-B14F-4D97-AF65-F5344CB8AC3E}">
+        <p14:creationId xmlns:p14="http://schemas.microsoft.com/office/powerpoint/2010/main" val="1303725948"/>
+      </p:ext>
+    </p:extLst>
+  </p:cSld>
+  <p:clrMapOvr>
+    <a:masterClrMapping/>
+  </p:clrMapOvr>
+</p:sld>
+</file>
+
 <file path=ppt/theme/theme1.xml><?xml version="1.0" encoding="utf-8"?>
 <a:theme xmlns:a="http://schemas.openxmlformats.org/drawingml/2006/main" name="Office 테마">
   <a:themeElements>

--- a/2021180001_middle_ppt.pptx
+++ b/2021180001_middle_ppt.pptx
@@ -266,7 +266,7 @@
           <a:p>
             <a:fld id="{CEF397A7-C865-4428-8B9A-396FAC197604}" type="datetimeFigureOut">
               <a:rPr lang="ko-KR" altLang="en-US" smtClean="0"/>
-              <a:t>2024-11-17</a:t>
+              <a:t>2024-11-18</a:t>
             </a:fld>
             <a:endParaRPr lang="ko-KR" altLang="en-US"/>
           </a:p>
@@ -464,7 +464,7 @@
           <a:p>
             <a:fld id="{CEF397A7-C865-4428-8B9A-396FAC197604}" type="datetimeFigureOut">
               <a:rPr lang="ko-KR" altLang="en-US" smtClean="0"/>
-              <a:t>2024-11-17</a:t>
+              <a:t>2024-11-18</a:t>
             </a:fld>
             <a:endParaRPr lang="ko-KR" altLang="en-US"/>
           </a:p>
@@ -672,7 +672,7 @@
           <a:p>
             <a:fld id="{CEF397A7-C865-4428-8B9A-396FAC197604}" type="datetimeFigureOut">
               <a:rPr lang="ko-KR" altLang="en-US" smtClean="0"/>
-              <a:t>2024-11-17</a:t>
+              <a:t>2024-11-18</a:t>
             </a:fld>
             <a:endParaRPr lang="ko-KR" altLang="en-US"/>
           </a:p>
@@ -870,7 +870,7 @@
           <a:p>
             <a:fld id="{CEF397A7-C865-4428-8B9A-396FAC197604}" type="datetimeFigureOut">
               <a:rPr lang="ko-KR" altLang="en-US" smtClean="0"/>
-              <a:t>2024-11-17</a:t>
+              <a:t>2024-11-18</a:t>
             </a:fld>
             <a:endParaRPr lang="ko-KR" altLang="en-US"/>
           </a:p>
@@ -1145,7 +1145,7 @@
           <a:p>
             <a:fld id="{CEF397A7-C865-4428-8B9A-396FAC197604}" type="datetimeFigureOut">
               <a:rPr lang="ko-KR" altLang="en-US" smtClean="0"/>
-              <a:t>2024-11-17</a:t>
+              <a:t>2024-11-18</a:t>
             </a:fld>
             <a:endParaRPr lang="ko-KR" altLang="en-US"/>
           </a:p>
@@ -1410,7 +1410,7 @@
           <a:p>
             <a:fld id="{CEF397A7-C865-4428-8B9A-396FAC197604}" type="datetimeFigureOut">
               <a:rPr lang="ko-KR" altLang="en-US" smtClean="0"/>
-              <a:t>2024-11-17</a:t>
+              <a:t>2024-11-18</a:t>
             </a:fld>
             <a:endParaRPr lang="ko-KR" altLang="en-US"/>
           </a:p>
@@ -1822,7 +1822,7 @@
           <a:p>
             <a:fld id="{CEF397A7-C865-4428-8B9A-396FAC197604}" type="datetimeFigureOut">
               <a:rPr lang="ko-KR" altLang="en-US" smtClean="0"/>
-              <a:t>2024-11-17</a:t>
+              <a:t>2024-11-18</a:t>
             </a:fld>
             <a:endParaRPr lang="ko-KR" altLang="en-US"/>
           </a:p>
@@ -1963,7 +1963,7 @@
           <a:p>
             <a:fld id="{CEF397A7-C865-4428-8B9A-396FAC197604}" type="datetimeFigureOut">
               <a:rPr lang="ko-KR" altLang="en-US" smtClean="0"/>
-              <a:t>2024-11-17</a:t>
+              <a:t>2024-11-18</a:t>
             </a:fld>
             <a:endParaRPr lang="ko-KR" altLang="en-US"/>
           </a:p>
@@ -2076,7 +2076,7 @@
           <a:p>
             <a:fld id="{CEF397A7-C865-4428-8B9A-396FAC197604}" type="datetimeFigureOut">
               <a:rPr lang="ko-KR" altLang="en-US" smtClean="0"/>
-              <a:t>2024-11-17</a:t>
+              <a:t>2024-11-18</a:t>
             </a:fld>
             <a:endParaRPr lang="ko-KR" altLang="en-US"/>
           </a:p>
@@ -2387,7 +2387,7 @@
           <a:p>
             <a:fld id="{CEF397A7-C865-4428-8B9A-396FAC197604}" type="datetimeFigureOut">
               <a:rPr lang="ko-KR" altLang="en-US" smtClean="0"/>
-              <a:t>2024-11-17</a:t>
+              <a:t>2024-11-18</a:t>
             </a:fld>
             <a:endParaRPr lang="ko-KR" altLang="en-US"/>
           </a:p>
@@ -2675,7 +2675,7 @@
           <a:p>
             <a:fld id="{CEF397A7-C865-4428-8B9A-396FAC197604}" type="datetimeFigureOut">
               <a:rPr lang="ko-KR" altLang="en-US" smtClean="0"/>
-              <a:t>2024-11-17</a:t>
+              <a:t>2024-11-18</a:t>
             </a:fld>
             <a:endParaRPr lang="ko-KR" altLang="en-US"/>
           </a:p>
@@ -2916,7 +2916,7 @@
           <a:p>
             <a:fld id="{CEF397A7-C865-4428-8B9A-396FAC197604}" type="datetimeFigureOut">
               <a:rPr lang="ko-KR" altLang="en-US" smtClean="0"/>
-              <a:t>2024-11-17</a:t>
+              <a:t>2024-11-18</a:t>
             </a:fld>
             <a:endParaRPr lang="ko-KR" altLang="en-US"/>
           </a:p>
@@ -7499,7 +7499,7 @@
             <p:ph sz="half" idx="1"/>
             <p:extLst>
               <p:ext uri="{D42A27DB-BD31-4B8C-83A1-F6EECF244321}">
-                <p14:modId xmlns:p14="http://schemas.microsoft.com/office/powerpoint/2010/main" val="946472538"/>
+                <p14:modId xmlns:p14="http://schemas.microsoft.com/office/powerpoint/2010/main" val="702805564"/>
               </p:ext>
             </p:extLst>
           </p:nvPr>
@@ -8398,7 +8398,7 @@
                           <a:latin typeface="메이플스토리" panose="02000300000000000000" pitchFamily="2" charset="-127"/>
                           <a:ea typeface="메이플스토리" panose="02000300000000000000" pitchFamily="2" charset="-127"/>
                         </a:rPr>
-                        <a:t>전투 스테이지 제작</a:t>
+                        <a:t>카드 선택 모드 제작</a:t>
                       </a:r>
                     </a:p>
                   </a:txBody>

--- a/2021180001_middle_ppt.pptx
+++ b/2021180001_middle_ppt.pptx
@@ -12,7 +12,11 @@
     <p:sldId id="260" r:id="rId6"/>
     <p:sldId id="261" r:id="rId7"/>
     <p:sldId id="262" r:id="rId8"/>
-    <p:sldId id="263" r:id="rId9"/>
+    <p:sldId id="266" r:id="rId9"/>
+    <p:sldId id="263" r:id="rId10"/>
+    <p:sldId id="264" r:id="rId11"/>
+    <p:sldId id="265" r:id="rId12"/>
+    <p:sldId id="267" r:id="rId13"/>
   </p:sldIdLst>
   <p:sldSz cx="12192000" cy="6858000"/>
   <p:notesSz cx="6858000" cy="9144000"/>
@@ -266,7 +270,7 @@
           <a:p>
             <a:fld id="{CEF397A7-C865-4428-8B9A-396FAC197604}" type="datetimeFigureOut">
               <a:rPr lang="ko-KR" altLang="en-US" smtClean="0"/>
-              <a:t>2024-11-18</a:t>
+              <a:t>2025-01-03</a:t>
             </a:fld>
             <a:endParaRPr lang="ko-KR" altLang="en-US"/>
           </a:p>
@@ -464,7 +468,7 @@
           <a:p>
             <a:fld id="{CEF397A7-C865-4428-8B9A-396FAC197604}" type="datetimeFigureOut">
               <a:rPr lang="ko-KR" altLang="en-US" smtClean="0"/>
-              <a:t>2024-11-18</a:t>
+              <a:t>2025-01-03</a:t>
             </a:fld>
             <a:endParaRPr lang="ko-KR" altLang="en-US"/>
           </a:p>
@@ -672,7 +676,7 @@
           <a:p>
             <a:fld id="{CEF397A7-C865-4428-8B9A-396FAC197604}" type="datetimeFigureOut">
               <a:rPr lang="ko-KR" altLang="en-US" smtClean="0"/>
-              <a:t>2024-11-18</a:t>
+              <a:t>2025-01-03</a:t>
             </a:fld>
             <a:endParaRPr lang="ko-KR" altLang="en-US"/>
           </a:p>
@@ -870,7 +874,7 @@
           <a:p>
             <a:fld id="{CEF397A7-C865-4428-8B9A-396FAC197604}" type="datetimeFigureOut">
               <a:rPr lang="ko-KR" altLang="en-US" smtClean="0"/>
-              <a:t>2024-11-18</a:t>
+              <a:t>2025-01-03</a:t>
             </a:fld>
             <a:endParaRPr lang="ko-KR" altLang="en-US"/>
           </a:p>
@@ -1145,7 +1149,7 @@
           <a:p>
             <a:fld id="{CEF397A7-C865-4428-8B9A-396FAC197604}" type="datetimeFigureOut">
               <a:rPr lang="ko-KR" altLang="en-US" smtClean="0"/>
-              <a:t>2024-11-18</a:t>
+              <a:t>2025-01-03</a:t>
             </a:fld>
             <a:endParaRPr lang="ko-KR" altLang="en-US"/>
           </a:p>
@@ -1410,7 +1414,7 @@
           <a:p>
             <a:fld id="{CEF397A7-C865-4428-8B9A-396FAC197604}" type="datetimeFigureOut">
               <a:rPr lang="ko-KR" altLang="en-US" smtClean="0"/>
-              <a:t>2024-11-18</a:t>
+              <a:t>2025-01-03</a:t>
             </a:fld>
             <a:endParaRPr lang="ko-KR" altLang="en-US"/>
           </a:p>
@@ -1822,7 +1826,7 @@
           <a:p>
             <a:fld id="{CEF397A7-C865-4428-8B9A-396FAC197604}" type="datetimeFigureOut">
               <a:rPr lang="ko-KR" altLang="en-US" smtClean="0"/>
-              <a:t>2024-11-18</a:t>
+              <a:t>2025-01-03</a:t>
             </a:fld>
             <a:endParaRPr lang="ko-KR" altLang="en-US"/>
           </a:p>
@@ -1963,7 +1967,7 @@
           <a:p>
             <a:fld id="{CEF397A7-C865-4428-8B9A-396FAC197604}" type="datetimeFigureOut">
               <a:rPr lang="ko-KR" altLang="en-US" smtClean="0"/>
-              <a:t>2024-11-18</a:t>
+              <a:t>2025-01-03</a:t>
             </a:fld>
             <a:endParaRPr lang="ko-KR" altLang="en-US"/>
           </a:p>
@@ -2076,7 +2080,7 @@
           <a:p>
             <a:fld id="{CEF397A7-C865-4428-8B9A-396FAC197604}" type="datetimeFigureOut">
               <a:rPr lang="ko-KR" altLang="en-US" smtClean="0"/>
-              <a:t>2024-11-18</a:t>
+              <a:t>2025-01-03</a:t>
             </a:fld>
             <a:endParaRPr lang="ko-KR" altLang="en-US"/>
           </a:p>
@@ -2387,7 +2391,7 @@
           <a:p>
             <a:fld id="{CEF397A7-C865-4428-8B9A-396FAC197604}" type="datetimeFigureOut">
               <a:rPr lang="ko-KR" altLang="en-US" smtClean="0"/>
-              <a:t>2024-11-18</a:t>
+              <a:t>2025-01-03</a:t>
             </a:fld>
             <a:endParaRPr lang="ko-KR" altLang="en-US"/>
           </a:p>
@@ -2675,7 +2679,7 @@
           <a:p>
             <a:fld id="{CEF397A7-C865-4428-8B9A-396FAC197604}" type="datetimeFigureOut">
               <a:rPr lang="ko-KR" altLang="en-US" smtClean="0"/>
-              <a:t>2024-11-18</a:t>
+              <a:t>2025-01-03</a:t>
             </a:fld>
             <a:endParaRPr lang="ko-KR" altLang="en-US"/>
           </a:p>
@@ -2916,7 +2920,7 @@
           <a:p>
             <a:fld id="{CEF397A7-C865-4428-8B9A-396FAC197604}" type="datetimeFigureOut">
               <a:rPr lang="ko-KR" altLang="en-US" smtClean="0"/>
-              <a:t>2024-11-18</a:t>
+              <a:t>2025-01-03</a:t>
             </a:fld>
             <a:endParaRPr lang="ko-KR" altLang="en-US"/>
           </a:p>
@@ -3419,6 +3423,2764 @@
 </p:sld>
 </file>
 
+<file path=ppt/slides/slide10.xml><?xml version="1.0" encoding="utf-8"?>
+<p:sld xmlns:a="http://schemas.openxmlformats.org/drawingml/2006/main" xmlns:r="http://schemas.openxmlformats.org/officeDocument/2006/relationships" xmlns:p="http://schemas.openxmlformats.org/presentationml/2006/main">
+  <p:cSld>
+    <p:spTree>
+      <p:nvGrpSpPr>
+        <p:cNvPr id="1" name="">
+          <a:extLst>
+            <a:ext uri="{FF2B5EF4-FFF2-40B4-BE49-F238E27FC236}">
+              <a16:creationId xmlns:a16="http://schemas.microsoft.com/office/drawing/2014/main" id="{1032FD94-D5FB-FDF0-0065-5869ABF64709}"/>
+            </a:ext>
+          </a:extLst>
+        </p:cNvPr>
+        <p:cNvGrpSpPr/>
+        <p:nvPr/>
+      </p:nvGrpSpPr>
+      <p:grpSpPr>
+        <a:xfrm>
+          <a:off x="0" y="0"/>
+          <a:ext cx="0" cy="0"/>
+          <a:chOff x="0" y="0"/>
+          <a:chExt cx="0" cy="0"/>
+        </a:xfrm>
+      </p:grpSpPr>
+      <p:sp>
+        <p:nvSpPr>
+          <p:cNvPr id="2" name="제목 1">
+            <a:extLst>
+              <a:ext uri="{FF2B5EF4-FFF2-40B4-BE49-F238E27FC236}">
+                <a16:creationId xmlns:a16="http://schemas.microsoft.com/office/drawing/2014/main" id="{1A5E1B4D-46D4-6457-7674-60B1A84557A2}"/>
+              </a:ext>
+            </a:extLst>
+          </p:cNvPr>
+          <p:cNvSpPr>
+            <a:spLocks noGrp="1"/>
+          </p:cNvSpPr>
+          <p:nvPr>
+            <p:ph type="title"/>
+          </p:nvPr>
+        </p:nvSpPr>
+        <p:spPr/>
+        <p:txBody>
+          <a:bodyPr/>
+          <a:lstStyle/>
+          <a:p>
+            <a:r>
+              <a:rPr lang="ko-KR" altLang="en-US" dirty="0">
+                <a:latin typeface="메이플스토리" panose="02000300000000000000" pitchFamily="2" charset="-127"/>
+                <a:ea typeface="메이플스토리" panose="02000300000000000000" pitchFamily="2" charset="-127"/>
+              </a:rPr>
+              <a:t>개발 일정</a:t>
+            </a:r>
+            <a:r>
+              <a:rPr lang="en-US" altLang="ko-KR" dirty="0">
+                <a:latin typeface="메이플스토리" panose="02000300000000000000" pitchFamily="2" charset="-127"/>
+                <a:ea typeface="메이플스토리" panose="02000300000000000000" pitchFamily="2" charset="-127"/>
+              </a:rPr>
+              <a:t>(</a:t>
+            </a:r>
+            <a:r>
+              <a:rPr lang="ko-KR" altLang="en-US" dirty="0">
+                <a:latin typeface="메이플스토리" panose="02000300000000000000" pitchFamily="2" charset="-127"/>
+                <a:ea typeface="메이플스토리" panose="02000300000000000000" pitchFamily="2" charset="-127"/>
+              </a:rPr>
+              <a:t>평균 </a:t>
+            </a:r>
+            <a:r>
+              <a:rPr lang="en-US" altLang="ko-KR" dirty="0">
+                <a:latin typeface="메이플스토리" panose="02000300000000000000" pitchFamily="2" charset="-127"/>
+                <a:ea typeface="메이플스토리" panose="02000300000000000000" pitchFamily="2" charset="-127"/>
+              </a:rPr>
+              <a:t>63% </a:t>
+            </a:r>
+            <a:r>
+              <a:rPr lang="ko-KR" altLang="en-US" dirty="0">
+                <a:latin typeface="메이플스토리" panose="02000300000000000000" pitchFamily="2" charset="-127"/>
+                <a:ea typeface="메이플스토리" panose="02000300000000000000" pitchFamily="2" charset="-127"/>
+              </a:rPr>
+              <a:t>완료</a:t>
+            </a:r>
+            <a:r>
+              <a:rPr lang="en-US" altLang="ko-KR" dirty="0">
+                <a:latin typeface="메이플스토리" panose="02000300000000000000" pitchFamily="2" charset="-127"/>
+                <a:ea typeface="메이플스토리" panose="02000300000000000000" pitchFamily="2" charset="-127"/>
+              </a:rPr>
+              <a:t>)</a:t>
+            </a:r>
+            <a:endParaRPr lang="ko-KR" altLang="en-US" dirty="0">
+              <a:latin typeface="메이플스토리" panose="02000300000000000000" pitchFamily="2" charset="-127"/>
+              <a:ea typeface="메이플스토리" panose="02000300000000000000" pitchFamily="2" charset="-127"/>
+            </a:endParaRPr>
+          </a:p>
+        </p:txBody>
+      </p:sp>
+      <p:graphicFrame>
+        <p:nvGraphicFramePr>
+          <p:cNvPr id="7" name="내용 개체 틀 6">
+            <a:extLst>
+              <a:ext uri="{FF2B5EF4-FFF2-40B4-BE49-F238E27FC236}">
+                <a16:creationId xmlns:a16="http://schemas.microsoft.com/office/drawing/2014/main" id="{5BEAC4E5-9EC5-F543-B1F7-F6ACFF1C70C2}"/>
+              </a:ext>
+            </a:extLst>
+          </p:cNvPr>
+          <p:cNvGraphicFramePr>
+            <a:graphicFrameLocks noGrp="1"/>
+          </p:cNvGraphicFramePr>
+          <p:nvPr>
+            <p:ph sz="half" idx="1"/>
+          </p:nvPr>
+        </p:nvGraphicFramePr>
+        <p:xfrm>
+          <a:off x="772885" y="1384088"/>
+          <a:ext cx="10350138" cy="4997115"/>
+        </p:xfrm>
+        <a:graphic>
+          <a:graphicData uri="http://schemas.openxmlformats.org/drawingml/2006/table">
+            <a:tbl>
+              <a:tblPr firstRow="1" bandRow="1">
+                <a:tableStyleId>{5C22544A-7EE6-4342-B048-85BDC9FD1C3A}</a:tableStyleId>
+              </a:tblPr>
+              <a:tblGrid>
+                <a:gridCol w="1861285">
+                  <a:extLst>
+                    <a:ext uri="{9D8B030D-6E8A-4147-A177-3AD203B41FA5}">
+                      <a16:colId xmlns:a16="http://schemas.microsoft.com/office/drawing/2014/main" val="590733986"/>
+                    </a:ext>
+                  </a:extLst>
+                </a:gridCol>
+                <a:gridCol w="2493001">
+                  <a:extLst>
+                    <a:ext uri="{9D8B030D-6E8A-4147-A177-3AD203B41FA5}">
+                      <a16:colId xmlns:a16="http://schemas.microsoft.com/office/drawing/2014/main" val="989238523"/>
+                    </a:ext>
+                  </a:extLst>
+                </a:gridCol>
+                <a:gridCol w="5995852">
+                  <a:extLst>
+                    <a:ext uri="{9D8B030D-6E8A-4147-A177-3AD203B41FA5}">
+                      <a16:colId xmlns:a16="http://schemas.microsoft.com/office/drawing/2014/main" val="1093442360"/>
+                    </a:ext>
+                  </a:extLst>
+                </a:gridCol>
+              </a:tblGrid>
+              <a:tr h="435563">
+                <a:tc>
+                  <a:txBody>
+                    <a:bodyPr/>
+                    <a:lstStyle/>
+                    <a:p>
+                      <a:pPr latinLnBrk="1"/>
+                      <a:r>
+                        <a:rPr lang="ko-KR" altLang="en-US" dirty="0">
+                          <a:latin typeface="메이플스토리" panose="02000300000000000000" pitchFamily="2" charset="-127"/>
+                          <a:ea typeface="메이플스토리" panose="02000300000000000000" pitchFamily="2" charset="-127"/>
+                        </a:rPr>
+                        <a:t>기존 목표</a:t>
+                      </a:r>
+                    </a:p>
+                  </a:txBody>
+                  <a:tcPr>
+                    <a:solidFill>
+                      <a:schemeClr val="accent2"/>
+                    </a:solidFill>
+                  </a:tcPr>
+                </a:tc>
+                <a:tc>
+                  <a:txBody>
+                    <a:bodyPr/>
+                    <a:lstStyle/>
+                    <a:p>
+                      <a:pPr latinLnBrk="1"/>
+                      <a:r>
+                        <a:rPr lang="ko-KR" altLang="en-US" dirty="0">
+                          <a:latin typeface="메이플스토리" panose="02000300000000000000" pitchFamily="2" charset="-127"/>
+                          <a:ea typeface="메이플스토리" panose="02000300000000000000" pitchFamily="2" charset="-127"/>
+                        </a:rPr>
+                        <a:t>개발 정도</a:t>
+                      </a:r>
+                    </a:p>
+                  </a:txBody>
+                  <a:tcPr>
+                    <a:solidFill>
+                      <a:schemeClr val="accent2"/>
+                    </a:solidFill>
+                  </a:tcPr>
+                </a:tc>
+                <a:tc>
+                  <a:txBody>
+                    <a:bodyPr/>
+                    <a:lstStyle/>
+                    <a:p>
+                      <a:pPr latinLnBrk="1"/>
+                      <a:r>
+                        <a:rPr lang="ko-KR" altLang="en-US" dirty="0">
+                          <a:latin typeface="메이플스토리" panose="02000300000000000000" pitchFamily="2" charset="-127"/>
+                          <a:ea typeface="메이플스토리" panose="02000300000000000000" pitchFamily="2" charset="-127"/>
+                        </a:rPr>
+                        <a:t>변경된 내용</a:t>
+                      </a:r>
+                    </a:p>
+                  </a:txBody>
+                  <a:tcPr>
+                    <a:solidFill>
+                      <a:schemeClr val="accent2"/>
+                    </a:solidFill>
+                  </a:tcPr>
+                </a:tc>
+                <a:extLst>
+                  <a:ext uri="{0D108BD9-81ED-4DB2-BD59-A6C34878D82A}">
+                    <a16:rowId xmlns:a16="http://schemas.microsoft.com/office/drawing/2014/main" val="3416774457"/>
+                  </a:ext>
+                </a:extLst>
+              </a:tr>
+              <a:tr h="570194">
+                <a:tc>
+                  <a:txBody>
+                    <a:bodyPr/>
+                    <a:lstStyle/>
+                    <a:p>
+                      <a:pPr latinLnBrk="1"/>
+                      <a:r>
+                        <a:rPr lang="ko-KR" altLang="en-US" sz="1400" dirty="0">
+                          <a:latin typeface="메이플스토리" panose="02000300000000000000" pitchFamily="2" charset="-127"/>
+                          <a:ea typeface="메이플스토리" panose="02000300000000000000" pitchFamily="2" charset="-127"/>
+                        </a:rPr>
+                        <a:t>데이터 추출 및 </a:t>
+                      </a:r>
+                      <a:r>
+                        <a:rPr lang="ko-KR" altLang="en-US" sz="1400" dirty="0" err="1">
+                          <a:latin typeface="메이플스토리" panose="02000300000000000000" pitchFamily="2" charset="-127"/>
+                          <a:ea typeface="메이플스토리" panose="02000300000000000000" pitchFamily="2" charset="-127"/>
+                        </a:rPr>
+                        <a:t>스프라이트</a:t>
+                      </a:r>
+                      <a:r>
+                        <a:rPr lang="ko-KR" altLang="en-US" sz="1400" dirty="0">
+                          <a:latin typeface="메이플스토리" panose="02000300000000000000" pitchFamily="2" charset="-127"/>
+                          <a:ea typeface="메이플스토리" panose="02000300000000000000" pitchFamily="2" charset="-127"/>
+                        </a:rPr>
+                        <a:t> 정리</a:t>
+                      </a:r>
+                    </a:p>
+                  </a:txBody>
+                  <a:tcPr anchor="ctr">
+                    <a:solidFill>
+                      <a:schemeClr val="accent2">
+                        <a:lumMod val="60000"/>
+                        <a:lumOff val="40000"/>
+                      </a:schemeClr>
+                    </a:solidFill>
+                  </a:tcPr>
+                </a:tc>
+                <a:tc>
+                  <a:txBody>
+                    <a:bodyPr/>
+                    <a:lstStyle/>
+                    <a:p>
+                      <a:pPr latinLnBrk="1"/>
+                      <a:r>
+                        <a:rPr lang="ko-KR" altLang="en-US" sz="1400" dirty="0">
+                          <a:latin typeface="메이플스토리" panose="02000300000000000000" pitchFamily="2" charset="-127"/>
+                          <a:ea typeface="메이플스토리" panose="02000300000000000000" pitchFamily="2" charset="-127"/>
+                        </a:rPr>
+                        <a:t>완료</a:t>
+                      </a:r>
+                      <a:r>
+                        <a:rPr lang="en-US" altLang="ko-KR" sz="1400" dirty="0">
+                          <a:latin typeface="메이플스토리" panose="02000300000000000000" pitchFamily="2" charset="-127"/>
+                          <a:ea typeface="메이플스토리" panose="02000300000000000000" pitchFamily="2" charset="-127"/>
+                        </a:rPr>
+                        <a:t>(100%)</a:t>
+                      </a:r>
+                      <a:endParaRPr lang="ko-KR" altLang="en-US" sz="1400" dirty="0">
+                        <a:latin typeface="메이플스토리" panose="02000300000000000000" pitchFamily="2" charset="-127"/>
+                        <a:ea typeface="메이플스토리" panose="02000300000000000000" pitchFamily="2" charset="-127"/>
+                      </a:endParaRPr>
+                    </a:p>
+                  </a:txBody>
+                  <a:tcPr anchor="ctr">
+                    <a:solidFill>
+                      <a:schemeClr val="accent2">
+                        <a:lumMod val="60000"/>
+                        <a:lumOff val="40000"/>
+                      </a:schemeClr>
+                    </a:solidFill>
+                  </a:tcPr>
+                </a:tc>
+                <a:tc>
+                  <a:txBody>
+                    <a:bodyPr/>
+                    <a:lstStyle/>
+                    <a:p>
+                      <a:pPr latinLnBrk="1"/>
+                      <a:r>
+                        <a:rPr lang="ko-KR" altLang="en-US" sz="1400" dirty="0">
+                          <a:latin typeface="메이플스토리" panose="02000300000000000000" pitchFamily="2" charset="-127"/>
+                          <a:ea typeface="메이플스토리" panose="02000300000000000000" pitchFamily="2" charset="-127"/>
+                        </a:rPr>
+                        <a:t>변경사항 없음 </a:t>
+                      </a:r>
+                      <a:r>
+                        <a:rPr lang="en-US" altLang="ko-KR" sz="1400" dirty="0">
+                          <a:latin typeface="메이플스토리" panose="02000300000000000000" pitchFamily="2" charset="-127"/>
+                          <a:ea typeface="메이플스토리" panose="02000300000000000000" pitchFamily="2" charset="-127"/>
+                        </a:rPr>
+                        <a:t>- </a:t>
+                      </a:r>
+                      <a:r>
+                        <a:rPr lang="ko-KR" altLang="en-US" sz="1400" dirty="0">
+                          <a:latin typeface="메이플스토리" panose="02000300000000000000" pitchFamily="2" charset="-127"/>
+                          <a:ea typeface="메이플스토리" panose="02000300000000000000" pitchFamily="2" charset="-127"/>
+                        </a:rPr>
+                        <a:t>완</a:t>
+                      </a:r>
+                    </a:p>
+                  </a:txBody>
+                  <a:tcPr anchor="ctr">
+                    <a:solidFill>
+                      <a:schemeClr val="accent2">
+                        <a:lumMod val="60000"/>
+                        <a:lumOff val="40000"/>
+                      </a:schemeClr>
+                    </a:solidFill>
+                  </a:tcPr>
+                </a:tc>
+                <a:extLst>
+                  <a:ext uri="{0D108BD9-81ED-4DB2-BD59-A6C34878D82A}">
+                    <a16:rowId xmlns:a16="http://schemas.microsoft.com/office/drawing/2014/main" val="3531204306"/>
+                  </a:ext>
+                </a:extLst>
+              </a:tr>
+              <a:tr h="570194">
+                <a:tc>
+                  <a:txBody>
+                    <a:bodyPr/>
+                    <a:lstStyle/>
+                    <a:p>
+                      <a:pPr latinLnBrk="1"/>
+                      <a:r>
+                        <a:rPr lang="ko-KR" altLang="en-US" sz="1400" dirty="0">
+                          <a:latin typeface="메이플스토리" panose="02000300000000000000" pitchFamily="2" charset="-127"/>
+                          <a:ea typeface="메이플스토리" panose="02000300000000000000" pitchFamily="2" charset="-127"/>
+                        </a:rPr>
+                        <a:t>플레이어 캐릭터 및 기본 </a:t>
+                      </a:r>
+                      <a:r>
+                        <a:rPr lang="en-US" altLang="ko-KR" sz="1400" dirty="0" err="1">
+                          <a:latin typeface="메이플스토리" panose="02000300000000000000" pitchFamily="2" charset="-127"/>
+                          <a:ea typeface="메이플스토리" panose="02000300000000000000" pitchFamily="2" charset="-127"/>
+                        </a:rPr>
+                        <a:t>ui</a:t>
+                      </a:r>
+                      <a:r>
+                        <a:rPr lang="ko-KR" altLang="en-US" sz="1400" dirty="0">
+                          <a:latin typeface="메이플스토리" panose="02000300000000000000" pitchFamily="2" charset="-127"/>
+                          <a:ea typeface="메이플스토리" panose="02000300000000000000" pitchFamily="2" charset="-127"/>
+                        </a:rPr>
+                        <a:t>구현</a:t>
+                      </a:r>
+                    </a:p>
+                  </a:txBody>
+                  <a:tcPr anchor="ctr">
+                    <a:solidFill>
+                      <a:schemeClr val="accent2">
+                        <a:lumMod val="20000"/>
+                        <a:lumOff val="80000"/>
+                      </a:schemeClr>
+                    </a:solidFill>
+                  </a:tcPr>
+                </a:tc>
+                <a:tc>
+                  <a:txBody>
+                    <a:bodyPr/>
+                    <a:lstStyle/>
+                    <a:p>
+                      <a:pPr latinLnBrk="1"/>
+                      <a:r>
+                        <a:rPr lang="ko-KR" altLang="en-US" sz="1400" dirty="0">
+                          <a:latin typeface="메이플스토리" panose="02000300000000000000" pitchFamily="2" charset="-127"/>
+                          <a:ea typeface="메이플스토리" panose="02000300000000000000" pitchFamily="2" charset="-127"/>
+                        </a:rPr>
+                        <a:t>플레이어 캐릭터 기본 구현 완료</a:t>
+                      </a:r>
+                      <a:endParaRPr lang="en-US" altLang="ko-KR" sz="1400" dirty="0">
+                        <a:latin typeface="메이플스토리" panose="02000300000000000000" pitchFamily="2" charset="-127"/>
+                        <a:ea typeface="메이플스토리" panose="02000300000000000000" pitchFamily="2" charset="-127"/>
+                      </a:endParaRPr>
+                    </a:p>
+                    <a:p>
+                      <a:pPr latinLnBrk="1"/>
+                      <a:r>
+                        <a:rPr lang="ko-KR" altLang="en-US" sz="1400" dirty="0" err="1">
+                          <a:latin typeface="메이플스토리" panose="02000300000000000000" pitchFamily="2" charset="-127"/>
+                          <a:ea typeface="메이플스토리" panose="02000300000000000000" pitchFamily="2" charset="-127"/>
+                        </a:rPr>
+                        <a:t>추가스킬</a:t>
+                      </a:r>
+                      <a:r>
+                        <a:rPr lang="ko-KR" altLang="en-US" sz="1400" dirty="0">
+                          <a:latin typeface="메이플스토리" panose="02000300000000000000" pitchFamily="2" charset="-127"/>
+                          <a:ea typeface="메이플스토리" panose="02000300000000000000" pitchFamily="2" charset="-127"/>
+                        </a:rPr>
+                        <a:t> 구현 예정</a:t>
+                      </a:r>
+                      <a:r>
+                        <a:rPr lang="en-US" altLang="ko-KR" sz="1400" dirty="0">
+                          <a:latin typeface="메이플스토리" panose="02000300000000000000" pitchFamily="2" charset="-127"/>
+                          <a:ea typeface="메이플스토리" panose="02000300000000000000" pitchFamily="2" charset="-127"/>
+                        </a:rPr>
+                        <a:t>(80%)</a:t>
+                      </a:r>
+                    </a:p>
+                  </a:txBody>
+                  <a:tcPr anchor="ctr">
+                    <a:solidFill>
+                      <a:schemeClr val="accent2">
+                        <a:lumMod val="20000"/>
+                        <a:lumOff val="80000"/>
+                      </a:schemeClr>
+                    </a:solidFill>
+                  </a:tcPr>
+                </a:tc>
+                <a:tc>
+                  <a:txBody>
+                    <a:bodyPr/>
+                    <a:lstStyle/>
+                    <a:p>
+                      <a:pPr marL="0" marR="0" lvl="0" indent="0" algn="l" defTabSz="914400" rtl="0" eaLnBrk="1" fontAlgn="auto" latinLnBrk="1" hangingPunct="1">
+                        <a:lnSpc>
+                          <a:spcPct val="100000"/>
+                        </a:lnSpc>
+                        <a:spcBef>
+                          <a:spcPts val="0"/>
+                        </a:spcBef>
+                        <a:spcAft>
+                          <a:spcPts val="0"/>
+                        </a:spcAft>
+                        <a:buClrTx/>
+                        <a:buSzTx/>
+                        <a:buFontTx/>
+                        <a:buNone/>
+                        <a:tabLst/>
+                        <a:defRPr/>
+                      </a:pPr>
+                      <a:r>
+                        <a:rPr lang="en-US" altLang="ko-KR" sz="1400" dirty="0">
+                          <a:latin typeface="메이플스토리" panose="02000300000000000000" pitchFamily="2" charset="-127"/>
+                          <a:ea typeface="메이플스토리" panose="02000300000000000000" pitchFamily="2" charset="-127"/>
+                        </a:rPr>
+                        <a:t>Ui</a:t>
+                      </a:r>
+                      <a:r>
+                        <a:rPr lang="ko-KR" altLang="en-US" sz="1400" dirty="0">
+                          <a:latin typeface="메이플스토리" panose="02000300000000000000" pitchFamily="2" charset="-127"/>
+                          <a:ea typeface="메이플스토리" panose="02000300000000000000" pitchFamily="2" charset="-127"/>
+                        </a:rPr>
+                        <a:t>작업 순서 변경 </a:t>
+                      </a:r>
+                      <a:r>
+                        <a:rPr lang="en-US" altLang="ko-KR" sz="1400" dirty="0">
+                          <a:latin typeface="메이플스토리" panose="02000300000000000000" pitchFamily="2" charset="-127"/>
+                          <a:ea typeface="메이플스토리" panose="02000300000000000000" pitchFamily="2" charset="-127"/>
+                        </a:rPr>
+                        <a:t>- </a:t>
+                      </a:r>
+                      <a:r>
+                        <a:rPr lang="ko-KR" altLang="en-US" sz="1400" dirty="0">
+                          <a:latin typeface="메이플스토리" panose="02000300000000000000" pitchFamily="2" charset="-127"/>
+                          <a:ea typeface="메이플스토리" panose="02000300000000000000" pitchFamily="2" charset="-127"/>
+                        </a:rPr>
+                        <a:t>완</a:t>
+                      </a:r>
+                    </a:p>
+                  </a:txBody>
+                  <a:tcPr anchor="ctr">
+                    <a:solidFill>
+                      <a:schemeClr val="accent2">
+                        <a:lumMod val="20000"/>
+                        <a:lumOff val="80000"/>
+                      </a:schemeClr>
+                    </a:solidFill>
+                  </a:tcPr>
+                </a:tc>
+                <a:extLst>
+                  <a:ext uri="{0D108BD9-81ED-4DB2-BD59-A6C34878D82A}">
+                    <a16:rowId xmlns:a16="http://schemas.microsoft.com/office/drawing/2014/main" val="959577071"/>
+                  </a:ext>
+                </a:extLst>
+              </a:tr>
+              <a:tr h="570194">
+                <a:tc>
+                  <a:txBody>
+                    <a:bodyPr/>
+                    <a:lstStyle/>
+                    <a:p>
+                      <a:pPr latinLnBrk="1"/>
+                      <a:r>
+                        <a:rPr lang="ko-KR" altLang="en-US" sz="1400" dirty="0" err="1">
+                          <a:latin typeface="메이플스토리" panose="02000300000000000000" pitchFamily="2" charset="-127"/>
+                          <a:ea typeface="메이플스토리" panose="02000300000000000000" pitchFamily="2" charset="-127"/>
+                        </a:rPr>
+                        <a:t>전투페이즈</a:t>
+                      </a:r>
+                      <a:r>
+                        <a:rPr lang="ko-KR" altLang="en-US" sz="1400" dirty="0">
+                          <a:latin typeface="메이플스토리" panose="02000300000000000000" pitchFamily="2" charset="-127"/>
+                          <a:ea typeface="메이플스토리" panose="02000300000000000000" pitchFamily="2" charset="-127"/>
+                        </a:rPr>
+                        <a:t> 몬스터 구현</a:t>
+                      </a:r>
+                    </a:p>
+                  </a:txBody>
+                  <a:tcPr anchor="ctr">
+                    <a:solidFill>
+                      <a:schemeClr val="accent2">
+                        <a:lumMod val="60000"/>
+                        <a:lumOff val="40000"/>
+                      </a:schemeClr>
+                    </a:solidFill>
+                  </a:tcPr>
+                </a:tc>
+                <a:tc>
+                  <a:txBody>
+                    <a:bodyPr/>
+                    <a:lstStyle/>
+                    <a:p>
+                      <a:pPr latinLnBrk="1"/>
+                      <a:r>
+                        <a:rPr lang="ko-KR" altLang="en-US" sz="1400" dirty="0">
+                          <a:latin typeface="메이플스토리" panose="02000300000000000000" pitchFamily="2" charset="-127"/>
+                          <a:ea typeface="메이플스토리" panose="02000300000000000000" pitchFamily="2" charset="-127"/>
+                        </a:rPr>
+                        <a:t>몬스터 상태</a:t>
+                      </a:r>
+                      <a:r>
+                        <a:rPr lang="en-US" altLang="ko-KR" sz="1400" dirty="0">
+                          <a:latin typeface="메이플스토리" panose="02000300000000000000" pitchFamily="2" charset="-127"/>
+                          <a:ea typeface="메이플스토리" panose="02000300000000000000" pitchFamily="2" charset="-127"/>
+                        </a:rPr>
+                        <a:t>, </a:t>
+                      </a:r>
+                      <a:r>
+                        <a:rPr lang="ko-KR" altLang="en-US" sz="1400" dirty="0">
+                          <a:latin typeface="메이플스토리" panose="02000300000000000000" pitchFamily="2" charset="-127"/>
+                          <a:ea typeface="메이플스토리" panose="02000300000000000000" pitchFamily="2" charset="-127"/>
+                        </a:rPr>
+                        <a:t>행동패턴 완료</a:t>
+                      </a:r>
+                      <a:r>
+                        <a:rPr lang="en-US" altLang="ko-KR" sz="1400" dirty="0">
+                          <a:latin typeface="메이플스토리" panose="02000300000000000000" pitchFamily="2" charset="-127"/>
+                          <a:ea typeface="메이플스토리" panose="02000300000000000000" pitchFamily="2" charset="-127"/>
+                        </a:rPr>
+                        <a:t>(100%)</a:t>
+                      </a:r>
+                      <a:endParaRPr lang="ko-KR" altLang="en-US" sz="1400" dirty="0">
+                        <a:latin typeface="메이플스토리" panose="02000300000000000000" pitchFamily="2" charset="-127"/>
+                        <a:ea typeface="메이플스토리" panose="02000300000000000000" pitchFamily="2" charset="-127"/>
+                      </a:endParaRPr>
+                    </a:p>
+                  </a:txBody>
+                  <a:tcPr anchor="ctr">
+                    <a:solidFill>
+                      <a:schemeClr val="accent2">
+                        <a:lumMod val="60000"/>
+                        <a:lumOff val="40000"/>
+                      </a:schemeClr>
+                    </a:solidFill>
+                  </a:tcPr>
+                </a:tc>
+                <a:tc rowSpan="3">
+                  <a:txBody>
+                    <a:bodyPr/>
+                    <a:lstStyle/>
+                    <a:p>
+                      <a:pPr latinLnBrk="1"/>
+                      <a:r>
+                        <a:rPr lang="ko-KR" altLang="en-US" sz="1400" dirty="0" err="1">
+                          <a:latin typeface="메이플스토리" panose="02000300000000000000" pitchFamily="2" charset="-127"/>
+                          <a:ea typeface="메이플스토리" panose="02000300000000000000" pitchFamily="2" charset="-127"/>
+                        </a:rPr>
+                        <a:t>일반몬스터</a:t>
+                      </a:r>
+                      <a:r>
+                        <a:rPr lang="ko-KR" altLang="en-US" sz="1400" dirty="0">
+                          <a:latin typeface="메이플스토리" panose="02000300000000000000" pitchFamily="2" charset="-127"/>
+                          <a:ea typeface="메이플스토리" panose="02000300000000000000" pitchFamily="2" charset="-127"/>
+                        </a:rPr>
+                        <a:t> </a:t>
+                      </a:r>
+                      <a:r>
+                        <a:rPr lang="en-US" altLang="ko-KR" sz="1400" dirty="0">
+                          <a:latin typeface="메이플스토리" panose="02000300000000000000" pitchFamily="2" charset="-127"/>
+                          <a:ea typeface="메이플스토리" panose="02000300000000000000" pitchFamily="2" charset="-127"/>
+                        </a:rPr>
+                        <a:t>– </a:t>
+                      </a:r>
+                      <a:r>
+                        <a:rPr lang="ko-KR" altLang="en-US" sz="1400" dirty="0" err="1">
+                          <a:latin typeface="메이플스토리" panose="02000300000000000000" pitchFamily="2" charset="-127"/>
+                          <a:ea typeface="메이플스토리" panose="02000300000000000000" pitchFamily="2" charset="-127"/>
+                        </a:rPr>
+                        <a:t>보스몬스터</a:t>
+                      </a:r>
+                      <a:r>
+                        <a:rPr lang="ko-KR" altLang="en-US" sz="1400" dirty="0">
+                          <a:latin typeface="메이플스토리" panose="02000300000000000000" pitchFamily="2" charset="-127"/>
+                          <a:ea typeface="메이플스토리" panose="02000300000000000000" pitchFamily="2" charset="-127"/>
+                        </a:rPr>
+                        <a:t> 통합 </a:t>
+                      </a:r>
+                      <a:endParaRPr lang="en-US" altLang="ko-KR" sz="1400" dirty="0">
+                        <a:latin typeface="메이플스토리" panose="02000300000000000000" pitchFamily="2" charset="-127"/>
+                        <a:ea typeface="메이플스토리" panose="02000300000000000000" pitchFamily="2" charset="-127"/>
+                      </a:endParaRPr>
+                    </a:p>
+                    <a:p>
+                      <a:pPr latinLnBrk="1"/>
+                      <a:endParaRPr lang="en-US" altLang="ko-KR" sz="1400" dirty="0">
+                        <a:latin typeface="메이플스토리" panose="02000300000000000000" pitchFamily="2" charset="-127"/>
+                        <a:ea typeface="메이플스토리" panose="02000300000000000000" pitchFamily="2" charset="-127"/>
+                      </a:endParaRPr>
+                    </a:p>
+                    <a:p>
+                      <a:pPr latinLnBrk="1"/>
+                      <a:r>
+                        <a:rPr lang="ko-KR" altLang="en-US" sz="1400" dirty="0">
+                          <a:latin typeface="메이플스토리" panose="02000300000000000000" pitchFamily="2" charset="-127"/>
+                          <a:ea typeface="메이플스토리" panose="02000300000000000000" pitchFamily="2" charset="-127"/>
+                        </a:rPr>
+                        <a:t>상점이 아닌 카드 선택으로 변경</a:t>
+                      </a:r>
+                      <a:endParaRPr lang="en-US" altLang="ko-KR" sz="1400" dirty="0">
+                        <a:latin typeface="메이플스토리" panose="02000300000000000000" pitchFamily="2" charset="-127"/>
+                        <a:ea typeface="메이플스토리" panose="02000300000000000000" pitchFamily="2" charset="-127"/>
+                      </a:endParaRPr>
+                    </a:p>
+                    <a:p>
+                      <a:pPr latinLnBrk="1"/>
+                      <a:r>
+                        <a:rPr lang="en-US" altLang="ko-KR" sz="1400" dirty="0">
+                          <a:latin typeface="메이플스토리" panose="02000300000000000000" pitchFamily="2" charset="-127"/>
+                          <a:ea typeface="메이플스토리" panose="02000300000000000000" pitchFamily="2" charset="-127"/>
+                        </a:rPr>
+                        <a:t> - </a:t>
+                      </a:r>
+                      <a:r>
+                        <a:rPr lang="ko-KR" altLang="en-US" sz="1400" dirty="0">
+                          <a:latin typeface="메이플스토리" panose="02000300000000000000" pitchFamily="2" charset="-127"/>
+                          <a:ea typeface="메이플스토리" panose="02000300000000000000" pitchFamily="2" charset="-127"/>
+                        </a:rPr>
+                        <a:t>완</a:t>
+                      </a:r>
+                      <a:endParaRPr lang="en-US" altLang="ko-KR" sz="1400" dirty="0">
+                        <a:latin typeface="메이플스토리" panose="02000300000000000000" pitchFamily="2" charset="-127"/>
+                        <a:ea typeface="메이플스토리" panose="02000300000000000000" pitchFamily="2" charset="-127"/>
+                      </a:endParaRPr>
+                    </a:p>
+                  </a:txBody>
+                  <a:tcPr anchor="ctr">
+                    <a:solidFill>
+                      <a:schemeClr val="accent2">
+                        <a:lumMod val="60000"/>
+                        <a:lumOff val="40000"/>
+                      </a:schemeClr>
+                    </a:solidFill>
+                  </a:tcPr>
+                </a:tc>
+                <a:extLst>
+                  <a:ext uri="{0D108BD9-81ED-4DB2-BD59-A6C34878D82A}">
+                    <a16:rowId xmlns:a16="http://schemas.microsoft.com/office/drawing/2014/main" val="1595810053"/>
+                  </a:ext>
+                </a:extLst>
+              </a:tr>
+              <a:tr h="570194">
+                <a:tc>
+                  <a:txBody>
+                    <a:bodyPr/>
+                    <a:lstStyle/>
+                    <a:p>
+                      <a:pPr marL="0" marR="0" lvl="0" indent="0" algn="l" defTabSz="914400" rtl="0" eaLnBrk="1" fontAlgn="auto" latinLnBrk="1" hangingPunct="1">
+                        <a:lnSpc>
+                          <a:spcPct val="100000"/>
+                        </a:lnSpc>
+                        <a:spcBef>
+                          <a:spcPts val="0"/>
+                        </a:spcBef>
+                        <a:spcAft>
+                          <a:spcPts val="0"/>
+                        </a:spcAft>
+                        <a:buClrTx/>
+                        <a:buSzTx/>
+                        <a:buFontTx/>
+                        <a:buNone/>
+                        <a:tabLst/>
+                        <a:defRPr/>
+                      </a:pPr>
+                      <a:r>
+                        <a:rPr lang="ko-KR" altLang="en-US" sz="1400" dirty="0">
+                          <a:latin typeface="메이플스토리" panose="02000300000000000000" pitchFamily="2" charset="-127"/>
+                          <a:ea typeface="메이플스토리" panose="02000300000000000000" pitchFamily="2" charset="-127"/>
+                        </a:rPr>
+                        <a:t>전투 스테이지 구현</a:t>
+                      </a:r>
+                    </a:p>
+                  </a:txBody>
+                  <a:tcPr anchor="ctr">
+                    <a:solidFill>
+                      <a:schemeClr val="accent2">
+                        <a:lumMod val="20000"/>
+                        <a:lumOff val="80000"/>
+                      </a:schemeClr>
+                    </a:solidFill>
+                  </a:tcPr>
+                </a:tc>
+                <a:tc>
+                  <a:txBody>
+                    <a:bodyPr/>
+                    <a:lstStyle/>
+                    <a:p>
+                      <a:pPr marL="0" marR="0" lvl="0" indent="0" algn="l" defTabSz="914400" rtl="0" eaLnBrk="1" fontAlgn="auto" latinLnBrk="1" hangingPunct="1">
+                        <a:lnSpc>
+                          <a:spcPct val="100000"/>
+                        </a:lnSpc>
+                        <a:spcBef>
+                          <a:spcPts val="0"/>
+                        </a:spcBef>
+                        <a:spcAft>
+                          <a:spcPts val="0"/>
+                        </a:spcAft>
+                        <a:buClrTx/>
+                        <a:buSzTx/>
+                        <a:buFontTx/>
+                        <a:buNone/>
+                        <a:tabLst/>
+                        <a:defRPr/>
+                      </a:pPr>
+                      <a:r>
+                        <a:rPr lang="ko-KR" altLang="en-US" sz="1400" dirty="0">
+                          <a:latin typeface="메이플스토리" panose="02000300000000000000" pitchFamily="2" charset="-127"/>
+                          <a:ea typeface="메이플스토리" panose="02000300000000000000" pitchFamily="2" charset="-127"/>
+                        </a:rPr>
+                        <a:t>전투 스테이지 기본 틀 완성</a:t>
+                      </a:r>
+                      <a:endParaRPr lang="en-US" altLang="ko-KR" sz="1400" dirty="0">
+                        <a:latin typeface="메이플스토리" panose="02000300000000000000" pitchFamily="2" charset="-127"/>
+                        <a:ea typeface="메이플스토리" panose="02000300000000000000" pitchFamily="2" charset="-127"/>
+                      </a:endParaRPr>
+                    </a:p>
+                    <a:p>
+                      <a:pPr marL="0" marR="0" lvl="0" indent="0" algn="l" defTabSz="914400" rtl="0" eaLnBrk="1" fontAlgn="auto" latinLnBrk="1" hangingPunct="1">
+                        <a:lnSpc>
+                          <a:spcPct val="100000"/>
+                        </a:lnSpc>
+                        <a:spcBef>
+                          <a:spcPts val="0"/>
+                        </a:spcBef>
+                        <a:spcAft>
+                          <a:spcPts val="0"/>
+                        </a:spcAft>
+                        <a:buClrTx/>
+                        <a:buSzTx/>
+                        <a:buFontTx/>
+                        <a:buNone/>
+                        <a:tabLst/>
+                        <a:defRPr/>
+                      </a:pPr>
+                      <a:r>
+                        <a:rPr lang="ko-KR" altLang="en-US" sz="1400" dirty="0">
+                          <a:latin typeface="메이플스토리" panose="02000300000000000000" pitchFamily="2" charset="-127"/>
+                          <a:ea typeface="메이플스토리" panose="02000300000000000000" pitchFamily="2" charset="-127"/>
+                        </a:rPr>
+                        <a:t>세부 스테이지 </a:t>
+                      </a:r>
+                      <a:r>
+                        <a:rPr lang="ko-KR" altLang="en-US" sz="1400" dirty="0" err="1">
+                          <a:latin typeface="메이플스토리" panose="02000300000000000000" pitchFamily="2" charset="-127"/>
+                          <a:ea typeface="메이플스토리" panose="02000300000000000000" pitchFamily="2" charset="-127"/>
+                        </a:rPr>
+                        <a:t>제작중</a:t>
+                      </a:r>
+                      <a:r>
+                        <a:rPr lang="en-US" altLang="ko-KR" sz="1400" dirty="0">
+                          <a:latin typeface="메이플스토리" panose="02000300000000000000" pitchFamily="2" charset="-127"/>
+                          <a:ea typeface="메이플스토리" panose="02000300000000000000" pitchFamily="2" charset="-127"/>
+                        </a:rPr>
+                        <a:t>(50%)</a:t>
+                      </a:r>
+                      <a:endParaRPr lang="ko-KR" altLang="en-US" sz="1400" dirty="0">
+                        <a:latin typeface="메이플스토리" panose="02000300000000000000" pitchFamily="2" charset="-127"/>
+                        <a:ea typeface="메이플스토리" panose="02000300000000000000" pitchFamily="2" charset="-127"/>
+                      </a:endParaRPr>
+                    </a:p>
+                  </a:txBody>
+                  <a:tcPr anchor="ctr">
+                    <a:solidFill>
+                      <a:schemeClr val="accent2">
+                        <a:lumMod val="20000"/>
+                        <a:lumOff val="80000"/>
+                      </a:schemeClr>
+                    </a:solidFill>
+                  </a:tcPr>
+                </a:tc>
+                <a:tc vMerge="1">
+                  <a:txBody>
+                    <a:bodyPr/>
+                    <a:lstStyle/>
+                    <a:p>
+                      <a:endParaRPr/>
+                    </a:p>
+                  </a:txBody>
+                  <a:tcPr anchor="ctr">
+                    <a:solidFill>
+                      <a:schemeClr val="accent2">
+                        <a:lumMod val="20000"/>
+                        <a:lumOff val="80000"/>
+                      </a:schemeClr>
+                    </a:solidFill>
+                  </a:tcPr>
+                </a:tc>
+                <a:extLst>
+                  <a:ext uri="{0D108BD9-81ED-4DB2-BD59-A6C34878D82A}">
+                    <a16:rowId xmlns:a16="http://schemas.microsoft.com/office/drawing/2014/main" val="4251137862"/>
+                  </a:ext>
+                </a:extLst>
+              </a:tr>
+              <a:tr h="570194">
+                <a:tc>
+                  <a:txBody>
+                    <a:bodyPr/>
+                    <a:lstStyle/>
+                    <a:p>
+                      <a:pPr latinLnBrk="1"/>
+                      <a:r>
+                        <a:rPr lang="ko-KR" altLang="en-US" sz="1400" dirty="0">
+                          <a:latin typeface="메이플스토리" panose="02000300000000000000" pitchFamily="2" charset="-127"/>
+                          <a:ea typeface="메이플스토리" panose="02000300000000000000" pitchFamily="2" charset="-127"/>
+                        </a:rPr>
+                        <a:t>상점</a:t>
+                      </a:r>
+                      <a:r>
+                        <a:rPr lang="en-US" altLang="ko-KR" sz="1400" dirty="0">
+                          <a:latin typeface="메이플스토리" panose="02000300000000000000" pitchFamily="2" charset="-127"/>
+                          <a:ea typeface="메이플스토리" panose="02000300000000000000" pitchFamily="2" charset="-127"/>
+                        </a:rPr>
+                        <a:t> </a:t>
+                      </a:r>
+                      <a:r>
+                        <a:rPr lang="ko-KR" altLang="en-US" sz="1400" dirty="0">
+                          <a:latin typeface="메이플스토리" panose="02000300000000000000" pitchFamily="2" charset="-127"/>
+                          <a:ea typeface="메이플스토리" panose="02000300000000000000" pitchFamily="2" charset="-127"/>
+                        </a:rPr>
+                        <a:t>스테이지 구현</a:t>
+                      </a:r>
+                    </a:p>
+                  </a:txBody>
+                  <a:tcPr anchor="ctr">
+                    <a:solidFill>
+                      <a:schemeClr val="accent2">
+                        <a:lumMod val="60000"/>
+                        <a:lumOff val="40000"/>
+                      </a:schemeClr>
+                    </a:solidFill>
+                  </a:tcPr>
+                </a:tc>
+                <a:tc>
+                  <a:txBody>
+                    <a:bodyPr/>
+                    <a:lstStyle/>
+                    <a:p>
+                      <a:pPr latinLnBrk="1"/>
+                      <a:r>
+                        <a:rPr lang="ko-KR" altLang="en-US" sz="1400" dirty="0">
+                          <a:latin typeface="메이플스토리" panose="02000300000000000000" pitchFamily="2" charset="-127"/>
+                          <a:ea typeface="메이플스토리" panose="02000300000000000000" pitchFamily="2" charset="-127"/>
+                        </a:rPr>
+                        <a:t>내용변경</a:t>
+                      </a:r>
+                      <a:r>
+                        <a:rPr lang="en-US" altLang="ko-KR" sz="1400" dirty="0">
+                          <a:latin typeface="메이플스토리" panose="02000300000000000000" pitchFamily="2" charset="-127"/>
+                          <a:ea typeface="메이플스토리" panose="02000300000000000000" pitchFamily="2" charset="-127"/>
+                        </a:rPr>
+                        <a:t>(0%)</a:t>
+                      </a:r>
+                      <a:endParaRPr lang="ko-KR" altLang="en-US" sz="1400" dirty="0">
+                        <a:latin typeface="메이플스토리" panose="02000300000000000000" pitchFamily="2" charset="-127"/>
+                        <a:ea typeface="메이플스토리" panose="02000300000000000000" pitchFamily="2" charset="-127"/>
+                      </a:endParaRPr>
+                    </a:p>
+                  </a:txBody>
+                  <a:tcPr anchor="ctr">
+                    <a:solidFill>
+                      <a:schemeClr val="accent2">
+                        <a:lumMod val="60000"/>
+                        <a:lumOff val="40000"/>
+                      </a:schemeClr>
+                    </a:solidFill>
+                  </a:tcPr>
+                </a:tc>
+                <a:tc vMerge="1">
+                  <a:txBody>
+                    <a:bodyPr/>
+                    <a:lstStyle/>
+                    <a:p>
+                      <a:pPr latinLnBrk="1"/>
+                      <a:endParaRPr lang="ko-KR" altLang="en-US" sz="1400" dirty="0">
+                        <a:latin typeface="메이플스토리" panose="02000300000000000000" pitchFamily="2" charset="-127"/>
+                        <a:ea typeface="메이플스토리" panose="02000300000000000000" pitchFamily="2" charset="-127"/>
+                      </a:endParaRPr>
+                    </a:p>
+                  </a:txBody>
+                  <a:tcPr anchor="ctr">
+                    <a:solidFill>
+                      <a:schemeClr val="accent2">
+                        <a:lumMod val="60000"/>
+                        <a:lumOff val="40000"/>
+                      </a:schemeClr>
+                    </a:solidFill>
+                  </a:tcPr>
+                </a:tc>
+                <a:extLst>
+                  <a:ext uri="{0D108BD9-81ED-4DB2-BD59-A6C34878D82A}">
+                    <a16:rowId xmlns:a16="http://schemas.microsoft.com/office/drawing/2014/main" val="1411882881"/>
+                  </a:ext>
+                </a:extLst>
+              </a:tr>
+              <a:tr h="570194">
+                <a:tc>
+                  <a:txBody>
+                    <a:bodyPr/>
+                    <a:lstStyle/>
+                    <a:p>
+                      <a:pPr latinLnBrk="1"/>
+                      <a:r>
+                        <a:rPr lang="ko-KR" altLang="en-US" sz="1400" dirty="0">
+                          <a:latin typeface="메이플스토리" panose="02000300000000000000" pitchFamily="2" charset="-127"/>
+                          <a:ea typeface="메이플스토리" panose="02000300000000000000" pitchFamily="2" charset="-127"/>
+                        </a:rPr>
+                        <a:t>보스 몬스터 기초 생성</a:t>
+                      </a:r>
+                    </a:p>
+                  </a:txBody>
+                  <a:tcPr anchor="ctr">
+                    <a:solidFill>
+                      <a:schemeClr val="accent2">
+                        <a:lumMod val="20000"/>
+                        <a:lumOff val="80000"/>
+                      </a:schemeClr>
+                    </a:solidFill>
+                  </a:tcPr>
+                </a:tc>
+                <a:tc>
+                  <a:txBody>
+                    <a:bodyPr/>
+                    <a:lstStyle/>
+                    <a:p>
+                      <a:pPr latinLnBrk="1"/>
+                      <a:r>
+                        <a:rPr lang="ko-KR" altLang="en-US" sz="1400" dirty="0">
+                          <a:latin typeface="메이플스토리" panose="02000300000000000000" pitchFamily="2" charset="-127"/>
+                          <a:ea typeface="메이플스토리" panose="02000300000000000000" pitchFamily="2" charset="-127"/>
+                        </a:rPr>
+                        <a:t>몬스터</a:t>
+                      </a:r>
+                      <a:r>
+                        <a:rPr lang="en-US" altLang="ko-KR" sz="1400" dirty="0">
+                          <a:latin typeface="메이플스토리" panose="02000300000000000000" pitchFamily="2" charset="-127"/>
+                          <a:ea typeface="메이플스토리" panose="02000300000000000000" pitchFamily="2" charset="-127"/>
+                        </a:rPr>
+                        <a:t>(</a:t>
+                      </a:r>
+                      <a:r>
+                        <a:rPr lang="ko-KR" altLang="en-US" sz="1400" dirty="0">
+                          <a:latin typeface="메이플스토리" panose="02000300000000000000" pitchFamily="2" charset="-127"/>
+                          <a:ea typeface="메이플스토리" panose="02000300000000000000" pitchFamily="2" charset="-127"/>
+                        </a:rPr>
+                        <a:t>마노</a:t>
+                      </a:r>
+                      <a:r>
+                        <a:rPr lang="en-US" altLang="ko-KR" sz="1400" dirty="0">
+                          <a:latin typeface="메이플스토리" panose="02000300000000000000" pitchFamily="2" charset="-127"/>
+                          <a:ea typeface="메이플스토리" panose="02000300000000000000" pitchFamily="2" charset="-127"/>
+                        </a:rPr>
+                        <a:t>, </a:t>
+                      </a:r>
+                      <a:r>
+                        <a:rPr lang="ko-KR" altLang="en-US" sz="1400" dirty="0" err="1">
+                          <a:latin typeface="메이플스토리" panose="02000300000000000000" pitchFamily="2" charset="-127"/>
+                          <a:ea typeface="메이플스토리" panose="02000300000000000000" pitchFamily="2" charset="-127"/>
+                        </a:rPr>
+                        <a:t>머쉬맘</a:t>
+                      </a:r>
+                      <a:r>
+                        <a:rPr lang="en-US" altLang="ko-KR" sz="1400" dirty="0">
+                          <a:latin typeface="메이플스토리" panose="02000300000000000000" pitchFamily="2" charset="-127"/>
+                          <a:ea typeface="메이플스토리" panose="02000300000000000000" pitchFamily="2" charset="-127"/>
+                        </a:rPr>
+                        <a:t>)</a:t>
+                      </a:r>
+                      <a:r>
+                        <a:rPr lang="ko-KR" altLang="en-US" sz="1400" dirty="0">
+                          <a:latin typeface="메이플스토리" panose="02000300000000000000" pitchFamily="2" charset="-127"/>
+                          <a:ea typeface="메이플스토리" panose="02000300000000000000" pitchFamily="2" charset="-127"/>
+                        </a:rPr>
+                        <a:t>완료</a:t>
+                      </a:r>
+                      <a:r>
+                        <a:rPr lang="en-US" altLang="ko-KR" sz="1400" dirty="0">
+                          <a:latin typeface="메이플스토리" panose="02000300000000000000" pitchFamily="2" charset="-127"/>
+                          <a:ea typeface="메이플스토리" panose="02000300000000000000" pitchFamily="2" charset="-127"/>
+                        </a:rPr>
+                        <a:t>(50%)</a:t>
+                      </a:r>
+                      <a:endParaRPr lang="ko-KR" altLang="en-US" sz="1400" dirty="0">
+                        <a:latin typeface="메이플스토리" panose="02000300000000000000" pitchFamily="2" charset="-127"/>
+                        <a:ea typeface="메이플스토리" panose="02000300000000000000" pitchFamily="2" charset="-127"/>
+                      </a:endParaRPr>
+                    </a:p>
+                  </a:txBody>
+                  <a:tcPr anchor="ctr">
+                    <a:solidFill>
+                      <a:schemeClr val="accent2">
+                        <a:lumMod val="20000"/>
+                        <a:lumOff val="80000"/>
+                      </a:schemeClr>
+                    </a:solidFill>
+                  </a:tcPr>
+                </a:tc>
+                <a:tc>
+                  <a:txBody>
+                    <a:bodyPr/>
+                    <a:lstStyle/>
+                    <a:p>
+                      <a:pPr latinLnBrk="1"/>
+                      <a:r>
+                        <a:rPr lang="ko-KR" altLang="en-US" sz="1400" dirty="0">
+                          <a:latin typeface="메이플스토리" panose="02000300000000000000" pitchFamily="2" charset="-127"/>
+                          <a:ea typeface="메이플스토리" panose="02000300000000000000" pitchFamily="2" charset="-127"/>
+                        </a:rPr>
+                        <a:t>잔여 </a:t>
+                      </a:r>
+                      <a:r>
+                        <a:rPr lang="ko-KR" altLang="en-US" sz="1400" dirty="0" err="1">
+                          <a:latin typeface="메이플스토리" panose="02000300000000000000" pitchFamily="2" charset="-127"/>
+                          <a:ea typeface="메이플스토리" panose="02000300000000000000" pitchFamily="2" charset="-127"/>
+                        </a:rPr>
+                        <a:t>보스몬스터</a:t>
+                      </a:r>
+                      <a:r>
+                        <a:rPr lang="en-US" altLang="ko-KR" sz="1400" dirty="0">
+                          <a:latin typeface="메이플스토리" panose="02000300000000000000" pitchFamily="2" charset="-127"/>
+                          <a:ea typeface="메이플스토리" panose="02000300000000000000" pitchFamily="2" charset="-127"/>
+                        </a:rPr>
+                        <a:t>, </a:t>
+                      </a:r>
+                      <a:r>
+                        <a:rPr lang="ko-KR" altLang="en-US" sz="1400" dirty="0">
+                          <a:latin typeface="메이플스토리" panose="02000300000000000000" pitchFamily="2" charset="-127"/>
+                          <a:ea typeface="메이플스토리" panose="02000300000000000000" pitchFamily="2" charset="-127"/>
+                        </a:rPr>
+                        <a:t>카드 선택 모드 제작  </a:t>
+                      </a:r>
+                      <a:r>
+                        <a:rPr lang="en-US" altLang="ko-KR" sz="1400" dirty="0">
+                          <a:latin typeface="메이플스토리" panose="02000300000000000000" pitchFamily="2" charset="-127"/>
+                          <a:ea typeface="메이플스토리" panose="02000300000000000000" pitchFamily="2" charset="-127"/>
+                        </a:rPr>
+                        <a:t>- </a:t>
+                      </a:r>
+                      <a:r>
+                        <a:rPr lang="ko-KR" altLang="en-US" sz="1400" dirty="0">
+                          <a:latin typeface="메이플스토리" panose="02000300000000000000" pitchFamily="2" charset="-127"/>
+                          <a:ea typeface="메이플스토리" panose="02000300000000000000" pitchFamily="2" charset="-127"/>
+                        </a:rPr>
+                        <a:t>완</a:t>
+                      </a:r>
+                    </a:p>
+                  </a:txBody>
+                  <a:tcPr anchor="ctr">
+                    <a:solidFill>
+                      <a:schemeClr val="accent2">
+                        <a:lumMod val="20000"/>
+                        <a:lumOff val="80000"/>
+                      </a:schemeClr>
+                    </a:solidFill>
+                  </a:tcPr>
+                </a:tc>
+                <a:extLst>
+                  <a:ext uri="{0D108BD9-81ED-4DB2-BD59-A6C34878D82A}">
+                    <a16:rowId xmlns:a16="http://schemas.microsoft.com/office/drawing/2014/main" val="2078728303"/>
+                  </a:ext>
+                </a:extLst>
+              </a:tr>
+              <a:tr h="570194">
+                <a:tc>
+                  <a:txBody>
+                    <a:bodyPr/>
+                    <a:lstStyle/>
+                    <a:p>
+                      <a:pPr latinLnBrk="1"/>
+                      <a:r>
+                        <a:rPr lang="ko-KR" altLang="en-US" sz="1400" dirty="0">
+                          <a:latin typeface="메이플스토리" panose="02000300000000000000" pitchFamily="2" charset="-127"/>
+                          <a:ea typeface="메이플스토리" panose="02000300000000000000" pitchFamily="2" charset="-127"/>
+                        </a:rPr>
+                        <a:t>보스 몬스터 구현 및 배치</a:t>
+                      </a:r>
+                    </a:p>
+                  </a:txBody>
+                  <a:tcPr anchor="ctr">
+                    <a:solidFill>
+                      <a:srgbClr val="F4B183"/>
+                    </a:solidFill>
+                  </a:tcPr>
+                </a:tc>
+                <a:tc>
+                  <a:txBody>
+                    <a:bodyPr/>
+                    <a:lstStyle/>
+                    <a:p>
+                      <a:pPr latinLnBrk="1"/>
+                      <a:r>
+                        <a:rPr lang="en-US" altLang="ko-KR" sz="1400" dirty="0">
+                          <a:latin typeface="메이플스토리" panose="02000300000000000000" pitchFamily="2" charset="-127"/>
+                          <a:ea typeface="메이플스토리" panose="02000300000000000000" pitchFamily="2" charset="-127"/>
+                        </a:rPr>
+                        <a:t>X</a:t>
+                      </a:r>
+                      <a:endParaRPr lang="ko-KR" altLang="en-US" sz="1400" dirty="0">
+                        <a:latin typeface="메이플스토리" panose="02000300000000000000" pitchFamily="2" charset="-127"/>
+                        <a:ea typeface="메이플스토리" panose="02000300000000000000" pitchFamily="2" charset="-127"/>
+                      </a:endParaRPr>
+                    </a:p>
+                  </a:txBody>
+                  <a:tcPr anchor="ctr">
+                    <a:solidFill>
+                      <a:srgbClr val="F4B183"/>
+                    </a:solidFill>
+                  </a:tcPr>
+                </a:tc>
+                <a:tc>
+                  <a:txBody>
+                    <a:bodyPr/>
+                    <a:lstStyle/>
+                    <a:p>
+                      <a:pPr latinLnBrk="1"/>
+                      <a:r>
+                        <a:rPr lang="en-US" altLang="ko-KR" sz="1400" dirty="0">
+                          <a:latin typeface="메이플스토리" panose="02000300000000000000" pitchFamily="2" charset="-127"/>
+                          <a:ea typeface="메이플스토리" panose="02000300000000000000" pitchFamily="2" charset="-127"/>
+                        </a:rPr>
+                        <a:t>UI</a:t>
+                      </a:r>
+                      <a:r>
+                        <a:rPr lang="ko-KR" altLang="en-US" sz="1400" dirty="0">
+                          <a:latin typeface="메이플스토리" panose="02000300000000000000" pitchFamily="2" charset="-127"/>
+                          <a:ea typeface="메이플스토리" panose="02000300000000000000" pitchFamily="2" charset="-127"/>
+                        </a:rPr>
+                        <a:t>작업 </a:t>
+                      </a:r>
+                      <a:r>
+                        <a:rPr lang="en-US" altLang="ko-KR" sz="1400" dirty="0">
+                          <a:latin typeface="메이플스토리" panose="02000300000000000000" pitchFamily="2" charset="-127"/>
+                          <a:ea typeface="메이플스토리" panose="02000300000000000000" pitchFamily="2" charset="-127"/>
+                        </a:rPr>
+                        <a:t>– </a:t>
+                      </a:r>
+                      <a:r>
+                        <a:rPr lang="ko-KR" altLang="en-US" sz="1400" dirty="0">
+                          <a:latin typeface="메이플스토리" panose="02000300000000000000" pitchFamily="2" charset="-127"/>
+                          <a:ea typeface="메이플스토리" panose="02000300000000000000" pitchFamily="2" charset="-127"/>
+                        </a:rPr>
+                        <a:t>완</a:t>
+                      </a:r>
+                    </a:p>
+                  </a:txBody>
+                  <a:tcPr anchor="ctr">
+                    <a:solidFill>
+                      <a:srgbClr val="F4B183"/>
+                    </a:solidFill>
+                  </a:tcPr>
+                </a:tc>
+                <a:extLst>
+                  <a:ext uri="{0D108BD9-81ED-4DB2-BD59-A6C34878D82A}">
+                    <a16:rowId xmlns:a16="http://schemas.microsoft.com/office/drawing/2014/main" val="1512973277"/>
+                  </a:ext>
+                </a:extLst>
+              </a:tr>
+              <a:tr h="570194">
+                <a:tc>
+                  <a:txBody>
+                    <a:bodyPr/>
+                    <a:lstStyle/>
+                    <a:p>
+                      <a:pPr latinLnBrk="1"/>
+                      <a:r>
+                        <a:rPr lang="ko-KR" altLang="en-US" sz="1400" dirty="0">
+                          <a:latin typeface="메이플스토리" panose="02000300000000000000" pitchFamily="2" charset="-127"/>
+                          <a:ea typeface="메이플스토리" panose="02000300000000000000" pitchFamily="2" charset="-127"/>
+                        </a:rPr>
+                        <a:t>추가작업</a:t>
+                      </a:r>
+                    </a:p>
+                  </a:txBody>
+                  <a:tcPr anchor="ctr">
+                    <a:solidFill>
+                      <a:schemeClr val="accent2">
+                        <a:lumMod val="20000"/>
+                        <a:lumOff val="80000"/>
+                      </a:schemeClr>
+                    </a:solidFill>
+                  </a:tcPr>
+                </a:tc>
+                <a:tc>
+                  <a:txBody>
+                    <a:bodyPr/>
+                    <a:lstStyle/>
+                    <a:p>
+                      <a:pPr latinLnBrk="1"/>
+                      <a:r>
+                        <a:rPr lang="en-US" altLang="ko-KR" sz="1400" dirty="0">
+                          <a:latin typeface="메이플스토리" panose="02000300000000000000" pitchFamily="2" charset="-127"/>
+                          <a:ea typeface="메이플스토리" panose="02000300000000000000" pitchFamily="2" charset="-127"/>
+                        </a:rPr>
+                        <a:t>X</a:t>
+                      </a:r>
+                      <a:endParaRPr lang="ko-KR" altLang="en-US" sz="1400" dirty="0">
+                        <a:latin typeface="메이플스토리" panose="02000300000000000000" pitchFamily="2" charset="-127"/>
+                        <a:ea typeface="메이플스토리" panose="02000300000000000000" pitchFamily="2" charset="-127"/>
+                      </a:endParaRPr>
+                    </a:p>
+                  </a:txBody>
+                  <a:tcPr anchor="ctr">
+                    <a:solidFill>
+                      <a:schemeClr val="accent2">
+                        <a:lumMod val="20000"/>
+                        <a:lumOff val="80000"/>
+                      </a:schemeClr>
+                    </a:solidFill>
+                  </a:tcPr>
+                </a:tc>
+                <a:tc>
+                  <a:txBody>
+                    <a:bodyPr/>
+                    <a:lstStyle/>
+                    <a:p>
+                      <a:pPr latinLnBrk="1"/>
+                      <a:r>
+                        <a:rPr lang="ko-KR" altLang="en-US" sz="1400" dirty="0">
+                          <a:latin typeface="메이플스토리" panose="02000300000000000000" pitchFamily="2" charset="-127"/>
+                          <a:ea typeface="메이플스토리" panose="02000300000000000000" pitchFamily="2" charset="-127"/>
+                        </a:rPr>
+                        <a:t>변경사항 없음 </a:t>
+                      </a:r>
+                      <a:r>
+                        <a:rPr lang="en-US" altLang="ko-KR" sz="1400" dirty="0">
+                          <a:latin typeface="메이플스토리" panose="02000300000000000000" pitchFamily="2" charset="-127"/>
+                          <a:ea typeface="메이플스토리" panose="02000300000000000000" pitchFamily="2" charset="-127"/>
+                        </a:rPr>
+                        <a:t>- </a:t>
+                      </a:r>
+                      <a:r>
+                        <a:rPr lang="ko-KR" altLang="en-US" sz="1400" dirty="0">
+                          <a:latin typeface="메이플스토리" panose="02000300000000000000" pitchFamily="2" charset="-127"/>
+                          <a:ea typeface="메이플스토리" panose="02000300000000000000" pitchFamily="2" charset="-127"/>
+                        </a:rPr>
+                        <a:t>완</a:t>
+                      </a:r>
+                    </a:p>
+                  </a:txBody>
+                  <a:tcPr anchor="ctr">
+                    <a:solidFill>
+                      <a:schemeClr val="accent2">
+                        <a:lumMod val="20000"/>
+                        <a:lumOff val="80000"/>
+                      </a:schemeClr>
+                    </a:solidFill>
+                  </a:tcPr>
+                </a:tc>
+                <a:extLst>
+                  <a:ext uri="{0D108BD9-81ED-4DB2-BD59-A6C34878D82A}">
+                    <a16:rowId xmlns:a16="http://schemas.microsoft.com/office/drawing/2014/main" val="171216384"/>
+                  </a:ext>
+                </a:extLst>
+              </a:tr>
+            </a:tbl>
+          </a:graphicData>
+        </a:graphic>
+      </p:graphicFrame>
+    </p:spTree>
+    <p:extLst>
+      <p:ext uri="{BB962C8B-B14F-4D97-AF65-F5344CB8AC3E}">
+        <p14:creationId xmlns:p14="http://schemas.microsoft.com/office/powerpoint/2010/main" val="624188962"/>
+      </p:ext>
+    </p:extLst>
+  </p:cSld>
+  <p:clrMapOvr>
+    <a:masterClrMapping/>
+  </p:clrMapOvr>
+</p:sld>
+</file>
+
+<file path=ppt/slides/slide11.xml><?xml version="1.0" encoding="utf-8"?>
+<p:sld xmlns:a="http://schemas.openxmlformats.org/drawingml/2006/main" xmlns:r="http://schemas.openxmlformats.org/officeDocument/2006/relationships" xmlns:p="http://schemas.openxmlformats.org/presentationml/2006/main">
+  <p:cSld>
+    <p:spTree>
+      <p:nvGrpSpPr>
+        <p:cNvPr id="1" name="">
+          <a:extLst>
+            <a:ext uri="{FF2B5EF4-FFF2-40B4-BE49-F238E27FC236}">
+              <a16:creationId xmlns:a16="http://schemas.microsoft.com/office/drawing/2014/main" id="{1032FD94-D5FB-FDF0-0065-5869ABF64709}"/>
+            </a:ext>
+          </a:extLst>
+        </p:cNvPr>
+        <p:cNvGrpSpPr/>
+        <p:nvPr/>
+      </p:nvGrpSpPr>
+      <p:grpSpPr>
+        <a:xfrm>
+          <a:off x="0" y="0"/>
+          <a:ext cx="0" cy="0"/>
+          <a:chOff x="0" y="0"/>
+          <a:chExt cx="0" cy="0"/>
+        </a:xfrm>
+      </p:grpSpPr>
+      <p:sp>
+        <p:nvSpPr>
+          <p:cNvPr id="2" name="제목 1">
+            <a:extLst>
+              <a:ext uri="{FF2B5EF4-FFF2-40B4-BE49-F238E27FC236}">
+                <a16:creationId xmlns:a16="http://schemas.microsoft.com/office/drawing/2014/main" id="{1A5E1B4D-46D4-6457-7674-60B1A84557A2}"/>
+              </a:ext>
+            </a:extLst>
+          </p:cNvPr>
+          <p:cNvSpPr>
+            <a:spLocks noGrp="1"/>
+          </p:cNvSpPr>
+          <p:nvPr>
+            <p:ph type="title"/>
+          </p:nvPr>
+        </p:nvSpPr>
+        <p:spPr/>
+        <p:txBody>
+          <a:bodyPr/>
+          <a:lstStyle/>
+          <a:p>
+            <a:r>
+              <a:rPr lang="ko-KR" altLang="en-US" dirty="0">
+                <a:latin typeface="메이플스토리" panose="02000300000000000000" pitchFamily="2" charset="-127"/>
+                <a:ea typeface="메이플스토리" panose="02000300000000000000" pitchFamily="2" charset="-127"/>
+              </a:rPr>
+              <a:t>개발 일정</a:t>
+            </a:r>
+            <a:r>
+              <a:rPr lang="en-US" altLang="ko-KR" dirty="0">
+                <a:latin typeface="메이플스토리" panose="02000300000000000000" pitchFamily="2" charset="-127"/>
+                <a:ea typeface="메이플스토리" panose="02000300000000000000" pitchFamily="2" charset="-127"/>
+              </a:rPr>
+              <a:t>(</a:t>
+            </a:r>
+            <a:r>
+              <a:rPr lang="ko-KR" altLang="en-US" dirty="0">
+                <a:latin typeface="메이플스토리" panose="02000300000000000000" pitchFamily="2" charset="-127"/>
+                <a:ea typeface="메이플스토리" panose="02000300000000000000" pitchFamily="2" charset="-127"/>
+              </a:rPr>
+              <a:t>평균 </a:t>
+            </a:r>
+            <a:r>
+              <a:rPr lang="en-US" altLang="ko-KR" dirty="0">
+                <a:latin typeface="메이플스토리" panose="02000300000000000000" pitchFamily="2" charset="-127"/>
+                <a:ea typeface="메이플스토리" panose="02000300000000000000" pitchFamily="2" charset="-127"/>
+              </a:rPr>
+              <a:t>74.45% </a:t>
+            </a:r>
+            <a:r>
+              <a:rPr lang="ko-KR" altLang="en-US" dirty="0">
+                <a:latin typeface="메이플스토리" panose="02000300000000000000" pitchFamily="2" charset="-127"/>
+                <a:ea typeface="메이플스토리" panose="02000300000000000000" pitchFamily="2" charset="-127"/>
+              </a:rPr>
+              <a:t>완료</a:t>
+            </a:r>
+            <a:r>
+              <a:rPr lang="en-US" altLang="ko-KR" dirty="0">
+                <a:latin typeface="메이플스토리" panose="02000300000000000000" pitchFamily="2" charset="-127"/>
+                <a:ea typeface="메이플스토리" panose="02000300000000000000" pitchFamily="2" charset="-127"/>
+              </a:rPr>
+              <a:t>)</a:t>
+            </a:r>
+            <a:endParaRPr lang="ko-KR" altLang="en-US" dirty="0">
+              <a:latin typeface="메이플스토리" panose="02000300000000000000" pitchFamily="2" charset="-127"/>
+              <a:ea typeface="메이플스토리" panose="02000300000000000000" pitchFamily="2" charset="-127"/>
+            </a:endParaRPr>
+          </a:p>
+        </p:txBody>
+      </p:sp>
+      <p:graphicFrame>
+        <p:nvGraphicFramePr>
+          <p:cNvPr id="7" name="내용 개체 틀 6">
+            <a:extLst>
+              <a:ext uri="{FF2B5EF4-FFF2-40B4-BE49-F238E27FC236}">
+                <a16:creationId xmlns:a16="http://schemas.microsoft.com/office/drawing/2014/main" id="{5BEAC4E5-9EC5-F543-B1F7-F6ACFF1C70C2}"/>
+              </a:ext>
+            </a:extLst>
+          </p:cNvPr>
+          <p:cNvGraphicFramePr>
+            <a:graphicFrameLocks noGrp="1"/>
+          </p:cNvGraphicFramePr>
+          <p:nvPr>
+            <p:ph sz="half" idx="1"/>
+          </p:nvPr>
+        </p:nvGraphicFramePr>
+        <p:xfrm>
+          <a:off x="772885" y="1384088"/>
+          <a:ext cx="10350138" cy="4997115"/>
+        </p:xfrm>
+        <a:graphic>
+          <a:graphicData uri="http://schemas.openxmlformats.org/drawingml/2006/table">
+            <a:tbl>
+              <a:tblPr firstRow="1" bandRow="1">
+                <a:tableStyleId>{5C22544A-7EE6-4342-B048-85BDC9FD1C3A}</a:tableStyleId>
+              </a:tblPr>
+              <a:tblGrid>
+                <a:gridCol w="1861285">
+                  <a:extLst>
+                    <a:ext uri="{9D8B030D-6E8A-4147-A177-3AD203B41FA5}">
+                      <a16:colId xmlns:a16="http://schemas.microsoft.com/office/drawing/2014/main" val="590733986"/>
+                    </a:ext>
+                  </a:extLst>
+                </a:gridCol>
+                <a:gridCol w="2493001">
+                  <a:extLst>
+                    <a:ext uri="{9D8B030D-6E8A-4147-A177-3AD203B41FA5}">
+                      <a16:colId xmlns:a16="http://schemas.microsoft.com/office/drawing/2014/main" val="989238523"/>
+                    </a:ext>
+                  </a:extLst>
+                </a:gridCol>
+                <a:gridCol w="5995852">
+                  <a:extLst>
+                    <a:ext uri="{9D8B030D-6E8A-4147-A177-3AD203B41FA5}">
+                      <a16:colId xmlns:a16="http://schemas.microsoft.com/office/drawing/2014/main" val="1093442360"/>
+                    </a:ext>
+                  </a:extLst>
+                </a:gridCol>
+              </a:tblGrid>
+              <a:tr h="435563">
+                <a:tc>
+                  <a:txBody>
+                    <a:bodyPr/>
+                    <a:lstStyle/>
+                    <a:p>
+                      <a:pPr latinLnBrk="1"/>
+                      <a:r>
+                        <a:rPr lang="ko-KR" altLang="en-US" dirty="0">
+                          <a:latin typeface="메이플스토리" panose="02000300000000000000" pitchFamily="2" charset="-127"/>
+                          <a:ea typeface="메이플스토리" panose="02000300000000000000" pitchFamily="2" charset="-127"/>
+                        </a:rPr>
+                        <a:t>기존 목표</a:t>
+                      </a:r>
+                    </a:p>
+                  </a:txBody>
+                  <a:tcPr>
+                    <a:solidFill>
+                      <a:schemeClr val="accent2"/>
+                    </a:solidFill>
+                  </a:tcPr>
+                </a:tc>
+                <a:tc>
+                  <a:txBody>
+                    <a:bodyPr/>
+                    <a:lstStyle/>
+                    <a:p>
+                      <a:pPr latinLnBrk="1"/>
+                      <a:r>
+                        <a:rPr lang="ko-KR" altLang="en-US" dirty="0">
+                          <a:latin typeface="메이플스토리" panose="02000300000000000000" pitchFamily="2" charset="-127"/>
+                          <a:ea typeface="메이플스토리" panose="02000300000000000000" pitchFamily="2" charset="-127"/>
+                        </a:rPr>
+                        <a:t>변경된 내용</a:t>
+                      </a:r>
+                    </a:p>
+                  </a:txBody>
+                  <a:tcPr>
+                    <a:solidFill>
+                      <a:schemeClr val="accent2"/>
+                    </a:solidFill>
+                  </a:tcPr>
+                </a:tc>
+                <a:tc>
+                  <a:txBody>
+                    <a:bodyPr/>
+                    <a:lstStyle/>
+                    <a:p>
+                      <a:pPr latinLnBrk="1"/>
+                      <a:r>
+                        <a:rPr lang="ko-KR" altLang="en-US" dirty="0">
+                          <a:latin typeface="메이플스토리" panose="02000300000000000000" pitchFamily="2" charset="-127"/>
+                          <a:ea typeface="메이플스토리" panose="02000300000000000000" pitchFamily="2" charset="-127"/>
+                        </a:rPr>
+                        <a:t>개발 정도</a:t>
+                      </a:r>
+                    </a:p>
+                  </a:txBody>
+                  <a:tcPr>
+                    <a:solidFill>
+                      <a:schemeClr val="accent2"/>
+                    </a:solidFill>
+                  </a:tcPr>
+                </a:tc>
+                <a:extLst>
+                  <a:ext uri="{0D108BD9-81ED-4DB2-BD59-A6C34878D82A}">
+                    <a16:rowId xmlns:a16="http://schemas.microsoft.com/office/drawing/2014/main" val="3416774457"/>
+                  </a:ext>
+                </a:extLst>
+              </a:tr>
+              <a:tr h="570194">
+                <a:tc>
+                  <a:txBody>
+                    <a:bodyPr/>
+                    <a:lstStyle/>
+                    <a:p>
+                      <a:pPr latinLnBrk="1"/>
+                      <a:r>
+                        <a:rPr lang="ko-KR" altLang="en-US" sz="1400" dirty="0">
+                          <a:latin typeface="메이플스토리" panose="02000300000000000000" pitchFamily="2" charset="-127"/>
+                          <a:ea typeface="메이플스토리" panose="02000300000000000000" pitchFamily="2" charset="-127"/>
+                        </a:rPr>
+                        <a:t>데이터 추출 및 </a:t>
+                      </a:r>
+                      <a:r>
+                        <a:rPr lang="ko-KR" altLang="en-US" sz="1400" dirty="0" err="1">
+                          <a:latin typeface="메이플스토리" panose="02000300000000000000" pitchFamily="2" charset="-127"/>
+                          <a:ea typeface="메이플스토리" panose="02000300000000000000" pitchFamily="2" charset="-127"/>
+                        </a:rPr>
+                        <a:t>스프라이트</a:t>
+                      </a:r>
+                      <a:r>
+                        <a:rPr lang="ko-KR" altLang="en-US" sz="1400" dirty="0">
+                          <a:latin typeface="메이플스토리" panose="02000300000000000000" pitchFamily="2" charset="-127"/>
+                          <a:ea typeface="메이플스토리" panose="02000300000000000000" pitchFamily="2" charset="-127"/>
+                        </a:rPr>
+                        <a:t> 정리</a:t>
+                      </a:r>
+                    </a:p>
+                  </a:txBody>
+                  <a:tcPr anchor="ctr">
+                    <a:solidFill>
+                      <a:schemeClr val="accent2">
+                        <a:lumMod val="60000"/>
+                        <a:lumOff val="40000"/>
+                      </a:schemeClr>
+                    </a:solidFill>
+                  </a:tcPr>
+                </a:tc>
+                <a:tc>
+                  <a:txBody>
+                    <a:bodyPr/>
+                    <a:lstStyle/>
+                    <a:p>
+                      <a:pPr latinLnBrk="1"/>
+                      <a:r>
+                        <a:rPr lang="ko-KR" altLang="en-US" sz="1400" dirty="0">
+                          <a:latin typeface="메이플스토리" panose="02000300000000000000" pitchFamily="2" charset="-127"/>
+                          <a:ea typeface="메이플스토리" panose="02000300000000000000" pitchFamily="2" charset="-127"/>
+                        </a:rPr>
+                        <a:t>변경사항 없음</a:t>
+                      </a:r>
+                      <a:endParaRPr lang="en-US" altLang="ko-KR" sz="1400" dirty="0">
+                        <a:latin typeface="메이플스토리" panose="02000300000000000000" pitchFamily="2" charset="-127"/>
+                        <a:ea typeface="메이플스토리" panose="02000300000000000000" pitchFamily="2" charset="-127"/>
+                      </a:endParaRPr>
+                    </a:p>
+                  </a:txBody>
+                  <a:tcPr anchor="ctr">
+                    <a:solidFill>
+                      <a:schemeClr val="accent2">
+                        <a:lumMod val="60000"/>
+                        <a:lumOff val="40000"/>
+                      </a:schemeClr>
+                    </a:solidFill>
+                  </a:tcPr>
+                </a:tc>
+                <a:tc>
+                  <a:txBody>
+                    <a:bodyPr/>
+                    <a:lstStyle/>
+                    <a:p>
+                      <a:pPr marL="0" marR="0" lvl="0" indent="0" algn="l" defTabSz="914400" rtl="0" eaLnBrk="1" fontAlgn="auto" latinLnBrk="1" hangingPunct="1">
+                        <a:lnSpc>
+                          <a:spcPct val="100000"/>
+                        </a:lnSpc>
+                        <a:spcBef>
+                          <a:spcPts val="0"/>
+                        </a:spcBef>
+                        <a:spcAft>
+                          <a:spcPts val="0"/>
+                        </a:spcAft>
+                        <a:buClrTx/>
+                        <a:buSzTx/>
+                        <a:buFontTx/>
+                        <a:buNone/>
+                        <a:tabLst/>
+                        <a:defRPr/>
+                      </a:pPr>
+                      <a:r>
+                        <a:rPr lang="ko-KR" altLang="en-US" sz="1400" dirty="0">
+                          <a:latin typeface="메이플스토리" panose="02000300000000000000" pitchFamily="2" charset="-127"/>
+                          <a:ea typeface="메이플스토리" panose="02000300000000000000" pitchFamily="2" charset="-127"/>
+                        </a:rPr>
+                        <a:t>완료</a:t>
+                      </a:r>
+                      <a:r>
+                        <a:rPr lang="en-US" altLang="ko-KR" sz="1400" dirty="0">
+                          <a:latin typeface="메이플스토리" panose="02000300000000000000" pitchFamily="2" charset="-127"/>
+                          <a:ea typeface="메이플스토리" panose="02000300000000000000" pitchFamily="2" charset="-127"/>
+                        </a:rPr>
+                        <a:t>(100%)</a:t>
+                      </a:r>
+                      <a:endParaRPr lang="ko-KR" altLang="en-US" sz="1400" dirty="0">
+                        <a:latin typeface="메이플스토리" panose="02000300000000000000" pitchFamily="2" charset="-127"/>
+                        <a:ea typeface="메이플스토리" panose="02000300000000000000" pitchFamily="2" charset="-127"/>
+                      </a:endParaRPr>
+                    </a:p>
+                  </a:txBody>
+                  <a:tcPr anchor="ctr">
+                    <a:solidFill>
+                      <a:schemeClr val="accent2">
+                        <a:lumMod val="60000"/>
+                        <a:lumOff val="40000"/>
+                      </a:schemeClr>
+                    </a:solidFill>
+                  </a:tcPr>
+                </a:tc>
+                <a:extLst>
+                  <a:ext uri="{0D108BD9-81ED-4DB2-BD59-A6C34878D82A}">
+                    <a16:rowId xmlns:a16="http://schemas.microsoft.com/office/drawing/2014/main" val="3531204306"/>
+                  </a:ext>
+                </a:extLst>
+              </a:tr>
+              <a:tr h="570194">
+                <a:tc>
+                  <a:txBody>
+                    <a:bodyPr/>
+                    <a:lstStyle/>
+                    <a:p>
+                      <a:pPr latinLnBrk="1"/>
+                      <a:r>
+                        <a:rPr lang="ko-KR" altLang="en-US" sz="1400" dirty="0">
+                          <a:latin typeface="메이플스토리" panose="02000300000000000000" pitchFamily="2" charset="-127"/>
+                          <a:ea typeface="메이플스토리" panose="02000300000000000000" pitchFamily="2" charset="-127"/>
+                        </a:rPr>
+                        <a:t>플레이어 캐릭터 및 기본 </a:t>
+                      </a:r>
+                      <a:r>
+                        <a:rPr lang="en-US" altLang="ko-KR" sz="1400" dirty="0" err="1">
+                          <a:latin typeface="메이플스토리" panose="02000300000000000000" pitchFamily="2" charset="-127"/>
+                          <a:ea typeface="메이플스토리" panose="02000300000000000000" pitchFamily="2" charset="-127"/>
+                        </a:rPr>
+                        <a:t>ui</a:t>
+                      </a:r>
+                      <a:r>
+                        <a:rPr lang="ko-KR" altLang="en-US" sz="1400" dirty="0">
+                          <a:latin typeface="메이플스토리" panose="02000300000000000000" pitchFamily="2" charset="-127"/>
+                          <a:ea typeface="메이플스토리" panose="02000300000000000000" pitchFamily="2" charset="-127"/>
+                        </a:rPr>
+                        <a:t>구현</a:t>
+                      </a:r>
+                    </a:p>
+                  </a:txBody>
+                  <a:tcPr anchor="ctr">
+                    <a:solidFill>
+                      <a:schemeClr val="accent2">
+                        <a:lumMod val="20000"/>
+                        <a:lumOff val="80000"/>
+                      </a:schemeClr>
+                    </a:solidFill>
+                  </a:tcPr>
+                </a:tc>
+                <a:tc>
+                  <a:txBody>
+                    <a:bodyPr/>
+                    <a:lstStyle/>
+                    <a:p>
+                      <a:pPr latinLnBrk="1"/>
+                      <a:r>
+                        <a:rPr lang="en-US" altLang="ko-KR" sz="1400" dirty="0">
+                          <a:latin typeface="메이플스토리" panose="02000300000000000000" pitchFamily="2" charset="-127"/>
+                          <a:ea typeface="메이플스토리" panose="02000300000000000000" pitchFamily="2" charset="-127"/>
+                        </a:rPr>
+                        <a:t>Ui</a:t>
+                      </a:r>
+                      <a:r>
+                        <a:rPr lang="ko-KR" altLang="en-US" sz="1400" dirty="0">
+                          <a:latin typeface="메이플스토리" panose="02000300000000000000" pitchFamily="2" charset="-127"/>
+                          <a:ea typeface="메이플스토리" panose="02000300000000000000" pitchFamily="2" charset="-127"/>
+                        </a:rPr>
+                        <a:t>작업 순서 변경</a:t>
+                      </a:r>
+                      <a:endParaRPr lang="en-US" altLang="ko-KR" sz="1400" dirty="0">
+                        <a:latin typeface="메이플스토리" panose="02000300000000000000" pitchFamily="2" charset="-127"/>
+                        <a:ea typeface="메이플스토리" panose="02000300000000000000" pitchFamily="2" charset="-127"/>
+                      </a:endParaRPr>
+                    </a:p>
+                  </a:txBody>
+                  <a:tcPr anchor="ctr">
+                    <a:solidFill>
+                      <a:schemeClr val="accent2">
+                        <a:lumMod val="20000"/>
+                        <a:lumOff val="80000"/>
+                      </a:schemeClr>
+                    </a:solidFill>
+                  </a:tcPr>
+                </a:tc>
+                <a:tc>
+                  <a:txBody>
+                    <a:bodyPr/>
+                    <a:lstStyle/>
+                    <a:p>
+                      <a:pPr marL="0" marR="0" lvl="0" indent="0" algn="l" defTabSz="914400" rtl="0" eaLnBrk="1" fontAlgn="auto" latinLnBrk="1" hangingPunct="1">
+                        <a:lnSpc>
+                          <a:spcPct val="100000"/>
+                        </a:lnSpc>
+                        <a:spcBef>
+                          <a:spcPts val="0"/>
+                        </a:spcBef>
+                        <a:spcAft>
+                          <a:spcPts val="0"/>
+                        </a:spcAft>
+                        <a:buClrTx/>
+                        <a:buSzTx/>
+                        <a:buFontTx/>
+                        <a:buNone/>
+                        <a:tabLst/>
+                        <a:defRPr/>
+                      </a:pPr>
+                      <a:r>
+                        <a:rPr lang="ko-KR" altLang="en-US" sz="1400" dirty="0">
+                          <a:latin typeface="메이플스토리" panose="02000300000000000000" pitchFamily="2" charset="-127"/>
+                          <a:ea typeface="메이플스토리" panose="02000300000000000000" pitchFamily="2" charset="-127"/>
+                        </a:rPr>
+                        <a:t>플레이어 구현완료</a:t>
+                      </a:r>
+                      <a:r>
+                        <a:rPr lang="en-US" altLang="ko-KR" sz="1400" dirty="0">
+                          <a:latin typeface="메이플스토리" panose="02000300000000000000" pitchFamily="2" charset="-127"/>
+                          <a:ea typeface="메이플스토리" panose="02000300000000000000" pitchFamily="2" charset="-127"/>
+                        </a:rPr>
+                        <a:t>, </a:t>
+                      </a:r>
+                      <a:r>
+                        <a:rPr lang="ko-KR" altLang="en-US" sz="1400" dirty="0">
+                          <a:latin typeface="메이플스토리" panose="02000300000000000000" pitchFamily="2" charset="-127"/>
+                          <a:ea typeface="메이플스토리" panose="02000300000000000000" pitchFamily="2" charset="-127"/>
+                        </a:rPr>
+                        <a:t>강화에 따른 스킬 강화는 구현</a:t>
+                      </a:r>
+                      <a:r>
+                        <a:rPr lang="en-US" altLang="ko-KR" sz="1400" dirty="0">
+                          <a:latin typeface="메이플스토리" panose="02000300000000000000" pitchFamily="2" charset="-127"/>
+                          <a:ea typeface="메이플스토리" panose="02000300000000000000" pitchFamily="2" charset="-127"/>
+                        </a:rPr>
+                        <a:t>X(80%)</a:t>
+                      </a:r>
+                      <a:endParaRPr lang="ko-KR" altLang="en-US" sz="1400" dirty="0">
+                        <a:latin typeface="메이플스토리" panose="02000300000000000000" pitchFamily="2" charset="-127"/>
+                        <a:ea typeface="메이플스토리" panose="02000300000000000000" pitchFamily="2" charset="-127"/>
+                      </a:endParaRPr>
+                    </a:p>
+                  </a:txBody>
+                  <a:tcPr anchor="ctr">
+                    <a:solidFill>
+                      <a:schemeClr val="accent2">
+                        <a:lumMod val="20000"/>
+                        <a:lumOff val="80000"/>
+                      </a:schemeClr>
+                    </a:solidFill>
+                  </a:tcPr>
+                </a:tc>
+                <a:extLst>
+                  <a:ext uri="{0D108BD9-81ED-4DB2-BD59-A6C34878D82A}">
+                    <a16:rowId xmlns:a16="http://schemas.microsoft.com/office/drawing/2014/main" val="959577071"/>
+                  </a:ext>
+                </a:extLst>
+              </a:tr>
+              <a:tr h="570194">
+                <a:tc>
+                  <a:txBody>
+                    <a:bodyPr/>
+                    <a:lstStyle/>
+                    <a:p>
+                      <a:pPr latinLnBrk="1"/>
+                      <a:r>
+                        <a:rPr lang="ko-KR" altLang="en-US" sz="1400" dirty="0" err="1">
+                          <a:latin typeface="메이플스토리" panose="02000300000000000000" pitchFamily="2" charset="-127"/>
+                          <a:ea typeface="메이플스토리" panose="02000300000000000000" pitchFamily="2" charset="-127"/>
+                        </a:rPr>
+                        <a:t>전투페이즈</a:t>
+                      </a:r>
+                      <a:r>
+                        <a:rPr lang="ko-KR" altLang="en-US" sz="1400" dirty="0">
+                          <a:latin typeface="메이플스토리" panose="02000300000000000000" pitchFamily="2" charset="-127"/>
+                          <a:ea typeface="메이플스토리" panose="02000300000000000000" pitchFamily="2" charset="-127"/>
+                        </a:rPr>
+                        <a:t> 몬스터 구현</a:t>
+                      </a:r>
+                    </a:p>
+                  </a:txBody>
+                  <a:tcPr anchor="ctr">
+                    <a:solidFill>
+                      <a:schemeClr val="accent2">
+                        <a:lumMod val="60000"/>
+                        <a:lumOff val="40000"/>
+                      </a:schemeClr>
+                    </a:solidFill>
+                  </a:tcPr>
+                </a:tc>
+                <a:tc rowSpan="3">
+                  <a:txBody>
+                    <a:bodyPr/>
+                    <a:lstStyle/>
+                    <a:p>
+                      <a:pPr latinLnBrk="1"/>
+                      <a:r>
+                        <a:rPr lang="ko-KR" altLang="en-US" sz="1400" dirty="0" err="1">
+                          <a:latin typeface="메이플스토리" panose="02000300000000000000" pitchFamily="2" charset="-127"/>
+                          <a:ea typeface="메이플스토리" panose="02000300000000000000" pitchFamily="2" charset="-127"/>
+                        </a:rPr>
+                        <a:t>일반몬스터</a:t>
+                      </a:r>
+                      <a:r>
+                        <a:rPr lang="ko-KR" altLang="en-US" sz="1400" dirty="0">
+                          <a:latin typeface="메이플스토리" panose="02000300000000000000" pitchFamily="2" charset="-127"/>
+                          <a:ea typeface="메이플스토리" panose="02000300000000000000" pitchFamily="2" charset="-127"/>
+                        </a:rPr>
+                        <a:t> </a:t>
+                      </a:r>
+                      <a:r>
+                        <a:rPr lang="en-US" altLang="ko-KR" sz="1400" dirty="0">
+                          <a:latin typeface="메이플스토리" panose="02000300000000000000" pitchFamily="2" charset="-127"/>
+                          <a:ea typeface="메이플스토리" panose="02000300000000000000" pitchFamily="2" charset="-127"/>
+                        </a:rPr>
+                        <a:t>– </a:t>
+                      </a:r>
+                      <a:r>
+                        <a:rPr lang="ko-KR" altLang="en-US" sz="1400" dirty="0" err="1">
+                          <a:latin typeface="메이플스토리" panose="02000300000000000000" pitchFamily="2" charset="-127"/>
+                          <a:ea typeface="메이플스토리" panose="02000300000000000000" pitchFamily="2" charset="-127"/>
+                        </a:rPr>
+                        <a:t>보스몬스터</a:t>
+                      </a:r>
+                      <a:r>
+                        <a:rPr lang="ko-KR" altLang="en-US" sz="1400" dirty="0">
+                          <a:latin typeface="메이플스토리" panose="02000300000000000000" pitchFamily="2" charset="-127"/>
+                          <a:ea typeface="메이플스토리" panose="02000300000000000000" pitchFamily="2" charset="-127"/>
+                        </a:rPr>
+                        <a:t> 통합 </a:t>
+                      </a:r>
+                      <a:endParaRPr lang="en-US" altLang="ko-KR" sz="1400" dirty="0">
+                        <a:latin typeface="메이플스토리" panose="02000300000000000000" pitchFamily="2" charset="-127"/>
+                        <a:ea typeface="메이플스토리" panose="02000300000000000000" pitchFamily="2" charset="-127"/>
+                      </a:endParaRPr>
+                    </a:p>
+                    <a:p>
+                      <a:pPr latinLnBrk="1"/>
+                      <a:endParaRPr lang="en-US" altLang="ko-KR" sz="1400" dirty="0">
+                        <a:latin typeface="메이플스토리" panose="02000300000000000000" pitchFamily="2" charset="-127"/>
+                        <a:ea typeface="메이플스토리" panose="02000300000000000000" pitchFamily="2" charset="-127"/>
+                      </a:endParaRPr>
+                    </a:p>
+                    <a:p>
+                      <a:pPr latinLnBrk="1"/>
+                      <a:r>
+                        <a:rPr lang="ko-KR" altLang="en-US" sz="1400" dirty="0">
+                          <a:latin typeface="메이플스토리" panose="02000300000000000000" pitchFamily="2" charset="-127"/>
+                          <a:ea typeface="메이플스토리" panose="02000300000000000000" pitchFamily="2" charset="-127"/>
+                        </a:rPr>
+                        <a:t>상점이 아닌 카드 선택으로 변경</a:t>
+                      </a:r>
+                      <a:endParaRPr lang="en-US" altLang="ko-KR" sz="1400" dirty="0">
+                        <a:latin typeface="메이플스토리" panose="02000300000000000000" pitchFamily="2" charset="-127"/>
+                        <a:ea typeface="메이플스토리" panose="02000300000000000000" pitchFamily="2" charset="-127"/>
+                      </a:endParaRPr>
+                    </a:p>
+                  </a:txBody>
+                  <a:tcPr anchor="ctr">
+                    <a:solidFill>
+                      <a:schemeClr val="accent2">
+                        <a:lumMod val="60000"/>
+                        <a:lumOff val="40000"/>
+                      </a:schemeClr>
+                    </a:solidFill>
+                  </a:tcPr>
+                </a:tc>
+                <a:tc rowSpan="3">
+                  <a:txBody>
+                    <a:bodyPr/>
+                    <a:lstStyle/>
+                    <a:p>
+                      <a:pPr latinLnBrk="1"/>
+                      <a:r>
+                        <a:rPr lang="ko-KR" altLang="en-US" sz="1400" dirty="0">
+                          <a:latin typeface="메이플스토리" panose="02000300000000000000" pitchFamily="2" charset="-127"/>
+                          <a:ea typeface="메이플스토리" panose="02000300000000000000" pitchFamily="2" charset="-127"/>
+                        </a:rPr>
+                        <a:t>기존 일반</a:t>
+                      </a:r>
+                      <a:r>
+                        <a:rPr lang="en-US" altLang="ko-KR" sz="1400" dirty="0">
+                          <a:latin typeface="메이플스토리" panose="02000300000000000000" pitchFamily="2" charset="-127"/>
+                          <a:ea typeface="메이플스토리" panose="02000300000000000000" pitchFamily="2" charset="-127"/>
+                        </a:rPr>
+                        <a:t>-</a:t>
+                      </a:r>
+                      <a:r>
+                        <a:rPr lang="ko-KR" altLang="en-US" sz="1400" dirty="0" err="1">
+                          <a:latin typeface="메이플스토리" panose="02000300000000000000" pitchFamily="2" charset="-127"/>
+                          <a:ea typeface="메이플스토리" panose="02000300000000000000" pitchFamily="2" charset="-127"/>
+                        </a:rPr>
+                        <a:t>보스몬스터</a:t>
+                      </a:r>
+                      <a:r>
+                        <a:rPr lang="ko-KR" altLang="en-US" sz="1400" dirty="0">
+                          <a:latin typeface="메이플스토리" panose="02000300000000000000" pitchFamily="2" charset="-127"/>
+                          <a:ea typeface="메이플스토리" panose="02000300000000000000" pitchFamily="2" charset="-127"/>
+                        </a:rPr>
+                        <a:t> </a:t>
+                      </a:r>
+                      <a:r>
+                        <a:rPr lang="en-US" altLang="ko-KR" sz="1400" dirty="0">
+                          <a:latin typeface="메이플스토리" panose="02000300000000000000" pitchFamily="2" charset="-127"/>
+                          <a:ea typeface="메이플스토리" panose="02000300000000000000" pitchFamily="2" charset="-127"/>
+                        </a:rPr>
+                        <a:t>(6</a:t>
+                      </a:r>
+                      <a:r>
+                        <a:rPr lang="ko-KR" altLang="en-US" sz="1400" dirty="0">
+                          <a:latin typeface="메이플스토리" panose="02000300000000000000" pitchFamily="2" charset="-127"/>
+                          <a:ea typeface="메이플스토리" panose="02000300000000000000" pitchFamily="2" charset="-127"/>
+                        </a:rPr>
+                        <a:t>마리</a:t>
+                      </a:r>
+                      <a:r>
+                        <a:rPr lang="en-US" altLang="ko-KR" sz="1400" dirty="0">
+                          <a:latin typeface="메이플스토리" panose="02000300000000000000" pitchFamily="2" charset="-127"/>
+                          <a:ea typeface="메이플스토리" panose="02000300000000000000" pitchFamily="2" charset="-127"/>
+                        </a:rPr>
+                        <a:t>)</a:t>
+                      </a:r>
+                      <a:r>
+                        <a:rPr lang="ko-KR" altLang="en-US" sz="1400" dirty="0">
+                          <a:latin typeface="메이플스토리" panose="02000300000000000000" pitchFamily="2" charset="-127"/>
+                          <a:ea typeface="메이플스토리" panose="02000300000000000000" pitchFamily="2" charset="-127"/>
+                        </a:rPr>
+                        <a:t>에서 </a:t>
+                      </a:r>
+                      <a:r>
+                        <a:rPr lang="ko-KR" altLang="en-US" sz="1400" dirty="0" err="1">
+                          <a:latin typeface="메이플스토리" panose="02000300000000000000" pitchFamily="2" charset="-127"/>
+                          <a:ea typeface="메이플스토리" panose="02000300000000000000" pitchFamily="2" charset="-127"/>
+                        </a:rPr>
+                        <a:t>보스몬스터</a:t>
+                      </a:r>
+                      <a:r>
+                        <a:rPr lang="en-US" altLang="ko-KR" sz="1400" dirty="0">
+                          <a:latin typeface="메이플스토리" panose="02000300000000000000" pitchFamily="2" charset="-127"/>
+                          <a:ea typeface="메이플스토리" panose="02000300000000000000" pitchFamily="2" charset="-127"/>
+                        </a:rPr>
+                        <a:t>(4)</a:t>
+                      </a:r>
+                      <a:r>
+                        <a:rPr lang="ko-KR" altLang="en-US" sz="1400" dirty="0">
+                          <a:latin typeface="메이플스토리" panose="02000300000000000000" pitchFamily="2" charset="-127"/>
+                          <a:ea typeface="메이플스토리" panose="02000300000000000000" pitchFamily="2" charset="-127"/>
+                        </a:rPr>
+                        <a:t>마리로 감소</a:t>
+                      </a:r>
+                      <a:endParaRPr lang="en-US" altLang="ko-KR" sz="1400" dirty="0">
+                        <a:latin typeface="메이플스토리" panose="02000300000000000000" pitchFamily="2" charset="-127"/>
+                        <a:ea typeface="메이플스토리" panose="02000300000000000000" pitchFamily="2" charset="-127"/>
+                      </a:endParaRPr>
+                    </a:p>
+                    <a:p>
+                      <a:pPr latinLnBrk="1"/>
+                      <a:r>
+                        <a:rPr lang="en-US" altLang="ko-KR" sz="1400" dirty="0">
+                          <a:latin typeface="메이플스토리" panose="02000300000000000000" pitchFamily="2" charset="-127"/>
+                          <a:ea typeface="메이플스토리" panose="02000300000000000000" pitchFamily="2" charset="-127"/>
+                        </a:rPr>
+                        <a:t>66.67%</a:t>
+                      </a:r>
+                    </a:p>
+                  </a:txBody>
+                  <a:tcPr anchor="ctr">
+                    <a:solidFill>
+                      <a:schemeClr val="accent2">
+                        <a:lumMod val="60000"/>
+                        <a:lumOff val="40000"/>
+                      </a:schemeClr>
+                    </a:solidFill>
+                  </a:tcPr>
+                </a:tc>
+                <a:extLst>
+                  <a:ext uri="{0D108BD9-81ED-4DB2-BD59-A6C34878D82A}">
+                    <a16:rowId xmlns:a16="http://schemas.microsoft.com/office/drawing/2014/main" val="1595810053"/>
+                  </a:ext>
+                </a:extLst>
+              </a:tr>
+              <a:tr h="570194">
+                <a:tc>
+                  <a:txBody>
+                    <a:bodyPr/>
+                    <a:lstStyle/>
+                    <a:p>
+                      <a:pPr marL="0" marR="0" lvl="0" indent="0" algn="l" defTabSz="914400" rtl="0" eaLnBrk="1" fontAlgn="auto" latinLnBrk="1" hangingPunct="1">
+                        <a:lnSpc>
+                          <a:spcPct val="100000"/>
+                        </a:lnSpc>
+                        <a:spcBef>
+                          <a:spcPts val="0"/>
+                        </a:spcBef>
+                        <a:spcAft>
+                          <a:spcPts val="0"/>
+                        </a:spcAft>
+                        <a:buClrTx/>
+                        <a:buSzTx/>
+                        <a:buFontTx/>
+                        <a:buNone/>
+                        <a:tabLst/>
+                        <a:defRPr/>
+                      </a:pPr>
+                      <a:r>
+                        <a:rPr lang="ko-KR" altLang="en-US" sz="1400" dirty="0">
+                          <a:latin typeface="메이플스토리" panose="02000300000000000000" pitchFamily="2" charset="-127"/>
+                          <a:ea typeface="메이플스토리" panose="02000300000000000000" pitchFamily="2" charset="-127"/>
+                        </a:rPr>
+                        <a:t>전투 스테이지 구현</a:t>
+                      </a:r>
+                    </a:p>
+                  </a:txBody>
+                  <a:tcPr anchor="ctr">
+                    <a:solidFill>
+                      <a:schemeClr val="accent2">
+                        <a:lumMod val="20000"/>
+                        <a:lumOff val="80000"/>
+                      </a:schemeClr>
+                    </a:solidFill>
+                  </a:tcPr>
+                </a:tc>
+                <a:tc vMerge="1">
+                  <a:txBody>
+                    <a:bodyPr/>
+                    <a:lstStyle/>
+                    <a:p>
+                      <a:endParaRPr/>
+                    </a:p>
+                  </a:txBody>
+                  <a:tcPr anchor="ctr">
+                    <a:solidFill>
+                      <a:schemeClr val="accent2">
+                        <a:lumMod val="20000"/>
+                        <a:lumOff val="80000"/>
+                      </a:schemeClr>
+                    </a:solidFill>
+                  </a:tcPr>
+                </a:tc>
+                <a:tc vMerge="1">
+                  <a:txBody>
+                    <a:bodyPr/>
+                    <a:lstStyle/>
+                    <a:p>
+                      <a:endParaRPr/>
+                    </a:p>
+                  </a:txBody>
+                  <a:tcPr anchor="ctr">
+                    <a:solidFill>
+                      <a:schemeClr val="accent2">
+                        <a:lumMod val="20000"/>
+                        <a:lumOff val="80000"/>
+                      </a:schemeClr>
+                    </a:solidFill>
+                  </a:tcPr>
+                </a:tc>
+                <a:extLst>
+                  <a:ext uri="{0D108BD9-81ED-4DB2-BD59-A6C34878D82A}">
+                    <a16:rowId xmlns:a16="http://schemas.microsoft.com/office/drawing/2014/main" val="4251137862"/>
+                  </a:ext>
+                </a:extLst>
+              </a:tr>
+              <a:tr h="570194">
+                <a:tc>
+                  <a:txBody>
+                    <a:bodyPr/>
+                    <a:lstStyle/>
+                    <a:p>
+                      <a:pPr latinLnBrk="1"/>
+                      <a:r>
+                        <a:rPr lang="ko-KR" altLang="en-US" sz="1400" dirty="0">
+                          <a:latin typeface="메이플스토리" panose="02000300000000000000" pitchFamily="2" charset="-127"/>
+                          <a:ea typeface="메이플스토리" panose="02000300000000000000" pitchFamily="2" charset="-127"/>
+                        </a:rPr>
+                        <a:t>상점</a:t>
+                      </a:r>
+                      <a:r>
+                        <a:rPr lang="en-US" altLang="ko-KR" sz="1400" dirty="0">
+                          <a:latin typeface="메이플스토리" panose="02000300000000000000" pitchFamily="2" charset="-127"/>
+                          <a:ea typeface="메이플스토리" panose="02000300000000000000" pitchFamily="2" charset="-127"/>
+                        </a:rPr>
+                        <a:t> </a:t>
+                      </a:r>
+                      <a:r>
+                        <a:rPr lang="ko-KR" altLang="en-US" sz="1400" dirty="0">
+                          <a:latin typeface="메이플스토리" panose="02000300000000000000" pitchFamily="2" charset="-127"/>
+                          <a:ea typeface="메이플스토리" panose="02000300000000000000" pitchFamily="2" charset="-127"/>
+                        </a:rPr>
+                        <a:t>스테이지 구현</a:t>
+                      </a:r>
+                    </a:p>
+                  </a:txBody>
+                  <a:tcPr anchor="ctr">
+                    <a:solidFill>
+                      <a:schemeClr val="accent2">
+                        <a:lumMod val="60000"/>
+                        <a:lumOff val="40000"/>
+                      </a:schemeClr>
+                    </a:solidFill>
+                  </a:tcPr>
+                </a:tc>
+                <a:tc vMerge="1">
+                  <a:txBody>
+                    <a:bodyPr/>
+                    <a:lstStyle/>
+                    <a:p>
+                      <a:endParaRPr dirty="0"/>
+                    </a:p>
+                  </a:txBody>
+                  <a:tcPr anchor="ctr">
+                    <a:solidFill>
+                      <a:schemeClr val="accent2">
+                        <a:lumMod val="60000"/>
+                        <a:lumOff val="40000"/>
+                      </a:schemeClr>
+                    </a:solidFill>
+                  </a:tcPr>
+                </a:tc>
+                <a:tc vMerge="1">
+                  <a:txBody>
+                    <a:bodyPr/>
+                    <a:lstStyle/>
+                    <a:p>
+                      <a:pPr latinLnBrk="1"/>
+                      <a:endParaRPr lang="ko-KR" altLang="en-US" sz="1400" dirty="0">
+                        <a:latin typeface="메이플스토리" panose="02000300000000000000" pitchFamily="2" charset="-127"/>
+                        <a:ea typeface="메이플스토리" panose="02000300000000000000" pitchFamily="2" charset="-127"/>
+                      </a:endParaRPr>
+                    </a:p>
+                  </a:txBody>
+                  <a:tcPr anchor="ctr">
+                    <a:solidFill>
+                      <a:schemeClr val="accent2">
+                        <a:lumMod val="60000"/>
+                        <a:lumOff val="40000"/>
+                      </a:schemeClr>
+                    </a:solidFill>
+                  </a:tcPr>
+                </a:tc>
+                <a:extLst>
+                  <a:ext uri="{0D108BD9-81ED-4DB2-BD59-A6C34878D82A}">
+                    <a16:rowId xmlns:a16="http://schemas.microsoft.com/office/drawing/2014/main" val="1411882881"/>
+                  </a:ext>
+                </a:extLst>
+              </a:tr>
+              <a:tr h="570194">
+                <a:tc>
+                  <a:txBody>
+                    <a:bodyPr/>
+                    <a:lstStyle/>
+                    <a:p>
+                      <a:pPr latinLnBrk="1"/>
+                      <a:r>
+                        <a:rPr lang="ko-KR" altLang="en-US" sz="1400" dirty="0">
+                          <a:latin typeface="메이플스토리" panose="02000300000000000000" pitchFamily="2" charset="-127"/>
+                          <a:ea typeface="메이플스토리" panose="02000300000000000000" pitchFamily="2" charset="-127"/>
+                        </a:rPr>
+                        <a:t>보스 몬스터 기초 생성</a:t>
+                      </a:r>
+                    </a:p>
+                  </a:txBody>
+                  <a:tcPr anchor="ctr">
+                    <a:solidFill>
+                      <a:schemeClr val="accent2">
+                        <a:lumMod val="20000"/>
+                        <a:lumOff val="80000"/>
+                      </a:schemeClr>
+                    </a:solidFill>
+                  </a:tcPr>
+                </a:tc>
+                <a:tc>
+                  <a:txBody>
+                    <a:bodyPr/>
+                    <a:lstStyle/>
+                    <a:p>
+                      <a:pPr marL="0" marR="0" lvl="0" indent="0" algn="l" defTabSz="914400" rtl="0" eaLnBrk="1" fontAlgn="auto" latinLnBrk="1" hangingPunct="1">
+                        <a:lnSpc>
+                          <a:spcPct val="100000"/>
+                        </a:lnSpc>
+                        <a:spcBef>
+                          <a:spcPts val="0"/>
+                        </a:spcBef>
+                        <a:spcAft>
+                          <a:spcPts val="0"/>
+                        </a:spcAft>
+                        <a:buClrTx/>
+                        <a:buSzTx/>
+                        <a:buFontTx/>
+                        <a:buNone/>
+                        <a:tabLst/>
+                        <a:defRPr/>
+                      </a:pPr>
+                      <a:r>
+                        <a:rPr lang="ko-KR" altLang="en-US" sz="1400" dirty="0">
+                          <a:latin typeface="메이플스토리" panose="02000300000000000000" pitchFamily="2" charset="-127"/>
+                          <a:ea typeface="메이플스토리" panose="02000300000000000000" pitchFamily="2" charset="-127"/>
+                        </a:rPr>
+                        <a:t>잔여 </a:t>
+                      </a:r>
+                      <a:r>
+                        <a:rPr lang="ko-KR" altLang="en-US" sz="1400" dirty="0" err="1">
+                          <a:latin typeface="메이플스토리" panose="02000300000000000000" pitchFamily="2" charset="-127"/>
+                          <a:ea typeface="메이플스토리" panose="02000300000000000000" pitchFamily="2" charset="-127"/>
+                        </a:rPr>
+                        <a:t>보스몬스터</a:t>
+                      </a:r>
+                      <a:r>
+                        <a:rPr lang="en-US" altLang="ko-KR" sz="1400" dirty="0">
+                          <a:latin typeface="메이플스토리" panose="02000300000000000000" pitchFamily="2" charset="-127"/>
+                          <a:ea typeface="메이플스토리" panose="02000300000000000000" pitchFamily="2" charset="-127"/>
+                        </a:rPr>
+                        <a:t>, </a:t>
+                      </a:r>
+                      <a:r>
+                        <a:rPr lang="ko-KR" altLang="en-US" sz="1400" dirty="0">
+                          <a:latin typeface="메이플스토리" panose="02000300000000000000" pitchFamily="2" charset="-127"/>
+                          <a:ea typeface="메이플스토리" panose="02000300000000000000" pitchFamily="2" charset="-127"/>
+                        </a:rPr>
+                        <a:t>카드 선택 모드 제작</a:t>
+                      </a:r>
+                    </a:p>
+                  </a:txBody>
+                  <a:tcPr anchor="ctr">
+                    <a:solidFill>
+                      <a:schemeClr val="accent2">
+                        <a:lumMod val="20000"/>
+                        <a:lumOff val="80000"/>
+                      </a:schemeClr>
+                    </a:solidFill>
+                  </a:tcPr>
+                </a:tc>
+                <a:tc>
+                  <a:txBody>
+                    <a:bodyPr/>
+                    <a:lstStyle/>
+                    <a:p>
+                      <a:pPr latinLnBrk="1"/>
+                      <a:r>
+                        <a:rPr lang="ko-KR" altLang="en-US" sz="1400" dirty="0">
+                          <a:latin typeface="메이플스토리" panose="02000300000000000000" pitchFamily="2" charset="-127"/>
+                          <a:ea typeface="메이플스토리" panose="02000300000000000000" pitchFamily="2" charset="-127"/>
+                        </a:rPr>
+                        <a:t>상점</a:t>
+                      </a:r>
+                      <a:r>
+                        <a:rPr lang="en-US" altLang="ko-KR" sz="1400" dirty="0">
+                          <a:latin typeface="메이플스토리" panose="02000300000000000000" pitchFamily="2" charset="-127"/>
+                          <a:ea typeface="메이플스토리" panose="02000300000000000000" pitchFamily="2" charset="-127"/>
+                        </a:rPr>
+                        <a:t>-&gt; </a:t>
+                      </a:r>
+                      <a:r>
+                        <a:rPr lang="ko-KR" altLang="en-US" sz="1400" dirty="0">
+                          <a:latin typeface="메이플스토리" panose="02000300000000000000" pitchFamily="2" charset="-127"/>
+                          <a:ea typeface="메이플스토리" panose="02000300000000000000" pitchFamily="2" charset="-127"/>
+                        </a:rPr>
+                        <a:t>능력치 카드 선택으로 변경 기존 계획대비 완료 </a:t>
+                      </a:r>
+                      <a:r>
+                        <a:rPr lang="en-US" altLang="ko-KR" sz="1400" dirty="0">
+                          <a:latin typeface="메이플스토리" panose="02000300000000000000" pitchFamily="2" charset="-127"/>
+                          <a:ea typeface="메이플스토리" panose="02000300000000000000" pitchFamily="2" charset="-127"/>
+                        </a:rPr>
+                        <a:t>(50%)</a:t>
+                      </a:r>
+                      <a:endParaRPr lang="ko-KR" altLang="en-US" sz="1400" dirty="0">
+                        <a:latin typeface="메이플스토리" panose="02000300000000000000" pitchFamily="2" charset="-127"/>
+                        <a:ea typeface="메이플스토리" panose="02000300000000000000" pitchFamily="2" charset="-127"/>
+                      </a:endParaRPr>
+                    </a:p>
+                  </a:txBody>
+                  <a:tcPr anchor="ctr">
+                    <a:solidFill>
+                      <a:schemeClr val="accent2">
+                        <a:lumMod val="20000"/>
+                        <a:lumOff val="80000"/>
+                      </a:schemeClr>
+                    </a:solidFill>
+                  </a:tcPr>
+                </a:tc>
+                <a:extLst>
+                  <a:ext uri="{0D108BD9-81ED-4DB2-BD59-A6C34878D82A}">
+                    <a16:rowId xmlns:a16="http://schemas.microsoft.com/office/drawing/2014/main" val="2078728303"/>
+                  </a:ext>
+                </a:extLst>
+              </a:tr>
+              <a:tr h="570194">
+                <a:tc>
+                  <a:txBody>
+                    <a:bodyPr/>
+                    <a:lstStyle/>
+                    <a:p>
+                      <a:pPr latinLnBrk="1"/>
+                      <a:r>
+                        <a:rPr lang="ko-KR" altLang="en-US" sz="1400" dirty="0">
+                          <a:latin typeface="메이플스토리" panose="02000300000000000000" pitchFamily="2" charset="-127"/>
+                          <a:ea typeface="메이플스토리" panose="02000300000000000000" pitchFamily="2" charset="-127"/>
+                        </a:rPr>
+                        <a:t>보스 몬스터 구현 및 배치</a:t>
+                      </a:r>
+                    </a:p>
+                  </a:txBody>
+                  <a:tcPr anchor="ctr">
+                    <a:solidFill>
+                      <a:srgbClr val="F4B183"/>
+                    </a:solidFill>
+                  </a:tcPr>
+                </a:tc>
+                <a:tc>
+                  <a:txBody>
+                    <a:bodyPr/>
+                    <a:lstStyle/>
+                    <a:p>
+                      <a:pPr marL="0" marR="0" lvl="0" indent="0" algn="l" defTabSz="914400" rtl="0" eaLnBrk="1" fontAlgn="auto" latinLnBrk="1" hangingPunct="1">
+                        <a:lnSpc>
+                          <a:spcPct val="100000"/>
+                        </a:lnSpc>
+                        <a:spcBef>
+                          <a:spcPts val="0"/>
+                        </a:spcBef>
+                        <a:spcAft>
+                          <a:spcPts val="0"/>
+                        </a:spcAft>
+                        <a:buClrTx/>
+                        <a:buSzTx/>
+                        <a:buFontTx/>
+                        <a:buNone/>
+                        <a:tabLst/>
+                        <a:defRPr/>
+                      </a:pPr>
+                      <a:r>
+                        <a:rPr lang="en-US" altLang="ko-KR" sz="1400" dirty="0">
+                          <a:latin typeface="메이플스토리" panose="02000300000000000000" pitchFamily="2" charset="-127"/>
+                          <a:ea typeface="메이플스토리" panose="02000300000000000000" pitchFamily="2" charset="-127"/>
+                        </a:rPr>
+                        <a:t>UI</a:t>
+                      </a:r>
+                      <a:r>
+                        <a:rPr lang="ko-KR" altLang="en-US" sz="1400" dirty="0">
+                          <a:latin typeface="메이플스토리" panose="02000300000000000000" pitchFamily="2" charset="-127"/>
+                          <a:ea typeface="메이플스토리" panose="02000300000000000000" pitchFamily="2" charset="-127"/>
+                        </a:rPr>
+                        <a:t>작업</a:t>
+                      </a:r>
+                    </a:p>
+                  </a:txBody>
+                  <a:tcPr anchor="ctr">
+                    <a:solidFill>
+                      <a:srgbClr val="F4B183"/>
+                    </a:solidFill>
+                  </a:tcPr>
+                </a:tc>
+                <a:tc>
+                  <a:txBody>
+                    <a:bodyPr/>
+                    <a:lstStyle/>
+                    <a:p>
+                      <a:pPr marL="0" marR="0" lvl="0" indent="0" algn="l" defTabSz="914400" rtl="0" eaLnBrk="1" fontAlgn="auto" latinLnBrk="1" hangingPunct="1">
+                        <a:lnSpc>
+                          <a:spcPct val="100000"/>
+                        </a:lnSpc>
+                        <a:spcBef>
+                          <a:spcPts val="0"/>
+                        </a:spcBef>
+                        <a:spcAft>
+                          <a:spcPts val="0"/>
+                        </a:spcAft>
+                        <a:buClrTx/>
+                        <a:buSzTx/>
+                        <a:buFontTx/>
+                        <a:buNone/>
+                        <a:tabLst/>
+                        <a:defRPr/>
+                      </a:pPr>
+                      <a:r>
+                        <a:rPr lang="ko-KR" altLang="en-US" sz="1400" dirty="0">
+                          <a:latin typeface="메이플스토리" panose="02000300000000000000" pitchFamily="2" charset="-127"/>
+                          <a:ea typeface="메이플스토리" panose="02000300000000000000" pitchFamily="2" charset="-127"/>
+                        </a:rPr>
+                        <a:t>플레이어 </a:t>
+                      </a:r>
+                      <a:r>
+                        <a:rPr lang="en-US" altLang="ko-KR" sz="1400" dirty="0">
+                          <a:latin typeface="메이플스토리" panose="02000300000000000000" pitchFamily="2" charset="-127"/>
+                          <a:ea typeface="메이플스토리" panose="02000300000000000000" pitchFamily="2" charset="-127"/>
+                        </a:rPr>
+                        <a:t>hp, </a:t>
+                      </a:r>
+                      <a:r>
+                        <a:rPr lang="en-US" altLang="ko-KR" sz="1400" dirty="0" err="1">
+                          <a:latin typeface="메이플스토리" panose="02000300000000000000" pitchFamily="2" charset="-127"/>
+                          <a:ea typeface="메이플스토리" panose="02000300000000000000" pitchFamily="2" charset="-127"/>
+                        </a:rPr>
+                        <a:t>mp</a:t>
+                      </a:r>
+                      <a:r>
+                        <a:rPr lang="ko-KR" altLang="en-US" sz="1400" dirty="0">
+                          <a:latin typeface="메이플스토리" panose="02000300000000000000" pitchFamily="2" charset="-127"/>
+                          <a:ea typeface="메이플스토리" panose="02000300000000000000" pitchFamily="2" charset="-127"/>
+                        </a:rPr>
+                        <a:t>등 </a:t>
+                      </a:r>
+                      <a:r>
+                        <a:rPr lang="ko-KR" altLang="en-US" sz="1400" dirty="0" err="1">
+                          <a:latin typeface="메이플스토리" panose="02000300000000000000" pitchFamily="2" charset="-127"/>
+                          <a:ea typeface="메이플스토리" panose="02000300000000000000" pitchFamily="2" charset="-127"/>
+                        </a:rPr>
+                        <a:t>상태창</a:t>
+                      </a:r>
+                      <a:r>
+                        <a:rPr lang="ko-KR" altLang="en-US" sz="1400" dirty="0">
+                          <a:latin typeface="메이플스토리" panose="02000300000000000000" pitchFamily="2" charset="-127"/>
+                          <a:ea typeface="메이플스토리" panose="02000300000000000000" pitchFamily="2" charset="-127"/>
+                        </a:rPr>
+                        <a:t> 구현 완료</a:t>
+                      </a:r>
+                      <a:r>
+                        <a:rPr lang="en-US" altLang="ko-KR" sz="1400" dirty="0">
+                          <a:latin typeface="메이플스토리" panose="02000300000000000000" pitchFamily="2" charset="-127"/>
+                          <a:ea typeface="메이플스토리" panose="02000300000000000000" pitchFamily="2" charset="-127"/>
+                        </a:rPr>
+                        <a:t>, </a:t>
+                      </a:r>
+                      <a:r>
+                        <a:rPr lang="ko-KR" altLang="en-US" sz="1400" dirty="0">
+                          <a:latin typeface="메이플스토리" panose="02000300000000000000" pitchFamily="2" charset="-127"/>
+                          <a:ea typeface="메이플스토리" panose="02000300000000000000" pitchFamily="2" charset="-127"/>
+                        </a:rPr>
+                        <a:t>보스 </a:t>
+                      </a:r>
+                      <a:r>
+                        <a:rPr lang="en-US" altLang="ko-KR" sz="1400" dirty="0" err="1">
+                          <a:latin typeface="메이플스토리" panose="02000300000000000000" pitchFamily="2" charset="-127"/>
+                          <a:ea typeface="메이플스토리" panose="02000300000000000000" pitchFamily="2" charset="-127"/>
+                        </a:rPr>
+                        <a:t>ui</a:t>
+                      </a:r>
+                      <a:r>
+                        <a:rPr lang="ko-KR" altLang="en-US" sz="1400" dirty="0">
+                          <a:latin typeface="메이플스토리" panose="02000300000000000000" pitchFamily="2" charset="-127"/>
+                          <a:ea typeface="메이플스토리" panose="02000300000000000000" pitchFamily="2" charset="-127"/>
+                        </a:rPr>
+                        <a:t>는 미완</a:t>
+                      </a:r>
+                      <a:r>
+                        <a:rPr lang="en-US" altLang="ko-KR" sz="1400" dirty="0">
+                          <a:latin typeface="메이플스토리" panose="02000300000000000000" pitchFamily="2" charset="-127"/>
+                          <a:ea typeface="메이플스토리" panose="02000300000000000000" pitchFamily="2" charset="-127"/>
+                        </a:rPr>
+                        <a:t>(80%)</a:t>
+                      </a:r>
+                      <a:endParaRPr lang="ko-KR" altLang="en-US" sz="1400" dirty="0">
+                        <a:latin typeface="메이플스토리" panose="02000300000000000000" pitchFamily="2" charset="-127"/>
+                        <a:ea typeface="메이플스토리" panose="02000300000000000000" pitchFamily="2" charset="-127"/>
+                      </a:endParaRPr>
+                    </a:p>
+                    <a:p>
+                      <a:pPr latinLnBrk="1"/>
+                      <a:endParaRPr lang="ko-KR" altLang="en-US" sz="1400" dirty="0">
+                        <a:latin typeface="메이플스토리" panose="02000300000000000000" pitchFamily="2" charset="-127"/>
+                        <a:ea typeface="메이플스토리" panose="02000300000000000000" pitchFamily="2" charset="-127"/>
+                      </a:endParaRPr>
+                    </a:p>
+                  </a:txBody>
+                  <a:tcPr anchor="ctr">
+                    <a:solidFill>
+                      <a:srgbClr val="F4B183"/>
+                    </a:solidFill>
+                  </a:tcPr>
+                </a:tc>
+                <a:extLst>
+                  <a:ext uri="{0D108BD9-81ED-4DB2-BD59-A6C34878D82A}">
+                    <a16:rowId xmlns:a16="http://schemas.microsoft.com/office/drawing/2014/main" val="1512973277"/>
+                  </a:ext>
+                </a:extLst>
+              </a:tr>
+              <a:tr h="570194">
+                <a:tc>
+                  <a:txBody>
+                    <a:bodyPr/>
+                    <a:lstStyle/>
+                    <a:p>
+                      <a:pPr latinLnBrk="1"/>
+                      <a:r>
+                        <a:rPr lang="ko-KR" altLang="en-US" sz="1400" dirty="0">
+                          <a:latin typeface="메이플스토리" panose="02000300000000000000" pitchFamily="2" charset="-127"/>
+                          <a:ea typeface="메이플스토리" panose="02000300000000000000" pitchFamily="2" charset="-127"/>
+                        </a:rPr>
+                        <a:t>추가작업</a:t>
+                      </a:r>
+                    </a:p>
+                  </a:txBody>
+                  <a:tcPr anchor="ctr">
+                    <a:solidFill>
+                      <a:schemeClr val="accent2">
+                        <a:lumMod val="20000"/>
+                        <a:lumOff val="80000"/>
+                      </a:schemeClr>
+                    </a:solidFill>
+                  </a:tcPr>
+                </a:tc>
+                <a:tc>
+                  <a:txBody>
+                    <a:bodyPr/>
+                    <a:lstStyle/>
+                    <a:p>
+                      <a:pPr latinLnBrk="1"/>
+                      <a:r>
+                        <a:rPr lang="ko-KR" altLang="en-US" sz="1400" dirty="0">
+                          <a:latin typeface="메이플스토리" panose="02000300000000000000" pitchFamily="2" charset="-127"/>
+                          <a:ea typeface="메이플스토리" panose="02000300000000000000" pitchFamily="2" charset="-127"/>
+                        </a:rPr>
+                        <a:t>사운드</a:t>
+                      </a:r>
+                      <a:r>
+                        <a:rPr lang="en-US" altLang="ko-KR" sz="1400" dirty="0">
+                          <a:latin typeface="메이플스토리" panose="02000300000000000000" pitchFamily="2" charset="-127"/>
+                          <a:ea typeface="메이플스토리" panose="02000300000000000000" pitchFamily="2" charset="-127"/>
+                        </a:rPr>
+                        <a:t>, </a:t>
+                      </a:r>
+                      <a:r>
+                        <a:rPr lang="ko-KR" altLang="en-US" sz="1400" dirty="0">
+                          <a:latin typeface="메이플스토리" panose="02000300000000000000" pitchFamily="2" charset="-127"/>
+                          <a:ea typeface="메이플스토리" panose="02000300000000000000" pitchFamily="2" charset="-127"/>
+                        </a:rPr>
+                        <a:t>밸런스</a:t>
+                      </a:r>
+                    </a:p>
+                  </a:txBody>
+                  <a:tcPr anchor="ctr">
+                    <a:solidFill>
+                      <a:schemeClr val="accent2">
+                        <a:lumMod val="20000"/>
+                        <a:lumOff val="80000"/>
+                      </a:schemeClr>
+                    </a:solidFill>
+                  </a:tcPr>
+                </a:tc>
+                <a:tc>
+                  <a:txBody>
+                    <a:bodyPr/>
+                    <a:lstStyle/>
+                    <a:p>
+                      <a:pPr latinLnBrk="1"/>
+                      <a:r>
+                        <a:rPr lang="ko-KR" altLang="en-US" sz="1400" dirty="0">
+                          <a:latin typeface="메이플스토리" panose="02000300000000000000" pitchFamily="2" charset="-127"/>
+                          <a:ea typeface="메이플스토리" panose="02000300000000000000" pitchFamily="2" charset="-127"/>
+                        </a:rPr>
+                        <a:t>스킬 사운드</a:t>
+                      </a:r>
+                      <a:r>
+                        <a:rPr lang="en-US" altLang="ko-KR" sz="1400" dirty="0">
+                          <a:latin typeface="메이플스토리" panose="02000300000000000000" pitchFamily="2" charset="-127"/>
+                          <a:ea typeface="메이플스토리" panose="02000300000000000000" pitchFamily="2" charset="-127"/>
+                        </a:rPr>
+                        <a:t>2</a:t>
+                      </a:r>
+                      <a:r>
+                        <a:rPr lang="ko-KR" altLang="en-US" sz="1400" dirty="0">
+                          <a:latin typeface="메이플스토리" panose="02000300000000000000" pitchFamily="2" charset="-127"/>
+                          <a:ea typeface="메이플스토리" panose="02000300000000000000" pitchFamily="2" charset="-127"/>
+                        </a:rPr>
+                        <a:t>종을 찾지 못함 나머지는 완료</a:t>
+                      </a:r>
+                      <a:r>
+                        <a:rPr lang="en-US" altLang="ko-KR" sz="1400" dirty="0">
+                          <a:latin typeface="메이플스토리" panose="02000300000000000000" pitchFamily="2" charset="-127"/>
+                          <a:ea typeface="메이플스토리" panose="02000300000000000000" pitchFamily="2" charset="-127"/>
+                        </a:rPr>
+                        <a:t>(70%)</a:t>
+                      </a:r>
+                      <a:endParaRPr lang="ko-KR" altLang="en-US" sz="1400" dirty="0">
+                        <a:latin typeface="메이플스토리" panose="02000300000000000000" pitchFamily="2" charset="-127"/>
+                        <a:ea typeface="메이플스토리" panose="02000300000000000000" pitchFamily="2" charset="-127"/>
+                      </a:endParaRPr>
+                    </a:p>
+                  </a:txBody>
+                  <a:tcPr anchor="ctr">
+                    <a:solidFill>
+                      <a:schemeClr val="accent2">
+                        <a:lumMod val="20000"/>
+                        <a:lumOff val="80000"/>
+                      </a:schemeClr>
+                    </a:solidFill>
+                  </a:tcPr>
+                </a:tc>
+                <a:extLst>
+                  <a:ext uri="{0D108BD9-81ED-4DB2-BD59-A6C34878D82A}">
+                    <a16:rowId xmlns:a16="http://schemas.microsoft.com/office/drawing/2014/main" val="171216384"/>
+                  </a:ext>
+                </a:extLst>
+              </a:tr>
+            </a:tbl>
+          </a:graphicData>
+        </a:graphic>
+      </p:graphicFrame>
+    </p:spTree>
+    <p:extLst>
+      <p:ext uri="{BB962C8B-B14F-4D97-AF65-F5344CB8AC3E}">
+        <p14:creationId xmlns:p14="http://schemas.microsoft.com/office/powerpoint/2010/main" val="3903981741"/>
+      </p:ext>
+    </p:extLst>
+  </p:cSld>
+  <p:clrMapOvr>
+    <a:masterClrMapping/>
+  </p:clrMapOvr>
+</p:sld>
+</file>
+
+<file path=ppt/slides/slide12.xml><?xml version="1.0" encoding="utf-8"?>
+<p:sld xmlns:a="http://schemas.openxmlformats.org/drawingml/2006/main" xmlns:r="http://schemas.openxmlformats.org/officeDocument/2006/relationships" xmlns:p="http://schemas.openxmlformats.org/presentationml/2006/main">
+  <p:cSld>
+    <p:spTree>
+      <p:nvGrpSpPr>
+        <p:cNvPr id="1" name=""/>
+        <p:cNvGrpSpPr/>
+        <p:nvPr/>
+      </p:nvGrpSpPr>
+      <p:grpSpPr>
+        <a:xfrm>
+          <a:off x="0" y="0"/>
+          <a:ext cx="0" cy="0"/>
+          <a:chOff x="0" y="0"/>
+          <a:chExt cx="0" cy="0"/>
+        </a:xfrm>
+      </p:grpSpPr>
+      <p:sp>
+        <p:nvSpPr>
+          <p:cNvPr id="2" name="제목 1">
+            <a:extLst>
+              <a:ext uri="{FF2B5EF4-FFF2-40B4-BE49-F238E27FC236}">
+                <a16:creationId xmlns:a16="http://schemas.microsoft.com/office/drawing/2014/main" id="{EBD91D8E-1CFD-6C0E-5AE0-EFB3E55F876C}"/>
+              </a:ext>
+            </a:extLst>
+          </p:cNvPr>
+          <p:cNvSpPr>
+            <a:spLocks noGrp="1"/>
+          </p:cNvSpPr>
+          <p:nvPr>
+            <p:ph type="title"/>
+          </p:nvPr>
+        </p:nvSpPr>
+        <p:spPr/>
+        <p:txBody>
+          <a:bodyPr/>
+          <a:lstStyle/>
+          <a:p>
+            <a:r>
+              <a:rPr lang="ko-KR" altLang="en-US" dirty="0" err="1">
+                <a:latin typeface="메이플스토리" panose="02000300000000000000" pitchFamily="2" charset="-127"/>
+                <a:ea typeface="메이플스토리" panose="02000300000000000000" pitchFamily="2" charset="-127"/>
+              </a:rPr>
+              <a:t>느낀점</a:t>
+            </a:r>
+            <a:r>
+              <a:rPr lang="en-US" altLang="ko-KR" dirty="0">
+                <a:latin typeface="메이플스토리" panose="02000300000000000000" pitchFamily="2" charset="-127"/>
+                <a:ea typeface="메이플스토리" panose="02000300000000000000" pitchFamily="2" charset="-127"/>
+              </a:rPr>
+              <a:t>?</a:t>
+            </a:r>
+            <a:endParaRPr lang="ko-KR" altLang="en-US" dirty="0">
+              <a:latin typeface="메이플스토리" panose="02000300000000000000" pitchFamily="2" charset="-127"/>
+              <a:ea typeface="메이플스토리" panose="02000300000000000000" pitchFamily="2" charset="-127"/>
+            </a:endParaRPr>
+          </a:p>
+        </p:txBody>
+      </p:sp>
+      <p:sp>
+        <p:nvSpPr>
+          <p:cNvPr id="3" name="내용 개체 틀 2">
+            <a:extLst>
+              <a:ext uri="{FF2B5EF4-FFF2-40B4-BE49-F238E27FC236}">
+                <a16:creationId xmlns:a16="http://schemas.microsoft.com/office/drawing/2014/main" id="{A3BD912C-4055-3504-F8C7-1369E5C98563}"/>
+              </a:ext>
+            </a:extLst>
+          </p:cNvPr>
+          <p:cNvSpPr>
+            <a:spLocks noGrp="1"/>
+          </p:cNvSpPr>
+          <p:nvPr>
+            <p:ph idx="1"/>
+          </p:nvPr>
+        </p:nvSpPr>
+        <p:spPr/>
+        <p:txBody>
+          <a:bodyPr/>
+          <a:lstStyle/>
+          <a:p>
+            <a:r>
+              <a:rPr lang="ko-KR" altLang="en-US" dirty="0">
+                <a:latin typeface="메이플스토리" panose="02000300000000000000" pitchFamily="2" charset="-127"/>
+                <a:ea typeface="메이플스토리" panose="02000300000000000000" pitchFamily="2" charset="-127"/>
+              </a:rPr>
+              <a:t>기획할 때 견적을 어느정도 내보자</a:t>
+            </a:r>
+            <a:r>
+              <a:rPr lang="en-US" altLang="ko-KR" dirty="0">
+                <a:latin typeface="메이플스토리" panose="02000300000000000000" pitchFamily="2" charset="-127"/>
+                <a:ea typeface="메이플스토리" panose="02000300000000000000" pitchFamily="2" charset="-127"/>
+              </a:rPr>
+              <a:t>…</a:t>
+            </a:r>
+          </a:p>
+          <a:p>
+            <a:endParaRPr lang="en-US" altLang="ko-KR">
+              <a:latin typeface="메이플스토리" panose="02000300000000000000" pitchFamily="2" charset="-127"/>
+              <a:ea typeface="메이플스토리" panose="02000300000000000000" pitchFamily="2" charset="-127"/>
+            </a:endParaRPr>
+          </a:p>
+          <a:p>
+            <a:endParaRPr lang="ko-KR" altLang="en-US" dirty="0">
+              <a:latin typeface="메이플스토리" panose="02000300000000000000" pitchFamily="2" charset="-127"/>
+              <a:ea typeface="메이플스토리" panose="02000300000000000000" pitchFamily="2" charset="-127"/>
+            </a:endParaRPr>
+          </a:p>
+        </p:txBody>
+      </p:sp>
+    </p:spTree>
+    <p:extLst>
+      <p:ext uri="{BB962C8B-B14F-4D97-AF65-F5344CB8AC3E}">
+        <p14:creationId xmlns:p14="http://schemas.microsoft.com/office/powerpoint/2010/main" val="4221460913"/>
+      </p:ext>
+    </p:extLst>
+  </p:cSld>
+  <p:clrMapOvr>
+    <a:masterClrMapping/>
+  </p:clrMapOvr>
+</p:sld>
+</file>
+
 <file path=ppt/slides/slide2.xml><?xml version="1.0" encoding="utf-8"?>
 <p:sld xmlns:a="http://schemas.openxmlformats.org/drawingml/2006/main" xmlns:r="http://schemas.openxmlformats.org/officeDocument/2006/relationships" xmlns:p="http://schemas.openxmlformats.org/presentationml/2006/main">
   <p:cSld>
@@ -4136,6 +6898,7 @@
             </a:extLst>
           </p:cNvPr>
           <p:cNvCxnSpPr>
+            <a:cxnSpLocks/>
             <a:stCxn id="32" idx="1"/>
           </p:cNvCxnSpPr>
           <p:nvPr/>
@@ -7430,6 +10193,107 @@
 </file>
 
 <file path=ppt/slides/slide8.xml><?xml version="1.0" encoding="utf-8"?>
+<p:sld xmlns:a="http://schemas.openxmlformats.org/drawingml/2006/main" xmlns:r="http://schemas.openxmlformats.org/officeDocument/2006/relationships" xmlns:p="http://schemas.openxmlformats.org/presentationml/2006/main">
+  <p:cSld>
+    <p:spTree>
+      <p:nvGrpSpPr>
+        <p:cNvPr id="1" name=""/>
+        <p:cNvGrpSpPr/>
+        <p:nvPr/>
+      </p:nvGrpSpPr>
+      <p:grpSpPr>
+        <a:xfrm>
+          <a:off x="0" y="0"/>
+          <a:ext cx="0" cy="0"/>
+          <a:chOff x="0" y="0"/>
+          <a:chExt cx="0" cy="0"/>
+        </a:xfrm>
+      </p:grpSpPr>
+      <p:sp>
+        <p:nvSpPr>
+          <p:cNvPr id="2" name="제목 1">
+            <a:extLst>
+              <a:ext uri="{FF2B5EF4-FFF2-40B4-BE49-F238E27FC236}">
+                <a16:creationId xmlns:a16="http://schemas.microsoft.com/office/drawing/2014/main" id="{31BA9380-69AC-8204-41F8-93C350F080B8}"/>
+              </a:ext>
+            </a:extLst>
+          </p:cNvPr>
+          <p:cNvSpPr>
+            <a:spLocks noGrp="1"/>
+          </p:cNvSpPr>
+          <p:nvPr>
+            <p:ph type="title"/>
+          </p:nvPr>
+        </p:nvSpPr>
+        <p:spPr/>
+        <p:txBody>
+          <a:bodyPr/>
+          <a:lstStyle/>
+          <a:p>
+            <a:r>
+              <a:rPr lang="ko-KR" altLang="en-US" dirty="0"/>
+              <a:t>주요 변경 사항</a:t>
+            </a:r>
+          </a:p>
+        </p:txBody>
+      </p:sp>
+      <p:sp>
+        <p:nvSpPr>
+          <p:cNvPr id="3" name="텍스트 개체 틀 2">
+            <a:extLst>
+              <a:ext uri="{FF2B5EF4-FFF2-40B4-BE49-F238E27FC236}">
+                <a16:creationId xmlns:a16="http://schemas.microsoft.com/office/drawing/2014/main" id="{4773F7F5-99A5-C716-33C2-1B4B5147A13F}"/>
+              </a:ext>
+            </a:extLst>
+          </p:cNvPr>
+          <p:cNvSpPr>
+            <a:spLocks noGrp="1"/>
+          </p:cNvSpPr>
+          <p:nvPr>
+            <p:ph type="body" idx="1"/>
+          </p:nvPr>
+        </p:nvSpPr>
+        <p:spPr/>
+        <p:txBody>
+          <a:bodyPr/>
+          <a:lstStyle/>
+          <a:p>
+            <a:r>
+              <a:rPr lang="en-US" altLang="ko-KR" dirty="0"/>
+              <a:t>-</a:t>
+            </a:r>
+            <a:r>
+              <a:rPr lang="ko-KR" altLang="en-US" dirty="0"/>
+              <a:t>전투 구성</a:t>
+            </a:r>
+            <a:endParaRPr lang="en-US" altLang="ko-KR" dirty="0"/>
+          </a:p>
+          <a:p>
+            <a:r>
+              <a:rPr lang="en-US" altLang="ko-KR" dirty="0"/>
+              <a:t>-</a:t>
+            </a:r>
+            <a:r>
+              <a:rPr lang="ko-KR" altLang="en-US" dirty="0"/>
+              <a:t>강화 시스템</a:t>
+            </a:r>
+          </a:p>
+        </p:txBody>
+      </p:sp>
+    </p:spTree>
+    <p:extLst>
+      <p:ext uri="{BB962C8B-B14F-4D97-AF65-F5344CB8AC3E}">
+        <p14:creationId xmlns:p14="http://schemas.microsoft.com/office/powerpoint/2010/main" val="2814695553"/>
+      </p:ext>
+    </p:extLst>
+  </p:cSld>
+  <p:clrMapOvr>
+    <a:masterClrMapping/>
+  </p:clrMapOvr>
+</p:sld>
+</file>
+
+<file path=ppt/slides/slide9.xml><?xml version="1.0" encoding="utf-8"?>
 <p:sld xmlns:a="http://schemas.openxmlformats.org/drawingml/2006/main" xmlns:r="http://schemas.openxmlformats.org/officeDocument/2006/relationships" xmlns:p="http://schemas.openxmlformats.org/presentationml/2006/main">
   <p:cSld>
     <p:spTree>
